--- a/Food Recommender Based on Taste.pptx
+++ b/Food Recommender Based on Taste.pptx
@@ -5,10 +5,10 @@
     <p:sldMasterId id="2147483648" r:id="rId1"/>
   </p:sldMasterIdLst>
   <p:notesMasterIdLst>
-    <p:notesMasterId r:id="rId44"/>
+    <p:notesMasterId r:id="rId49"/>
   </p:notesMasterIdLst>
   <p:handoutMasterIdLst>
-    <p:handoutMasterId r:id="rId45"/>
+    <p:handoutMasterId r:id="rId50"/>
   </p:handoutMasterIdLst>
   <p:sldIdLst>
     <p:sldId id="257" r:id="rId2"/>
@@ -35,29 +35,34 @@
     <p:sldId id="299" r:id="rId23"/>
     <p:sldId id="300" r:id="rId24"/>
     <p:sldId id="301" r:id="rId25"/>
-    <p:sldId id="305" r:id="rId26"/>
-    <p:sldId id="306" r:id="rId27"/>
-    <p:sldId id="307" r:id="rId28"/>
-    <p:sldId id="309" r:id="rId29"/>
-    <p:sldId id="310" r:id="rId30"/>
-    <p:sldId id="311" r:id="rId31"/>
-    <p:sldId id="308" r:id="rId32"/>
-    <p:sldId id="312" r:id="rId33"/>
-    <p:sldId id="313" r:id="rId34"/>
-    <p:sldId id="314" r:id="rId35"/>
-    <p:sldId id="315" r:id="rId36"/>
-    <p:sldId id="316" r:id="rId37"/>
-    <p:sldId id="317" r:id="rId38"/>
-    <p:sldId id="318" r:id="rId39"/>
-    <p:sldId id="319" r:id="rId40"/>
-    <p:sldId id="320" r:id="rId41"/>
-    <p:sldId id="321" r:id="rId42"/>
-    <p:sldId id="322" r:id="rId43"/>
+    <p:sldId id="323" r:id="rId26"/>
+    <p:sldId id="324" r:id="rId27"/>
+    <p:sldId id="325" r:id="rId28"/>
+    <p:sldId id="326" r:id="rId29"/>
+    <p:sldId id="327" r:id="rId30"/>
+    <p:sldId id="307" r:id="rId31"/>
+    <p:sldId id="309" r:id="rId32"/>
+    <p:sldId id="328" r:id="rId33"/>
+    <p:sldId id="308" r:id="rId34"/>
+    <p:sldId id="312" r:id="rId35"/>
+    <p:sldId id="313" r:id="rId36"/>
+    <p:sldId id="314" r:id="rId37"/>
+    <p:sldId id="315" r:id="rId38"/>
+    <p:sldId id="316" r:id="rId39"/>
+    <p:sldId id="317" r:id="rId40"/>
+    <p:sldId id="318" r:id="rId41"/>
+    <p:sldId id="319" r:id="rId42"/>
+    <p:sldId id="329" r:id="rId43"/>
+    <p:sldId id="320" r:id="rId44"/>
+    <p:sldId id="330" r:id="rId45"/>
+    <p:sldId id="321" r:id="rId46"/>
+    <p:sldId id="331" r:id="rId47"/>
+    <p:sldId id="322" r:id="rId48"/>
   </p:sldIdLst>
   <p:sldSz cx="12188825" cy="6858000"/>
   <p:notesSz cx="6858000" cy="9144000"/>
   <p:custDataLst>
-    <p:tags r:id="rId46"/>
+    <p:tags r:id="rId51"/>
   </p:custDataLst>
   <p:defaultTextStyle>
     <a:defPPr>
@@ -258,7 +263,7 @@
           <a:p>
             <a:fld id="{FF16D341-6D40-498C-B355-1A6B10FB4029}" type="datetimeFigureOut">
               <a:rPr lang="en-US"/>
-              <a:t>8/19/2022</a:t>
+              <a:t>8/20/2022</a:t>
             </a:fld>
             <a:endParaRPr dirty="0"/>
           </a:p>
@@ -423,7 +428,7 @@
           <a:p>
             <a:fld id="{B95E7497-3723-4859-BCC5-41DA474F1359}" type="datetimeFigureOut">
               <a:rPr lang="en-US"/>
-              <a:t>8/19/2022</a:t>
+              <a:t>8/20/2022</a:t>
             </a:fld>
             <a:endParaRPr dirty="0"/>
           </a:p>
@@ -1083,7 +1088,7 @@
           <a:p>
             <a:fld id="{A753D76A-AFCE-4D96-B917-CBEF96F7D1EB}" type="datetimeFigureOut">
               <a:rPr lang="en-US"/>
-              <a:t>8/19/2022</a:t>
+              <a:t>8/20/2022</a:t>
             </a:fld>
             <a:endParaRPr dirty="0"/>
           </a:p>
@@ -1190,7 +1195,7 @@
           <a:p>
             <a:fld id="{A753D76A-AFCE-4D96-B917-CBEF96F7D1EB}" type="datetimeFigureOut">
               <a:rPr lang="en-US"/>
-              <a:t>8/19/2022</a:t>
+              <a:t>8/20/2022</a:t>
             </a:fld>
             <a:endParaRPr dirty="0"/>
           </a:p>
@@ -1517,7 +1522,7 @@
           <a:p>
             <a:fld id="{A753D76A-AFCE-4D96-B917-CBEF96F7D1EB}" type="datetimeFigureOut">
               <a:rPr lang="en-US"/>
-              <a:t>8/19/2022</a:t>
+              <a:t>8/20/2022</a:t>
             </a:fld>
             <a:endParaRPr dirty="0"/>
           </a:p>
@@ -2023,7 +2028,7 @@
             <a:fld id="{A753D76A-AFCE-4D96-B917-CBEF96F7D1EB}" type="datetimeFigureOut">
               <a:rPr lang="en-US"/>
               <a:pPr/>
-              <a:t>8/19/2022</a:t>
+              <a:t>8/20/2022</a:t>
             </a:fld>
             <a:endParaRPr dirty="0"/>
           </a:p>
@@ -2206,7 +2211,7 @@
           <a:p>
             <a:fld id="{A753D76A-AFCE-4D96-B917-CBEF96F7D1EB}" type="datetimeFigureOut">
               <a:rPr lang="en-US"/>
-              <a:t>8/19/2022</a:t>
+              <a:t>8/20/2022</a:t>
             </a:fld>
             <a:endParaRPr dirty="0"/>
           </a:p>
@@ -2398,7 +2403,7 @@
           <a:p>
             <a:fld id="{A753D76A-AFCE-4D96-B917-CBEF96F7D1EB}" type="datetimeFigureOut">
               <a:rPr lang="en-US"/>
-              <a:t>8/19/2022</a:t>
+              <a:t>8/20/2022</a:t>
             </a:fld>
             <a:endParaRPr dirty="0"/>
           </a:p>
@@ -2995,7 +3000,7 @@
           <a:p>
             <a:fld id="{A753D76A-AFCE-4D96-B917-CBEF96F7D1EB}" type="datetimeFigureOut">
               <a:rPr lang="en-US"/>
-              <a:t>8/19/2022</a:t>
+              <a:t>8/20/2022</a:t>
             </a:fld>
             <a:endParaRPr dirty="0"/>
           </a:p>
@@ -3427,7 +3432,7 @@
           <a:p>
             <a:fld id="{A753D76A-AFCE-4D96-B917-CBEF96F7D1EB}" type="datetimeFigureOut">
               <a:rPr lang="en-US"/>
-              <a:t>8/19/2022</a:t>
+              <a:t>8/20/2022</a:t>
             </a:fld>
             <a:endParaRPr dirty="0"/>
           </a:p>
@@ -3613,7 +3618,7 @@
           <a:p>
             <a:fld id="{A753D76A-AFCE-4D96-B917-CBEF96F7D1EB}" type="datetimeFigureOut">
               <a:rPr lang="en-US"/>
-              <a:t>8/19/2022</a:t>
+              <a:t>8/20/2022</a:t>
             </a:fld>
             <a:endParaRPr dirty="0"/>
           </a:p>
@@ -4059,7 +4064,7 @@
           <a:p>
             <a:fld id="{A753D76A-AFCE-4D96-B917-CBEF96F7D1EB}" type="datetimeFigureOut">
               <a:rPr lang="en-US"/>
-              <a:t>8/19/2022</a:t>
+              <a:t>8/20/2022</a:t>
             </a:fld>
             <a:endParaRPr dirty="0"/>
           </a:p>
@@ -4335,7 +4340,7 @@
           <a:p>
             <a:fld id="{A753D76A-AFCE-4D96-B917-CBEF96F7D1EB}" type="datetimeFigureOut">
               <a:rPr lang="en-US"/>
-              <a:t>8/19/2022</a:t>
+              <a:t>8/20/2022</a:t>
             </a:fld>
             <a:endParaRPr dirty="0"/>
           </a:p>
@@ -4639,7 +4644,7 @@
           <a:p>
             <a:fld id="{A753D76A-AFCE-4D96-B917-CBEF96F7D1EB}" type="datetimeFigureOut">
               <a:rPr lang="en-US"/>
-              <a:t>8/19/2022</a:t>
+              <a:t>8/20/2022</a:t>
             </a:fld>
             <a:endParaRPr dirty="0"/>
           </a:p>
@@ -5097,7 +5102,7 @@
           <a:p>
             <a:fld id="{A753D76A-AFCE-4D96-B917-CBEF96F7D1EB}" type="datetimeFigureOut">
               <a:rPr lang="en-US"/>
-              <a:t>8/19/2022</a:t>
+              <a:t>8/20/2022</a:t>
             </a:fld>
             <a:endParaRPr dirty="0"/>
           </a:p>
@@ -5227,7 +5232,7 @@
           <a:p>
             <a:fld id="{A753D76A-AFCE-4D96-B917-CBEF96F7D1EB}" type="datetimeFigureOut">
               <a:rPr lang="en-US"/>
-              <a:t>8/19/2022</a:t>
+              <a:t>8/20/2022</a:t>
             </a:fld>
             <a:endParaRPr dirty="0"/>
           </a:p>
@@ -5617,7 +5622,7 @@
             <a:fld id="{A753D76A-AFCE-4D96-B917-CBEF96F7D1EB}" type="datetimeFigureOut">
               <a:rPr lang="en-US" smtClean="0"/>
               <a:pPr/>
-              <a:t>8/19/2022</a:t>
+              <a:t>8/20/2022</a:t>
             </a:fld>
             <a:endParaRPr lang="en-US" dirty="0"/>
           </a:p>
@@ -6330,7 +6335,7 @@
           <a:lstStyle/>
           <a:p>
             <a:pPr algn="ctr"/>
-            <a:endParaRPr lang="en-ID"/>
+            <a:endParaRPr lang="en-ID" dirty="0"/>
           </a:p>
         </p:txBody>
       </p:sp>
@@ -7824,6 +7829,12 @@
           <a:p>
             <a:r>
               <a:rPr lang="en-US" dirty="0"/>
+              <a:t>Always remember the order! [sweet, salty, sour, bitter, spicy].</a:t>
+            </a:r>
+          </a:p>
+          <a:p>
+            <a:r>
+              <a:rPr lang="en-US" dirty="0"/>
               <a:t>The </a:t>
             </a:r>
             <a:r>
@@ -8638,21 +8649,29 @@
           <a:p>
             <a:r>
               <a:rPr lang="en-US" dirty="0"/>
-              <a:t>We will not classify them into a specific taste, but rather calculate how strong the ingredients will give the taste.</a:t>
-            </a:r>
-          </a:p>
-          <a:p>
-            <a:r>
-              <a:rPr lang="en-US" dirty="0"/>
-              <a:t>For example, how sweet/salty/sour/bitter/spicy is “</a:t>
+              <a:t>We will not classify them into a specific taste, but rather calculate the probability of the ingredient’s each taste.</a:t>
+            </a:r>
+          </a:p>
+          <a:p>
+            <a:r>
+              <a:rPr lang="en-US" dirty="0"/>
+              <a:t>For example, I’m 80% sure that “</a:t>
             </a:r>
             <a:r>
               <a:rPr lang="en-US" i="1" dirty="0"/>
-              <a:t>winter squash</a:t>
-            </a:r>
-            <a:r>
-              <a:rPr lang="en-US" dirty="0"/>
-              <a:t>”? Is it very sweet or not so spicy?</a:t>
+              <a:t>bittersweet chocolate</a:t>
+            </a:r>
+            <a:r>
+              <a:rPr lang="en-US" dirty="0"/>
+              <a:t>” is sweet and 40% sure that “</a:t>
+            </a:r>
+            <a:r>
+              <a:rPr lang="en-US" i="1" dirty="0"/>
+              <a:t>bittersweet chocolate</a:t>
+            </a:r>
+            <a:r>
+              <a:rPr lang="en-US" dirty="0"/>
+              <a:t>” is bitter.</a:t>
             </a:r>
           </a:p>
           <a:p>
@@ -8708,7 +8727,13 @@
       </p:grpSpPr>
       <p:sp>
         <p:nvSpPr>
-          <p:cNvPr id="4" name="Title 3"/>
+          <p:cNvPr id="5" name="Title 4">
+            <a:extLst>
+              <a:ext uri="{FF2B5EF4-FFF2-40B4-BE49-F238E27FC236}">
+                <a16:creationId xmlns:a16="http://schemas.microsoft.com/office/drawing/2014/main" id="{ABA92AD0-7B94-DA05-7C17-EA1244F3B12C}"/>
+              </a:ext>
+            </a:extLst>
+          </p:cNvPr>
           <p:cNvSpPr>
             <a:spLocks noGrp="1"/>
           </p:cNvSpPr>
@@ -8723,33 +8748,38 @@
           <a:p>
             <a:r>
               <a:rPr lang="en-US" dirty="0"/>
-              <a:t>How to classify food taste?</a:t>
-            </a:r>
-          </a:p>
-        </p:txBody>
-      </p:sp>
-      <mc:AlternateContent xmlns:mc="http://schemas.openxmlformats.org/markup-compatibility/2006">
-        <mc:Choice xmlns:a14="http://schemas.microsoft.com/office/drawing/2010/main" Requires="a14">
+              <a:t>How did I classify the food taste?</a:t>
+            </a:r>
+            <a:endParaRPr lang="en-ID" dirty="0"/>
+          </a:p>
+        </p:txBody>
+      </p:sp>
+      <mc:AlternateContent xmlns:mc="http://schemas.openxmlformats.org/markup-compatibility/2006" xmlns:a14="http://schemas.microsoft.com/office/drawing/2010/main">
+        <mc:Choice Requires="a14">
           <p:sp>
             <p:nvSpPr>
-              <p:cNvPr id="2" name="Content Placeholder 1"/>
+              <p:cNvPr id="6" name="Content Placeholder 5">
+                <a:extLst>
+                  <a:ext uri="{FF2B5EF4-FFF2-40B4-BE49-F238E27FC236}">
+                    <a16:creationId xmlns:a16="http://schemas.microsoft.com/office/drawing/2014/main" id="{4400EB5E-259F-0A0B-5749-ED1778081BAE}"/>
+                  </a:ext>
+                </a:extLst>
+              </p:cNvPr>
               <p:cNvSpPr>
                 <a:spLocks noGrp="1"/>
               </p:cNvSpPr>
               <p:nvPr>
-                <p:ph sz="half" idx="1"/>
+                <p:ph idx="1"/>
               </p:nvPr>
             </p:nvSpPr>
             <p:spPr/>
             <p:txBody>
-              <a:bodyPr>
-                <a:normAutofit lnSpcReduction="10000"/>
-              </a:bodyPr>
+              <a:bodyPr/>
               <a:lstStyle/>
               <a:p>
                 <a:r>
                   <a:rPr lang="en-US" dirty="0"/>
-                  <a:t>To know the taste of the ingredients, we will use probability.</a:t>
+                  <a:t>Warning! Since, we will use probability, there will be some mathematical notations up ahead. So, get ready!</a:t>
                 </a:r>
               </a:p>
               <a:p>
@@ -8851,6 +8881,18 @@
                         </m:r>
                       </m:sub>
                     </m:sSub>
+                    <m:r>
+                      <a:rPr lang="en-US" b="0" i="1" smtClean="0">
+                        <a:latin typeface="Cambria Math" panose="02040503050406030204" pitchFamily="18" charset="0"/>
+                      </a:rPr>
+                      <m:t>∈</m:t>
+                    </m:r>
+                    <m:r>
+                      <a:rPr lang="en-US" b="0" i="1" smtClean="0">
+                        <a:latin typeface="Cambria Math" panose="02040503050406030204" pitchFamily="18" charset="0"/>
+                      </a:rPr>
+                      <m:t>𝐴</m:t>
+                    </m:r>
                   </m:oMath>
                 </a14:m>
                 <a:r>
@@ -8884,6 +8926,18 @@
                         </m:r>
                       </m:sub>
                     </m:sSub>
+                    <m:r>
+                      <a:rPr lang="en-US" b="0" i="1" smtClean="0">
+                        <a:latin typeface="Cambria Math" panose="02040503050406030204" pitchFamily="18" charset="0"/>
+                      </a:rPr>
+                      <m:t>∈</m:t>
+                    </m:r>
+                    <m:r>
+                      <a:rPr lang="en-US" b="0" i="1" smtClean="0">
+                        <a:latin typeface="Cambria Math" panose="02040503050406030204" pitchFamily="18" charset="0"/>
+                      </a:rPr>
+                      <m:t>𝑇</m:t>
+                    </m:r>
                   </m:oMath>
                 </a14:m>
                 <a:r>
@@ -9110,23 +9164,23 @@
                           </m:ctrlPr>
                         </m:fPr>
                         <m:num>
-                          <m:sSub>
-                            <m:sSubPr>
+                          <m:d>
+                            <m:dPr>
+                              <m:begChr m:val="|"/>
+                              <m:endChr m:val="|"/>
                               <m:ctrlPr>
                                 <a:rPr lang="en-US" b="0" i="1" smtClean="0">
                                   <a:latin typeface="Cambria Math" panose="02040503050406030204" pitchFamily="18" charset="0"/>
                                 </a:rPr>
                               </m:ctrlPr>
-                            </m:sSubPr>
+                            </m:dPr>
                             <m:e>
                               <m:r>
                                 <a:rPr lang="en-US" b="0" i="1" smtClean="0">
                                   <a:latin typeface="Cambria Math" panose="02040503050406030204" pitchFamily="18" charset="0"/>
                                 </a:rPr>
-                                <m:t>𝑛</m:t>
+                                <m:t>𝐴</m:t>
                               </m:r>
-                            </m:e>
-                            <m:sub>
                               <m:sSub>
                                 <m:sSubPr>
                                   <m:ctrlPr>
@@ -9140,7 +9194,7 @@
                                     <a:rPr lang="en-US" b="0" i="1" smtClean="0">
                                       <a:latin typeface="Cambria Math" panose="02040503050406030204" pitchFamily="18" charset="0"/>
                                     </a:rPr>
-                                    <m:t>𝑎</m:t>
+                                    <m:t>𝑇</m:t>
                                   </m:r>
                                 </m:e>
                                 <m:sub>
@@ -9148,37 +9202,12 @@
                                     <a:rPr lang="en-US" b="0" i="1" smtClean="0">
                                       <a:latin typeface="Cambria Math" panose="02040503050406030204" pitchFamily="18" charset="0"/>
                                     </a:rPr>
-                                    <m:t>𝑖</m:t>
+                                    <m:t>𝑖𝑗</m:t>
                                   </m:r>
                                 </m:sub>
                               </m:sSub>
-                              <m:sSub>
-                                <m:sSubPr>
-                                  <m:ctrlPr>
-                                    <a:rPr lang="en-US" b="0" i="1" smtClean="0">
-                                      <a:latin typeface="Cambria Math" panose="02040503050406030204" pitchFamily="18" charset="0"/>
-                                    </a:rPr>
-                                  </m:ctrlPr>
-                                </m:sSubPr>
-                                <m:e>
-                                  <m:r>
-                                    <a:rPr lang="en-US" b="0" i="1" smtClean="0">
-                                      <a:latin typeface="Cambria Math" panose="02040503050406030204" pitchFamily="18" charset="0"/>
-                                    </a:rPr>
-                                    <m:t>𝑡</m:t>
-                                  </m:r>
-                                </m:e>
-                                <m:sub>
-                                  <m:r>
-                                    <a:rPr lang="en-US" b="0" i="1" smtClean="0">
-                                      <a:latin typeface="Cambria Math" panose="02040503050406030204" pitchFamily="18" charset="0"/>
-                                    </a:rPr>
-                                    <m:t>𝑗</m:t>
-                                  </m:r>
-                                </m:sub>
-                              </m:sSub>
-                            </m:sub>
-                          </m:sSub>
+                            </m:e>
+                          </m:d>
                           <m:r>
                             <a:rPr lang="en-US" b="0" i="1" smtClean="0">
                               <a:latin typeface="Cambria Math" panose="02040503050406030204" pitchFamily="18" charset="0"/>
@@ -9187,56 +9216,87 @@
                           </m:r>
                         </m:num>
                         <m:den>
-                          <m:sSub>
-                            <m:sSubPr>
+                          <m:d>
+                            <m:dPr>
+                              <m:begChr m:val="|"/>
+                              <m:endChr m:val="|"/>
                               <m:ctrlPr>
                                 <a:rPr lang="en-US" b="0" i="1" smtClean="0">
                                   <a:latin typeface="Cambria Math" panose="02040503050406030204" pitchFamily="18" charset="0"/>
                                 </a:rPr>
                               </m:ctrlPr>
-                            </m:sSubPr>
+                            </m:dPr>
                             <m:e>
-                              <m:r>
-                                <a:rPr lang="en-US" b="0" i="1" smtClean="0">
-                                  <a:latin typeface="Cambria Math" panose="02040503050406030204" pitchFamily="18" charset="0"/>
-                                </a:rPr>
-                                <m:t>𝑛</m:t>
-                              </m:r>
-                            </m:e>
-                            <m:sub>
-                              <m:sSub>
-                                <m:sSubPr>
+                              <m:nary>
+                                <m:naryPr>
+                                  <m:chr m:val="⋃"/>
                                   <m:ctrlPr>
                                     <a:rPr lang="en-US" b="0" i="1" smtClean="0">
                                       <a:latin typeface="Cambria Math" panose="02040503050406030204" pitchFamily="18" charset="0"/>
                                     </a:rPr>
                                   </m:ctrlPr>
-                                </m:sSubPr>
+                                </m:naryPr>
+                                <m:sub>
+                                  <m:r>
+                                    <m:rPr>
+                                      <m:brk m:alnAt="23"/>
+                                    </m:rPr>
+                                    <a:rPr lang="en-US" b="0" i="1" smtClean="0">
+                                      <a:latin typeface="Cambria Math" panose="02040503050406030204" pitchFamily="18" charset="0"/>
+                                    </a:rPr>
+                                    <m:t>𝑘</m:t>
+                                  </m:r>
+                                  <m:r>
+                                    <a:rPr lang="en-US" b="0" i="1" smtClean="0">
+                                      <a:latin typeface="Cambria Math" panose="02040503050406030204" pitchFamily="18" charset="0"/>
+                                    </a:rPr>
+                                    <m:t>=1</m:t>
+                                  </m:r>
+                                </m:sub>
+                                <m:sup>
+                                  <m:r>
+                                    <a:rPr lang="en-US" b="0" i="1" smtClean="0">
+                                      <a:latin typeface="Cambria Math" panose="02040503050406030204" pitchFamily="18" charset="0"/>
+                                    </a:rPr>
+                                    <m:t>5</m:t>
+                                  </m:r>
+                                </m:sup>
                                 <m:e>
                                   <m:r>
                                     <a:rPr lang="en-US" b="0" i="1" smtClean="0">
                                       <a:latin typeface="Cambria Math" panose="02040503050406030204" pitchFamily="18" charset="0"/>
                                     </a:rPr>
-                                    <m:t>𝑎</m:t>
+                                    <m:t>𝐴</m:t>
                                   </m:r>
+                                  <m:sSub>
+                                    <m:sSubPr>
+                                      <m:ctrlPr>
+                                        <a:rPr lang="en-US" b="0" i="1" smtClean="0">
+                                          <a:latin typeface="Cambria Math" panose="02040503050406030204" pitchFamily="18" charset="0"/>
+                                        </a:rPr>
+                                      </m:ctrlPr>
+                                    </m:sSubPr>
+                                    <m:e>
+                                      <m:r>
+                                        <a:rPr lang="en-US" b="0" i="1" smtClean="0">
+                                          <a:latin typeface="Cambria Math" panose="02040503050406030204" pitchFamily="18" charset="0"/>
+                                        </a:rPr>
+                                        <m:t>𝑇</m:t>
+                                      </m:r>
+                                    </m:e>
+                                    <m:sub>
+                                      <m:r>
+                                        <a:rPr lang="en-US" b="0" i="1" smtClean="0">
+                                          <a:latin typeface="Cambria Math" panose="02040503050406030204" pitchFamily="18" charset="0"/>
+                                        </a:rPr>
+                                        <m:t>𝑖𝑘</m:t>
+                                      </m:r>
+                                    </m:sub>
+                                  </m:sSub>
                                 </m:e>
-                                <m:sub>
-                                  <m:r>
-                                    <a:rPr lang="en-US" b="0" i="1" smtClean="0">
-                                      <a:latin typeface="Cambria Math" panose="02040503050406030204" pitchFamily="18" charset="0"/>
-                                    </a:rPr>
-                                    <m:t>𝑖</m:t>
-                                  </m:r>
-                                </m:sub>
-                              </m:sSub>
-                              <m:r>
-                                <a:rPr lang="en-US" b="0" i="1" smtClean="0">
-                                  <a:latin typeface="Cambria Math" panose="02040503050406030204" pitchFamily="18" charset="0"/>
-                                </a:rPr>
-                                <m:t>𝑇</m:t>
-                              </m:r>
-                            </m:sub>
-                          </m:sSub>
+                              </m:nary>
+                            </m:e>
+                          </m:d>
                         </m:den>
                       </m:f>
                       <m:r>
@@ -9260,80 +9320,55 @@
                 </a:r>
                 <a14:m>
                   <m:oMath xmlns:m="http://schemas.openxmlformats.org/officeDocument/2006/math">
-                    <m:sSub>
-                      <m:sSubPr>
+                    <m:d>
+                      <m:dPr>
+                        <m:begChr m:val="|"/>
+                        <m:endChr m:val="|"/>
                         <m:ctrlPr>
-                          <a:rPr lang="en-US" b="0" i="1" smtClean="0">
+                          <a:rPr lang="en-US" i="1">
                             <a:latin typeface="Cambria Math" panose="02040503050406030204" pitchFamily="18" charset="0"/>
                           </a:rPr>
                         </m:ctrlPr>
-                      </m:sSubPr>
+                      </m:dPr>
                       <m:e>
                         <m:r>
-                          <a:rPr lang="en-US" b="0" i="1" smtClean="0">
+                          <a:rPr lang="en-US" i="1">
                             <a:latin typeface="Cambria Math" panose="02040503050406030204" pitchFamily="18" charset="0"/>
                           </a:rPr>
-                          <m:t>𝑛</m:t>
+                          <m:t>𝐴</m:t>
                         </m:r>
-                      </m:e>
-                      <m:sub>
                         <m:sSub>
                           <m:sSubPr>
                             <m:ctrlPr>
-                              <a:rPr lang="en-US" b="0" i="1" smtClean="0">
+                              <a:rPr lang="en-US" i="1">
                                 <a:latin typeface="Cambria Math" panose="02040503050406030204" pitchFamily="18" charset="0"/>
                               </a:rPr>
                             </m:ctrlPr>
                           </m:sSubPr>
                           <m:e>
                             <m:r>
-                              <a:rPr lang="en-US" b="0" i="1" smtClean="0">
+                              <a:rPr lang="en-US" i="1">
                                 <a:latin typeface="Cambria Math" panose="02040503050406030204" pitchFamily="18" charset="0"/>
                               </a:rPr>
-                              <m:t>𝑎</m:t>
+                              <m:t>𝑇</m:t>
                             </m:r>
                           </m:e>
                           <m:sub>
                             <m:r>
-                              <a:rPr lang="en-US" b="0" i="1" smtClean="0">
+                              <a:rPr lang="en-US" i="1">
                                 <a:latin typeface="Cambria Math" panose="02040503050406030204" pitchFamily="18" charset="0"/>
                               </a:rPr>
-                              <m:t>𝑖</m:t>
+                              <m:t>𝑖𝑗</m:t>
                             </m:r>
                           </m:sub>
                         </m:sSub>
-                        <m:sSub>
-                          <m:sSubPr>
-                            <m:ctrlPr>
-                              <a:rPr lang="en-US" b="0" i="1" smtClean="0">
-                                <a:latin typeface="Cambria Math" panose="02040503050406030204" pitchFamily="18" charset="0"/>
-                              </a:rPr>
-                            </m:ctrlPr>
-                          </m:sSubPr>
-                          <m:e>
-                            <m:r>
-                              <a:rPr lang="en-US" b="0" i="1" smtClean="0">
-                                <a:latin typeface="Cambria Math" panose="02040503050406030204" pitchFamily="18" charset="0"/>
-                              </a:rPr>
-                              <m:t>𝑡</m:t>
-                            </m:r>
-                          </m:e>
-                          <m:sub>
-                            <m:r>
-                              <a:rPr lang="en-US" b="0" i="1" smtClean="0">
-                                <a:latin typeface="Cambria Math" panose="02040503050406030204" pitchFamily="18" charset="0"/>
-                              </a:rPr>
-                              <m:t>𝑗</m:t>
-                            </m:r>
-                          </m:sub>
-                        </m:sSub>
-                      </m:sub>
-                    </m:sSub>
+                      </m:e>
+                    </m:d>
                   </m:oMath>
                 </a14:m>
                 <a:r>
                   <a:rPr lang="en-ID" dirty="0"/>
-                  <a:t> is total of food that contains </a:t>
+                  <a:t> denotes the total of food that contains </a:t>
                 </a:r>
                 <a14:m>
                   <m:oMath xmlns:m="http://schemas.openxmlformats.org/officeDocument/2006/math">
@@ -9403,61 +9438,92 @@
                 </a:r>
                 <a14:m>
                   <m:oMath xmlns:m="http://schemas.openxmlformats.org/officeDocument/2006/math">
-                    <m:sSub>
-                      <m:sSubPr>
+                    <m:d>
+                      <m:dPr>
+                        <m:begChr m:val="|"/>
+                        <m:endChr m:val="|"/>
                         <m:ctrlPr>
-                          <a:rPr lang="en-US" b="0" i="1" smtClean="0">
+                          <a:rPr lang="en-US" i="1">
                             <a:latin typeface="Cambria Math" panose="02040503050406030204" pitchFamily="18" charset="0"/>
                           </a:rPr>
                         </m:ctrlPr>
-                      </m:sSubPr>
+                      </m:dPr>
                       <m:e>
-                        <m:r>
-                          <a:rPr lang="en-US" b="0" i="1" smtClean="0">
-                            <a:latin typeface="Cambria Math" panose="02040503050406030204" pitchFamily="18" charset="0"/>
-                          </a:rPr>
-                          <m:t>𝑛</m:t>
-                        </m:r>
-                      </m:e>
-                      <m:sub>
-                        <m:sSub>
-                          <m:sSubPr>
+                        <m:nary>
+                          <m:naryPr>
+                            <m:chr m:val="⋃"/>
                             <m:ctrlPr>
-                              <a:rPr lang="en-US" b="0" i="1" smtClean="0">
+                              <a:rPr lang="en-US" i="1">
                                 <a:latin typeface="Cambria Math" panose="02040503050406030204" pitchFamily="18" charset="0"/>
                               </a:rPr>
                             </m:ctrlPr>
-                          </m:sSubPr>
+                          </m:naryPr>
+                          <m:sub>
+                            <m:r>
+                              <m:rPr>
+                                <m:brk m:alnAt="23"/>
+                              </m:rPr>
+                              <a:rPr lang="en-US" i="1">
+                                <a:latin typeface="Cambria Math" panose="02040503050406030204" pitchFamily="18" charset="0"/>
+                              </a:rPr>
+                              <m:t>𝑘</m:t>
+                            </m:r>
+                            <m:r>
+                              <a:rPr lang="en-US" i="1">
+                                <a:latin typeface="Cambria Math" panose="02040503050406030204" pitchFamily="18" charset="0"/>
+                              </a:rPr>
+                              <m:t>=1</m:t>
+                            </m:r>
+                          </m:sub>
+                          <m:sup>
+                            <m:r>
+                              <a:rPr lang="en-US" i="1">
+                                <a:latin typeface="Cambria Math" panose="02040503050406030204" pitchFamily="18" charset="0"/>
+                              </a:rPr>
+                              <m:t>5</m:t>
+                            </m:r>
+                          </m:sup>
                           <m:e>
                             <m:r>
-                              <a:rPr lang="en-US" b="0" i="1" smtClean="0">
+                              <a:rPr lang="en-US" i="1">
                                 <a:latin typeface="Cambria Math" panose="02040503050406030204" pitchFamily="18" charset="0"/>
                               </a:rPr>
-                              <m:t>𝑎</m:t>
+                              <m:t>𝐴</m:t>
                             </m:r>
+                            <m:sSub>
+                              <m:sSubPr>
+                                <m:ctrlPr>
+                                  <a:rPr lang="en-US" i="1">
+                                    <a:latin typeface="Cambria Math" panose="02040503050406030204" pitchFamily="18" charset="0"/>
+                                  </a:rPr>
+                                </m:ctrlPr>
+                              </m:sSubPr>
+                              <m:e>
+                                <m:r>
+                                  <a:rPr lang="en-US" i="1">
+                                    <a:latin typeface="Cambria Math" panose="02040503050406030204" pitchFamily="18" charset="0"/>
+                                  </a:rPr>
+                                  <m:t>𝑇</m:t>
+                                </m:r>
+                              </m:e>
+                              <m:sub>
+                                <m:r>
+                                  <a:rPr lang="en-US" i="1">
+                                    <a:latin typeface="Cambria Math" panose="02040503050406030204" pitchFamily="18" charset="0"/>
+                                  </a:rPr>
+                                  <m:t>𝑖𝑘</m:t>
+                                </m:r>
+                              </m:sub>
+                            </m:sSub>
                           </m:e>
-                          <m:sub>
-                            <m:r>
-                              <a:rPr lang="en-US" b="0" i="1" smtClean="0">
-                                <a:latin typeface="Cambria Math" panose="02040503050406030204" pitchFamily="18" charset="0"/>
-                              </a:rPr>
-                              <m:t>𝑖</m:t>
-                            </m:r>
-                          </m:sub>
-                        </m:sSub>
-                        <m:r>
-                          <a:rPr lang="en-US" b="0" i="1" smtClean="0">
-                            <a:latin typeface="Cambria Math" panose="02040503050406030204" pitchFamily="18" charset="0"/>
-                          </a:rPr>
-                          <m:t>𝑇</m:t>
-                        </m:r>
-                      </m:sub>
-                    </m:sSub>
+                        </m:nary>
+                      </m:e>
+                    </m:d>
                   </m:oMath>
                 </a14:m>
                 <a:r>
                   <a:rPr lang="en-ID" dirty="0"/>
-                  <a:t> is total of food’s taste that contains </a:t>
+                  <a:t> denotes the total of food that contains </a:t>
                 </a:r>
                 <a14:m>
                   <m:oMath xmlns:m="http://schemas.openxmlformats.org/officeDocument/2006/math">
@@ -9496,22 +9562,28 @@
             </p:txBody>
           </p:sp>
         </mc:Choice>
-        <mc:Fallback>
+        <mc:Fallback xmlns="">
           <p:sp>
             <p:nvSpPr>
-              <p:cNvPr id="2" name="Content Placeholder 1"/>
+              <p:cNvPr id="6" name="Content Placeholder 5">
+                <a:extLst>
+                  <a:ext uri="{FF2B5EF4-FFF2-40B4-BE49-F238E27FC236}">
+                    <a16:creationId xmlns:a16="http://schemas.microsoft.com/office/drawing/2014/main" id="{4400EB5E-259F-0A0B-5749-ED1778081BAE}"/>
+                  </a:ext>
+                </a:extLst>
+              </p:cNvPr>
               <p:cNvSpPr>
                 <a:spLocks noGrp="1" noRot="1" noChangeAspect="1" noMove="1" noResize="1" noEditPoints="1" noAdjustHandles="1" noChangeArrowheads="1" noChangeShapeType="1" noTextEdit="1"/>
               </p:cNvSpPr>
               <p:nvPr>
-                <p:ph sz="half" idx="1"/>
+                <p:ph idx="1"/>
               </p:nvPr>
             </p:nvSpPr>
             <p:spPr>
               <a:blipFill>
                 <a:blip r:embed="rId2"/>
                 <a:stretch>
-                  <a:fillRect l="-136" t="-2153" r="-408" b="-808"/>
+                  <a:fillRect l="-67" t="-1480"/>
                 </a:stretch>
               </a:blipFill>
             </p:spPr>
@@ -9530,39 +9602,10 @@
           </p:sp>
         </mc:Fallback>
       </mc:AlternateContent>
-      <p:pic>
-        <p:nvPicPr>
-          <p:cNvPr id="7" name="Content Placeholder 6">
-            <a:extLst>
-              <a:ext uri="{FF2B5EF4-FFF2-40B4-BE49-F238E27FC236}">
-                <a16:creationId xmlns:a16="http://schemas.microsoft.com/office/drawing/2014/main" id="{EFB92285-88AC-8E2D-13BD-7A987BAC26FB}"/>
-              </a:ext>
-            </a:extLst>
-          </p:cNvPr>
-          <p:cNvPicPr>
-            <a:picLocks noGrp="1" noChangeAspect="1"/>
-          </p:cNvPicPr>
-          <p:nvPr>
-            <p:ph sz="half" idx="2"/>
-          </p:nvPr>
-        </p:nvPicPr>
-        <p:blipFill>
-          <a:blip r:embed="rId3"/>
-          <a:stretch>
-            <a:fillRect/>
-          </a:stretch>
-        </p:blipFill>
-        <p:spPr>
-          <a:xfrm>
-            <a:off x="6310436" y="2363979"/>
-            <a:ext cx="5009210" cy="2130041"/>
-          </a:xfrm>
-        </p:spPr>
-      </p:pic>
     </p:spTree>
     <p:extLst>
       <p:ext uri="{BB962C8B-B14F-4D97-AF65-F5344CB8AC3E}">
-        <p14:creationId xmlns:p14="http://schemas.microsoft.com/office/powerpoint/2010/main" val="2691785739"/>
+        <p14:creationId xmlns:p14="http://schemas.microsoft.com/office/powerpoint/2010/main" val="4132465201"/>
       </p:ext>
     </p:extLst>
   </p:cSld>
@@ -9603,311 +9646,447 @@
       </p:grpSpPr>
       <p:sp>
         <p:nvSpPr>
-          <p:cNvPr id="4" name="Title 3"/>
-          <p:cNvSpPr>
-            <a:spLocks noGrp="1"/>
-          </p:cNvSpPr>
-          <p:nvPr>
-            <p:ph type="title"/>
-          </p:nvPr>
-        </p:nvSpPr>
-        <p:spPr/>
-        <p:txBody>
-          <a:bodyPr/>
-          <a:lstStyle/>
-          <a:p>
-            <a:r>
-              <a:rPr lang="en-US" dirty="0"/>
-              <a:t>How to classify food taste?</a:t>
-            </a:r>
-          </a:p>
-        </p:txBody>
-      </p:sp>
-      <mc:AlternateContent xmlns:mc="http://schemas.openxmlformats.org/markup-compatibility/2006" xmlns:a14="http://schemas.microsoft.com/office/drawing/2010/main">
-        <mc:Choice Requires="a14">
-          <p:sp>
-            <p:nvSpPr>
-              <p:cNvPr id="2" name="Content Placeholder 1"/>
-              <p:cNvSpPr>
-                <a:spLocks noGrp="1"/>
-              </p:cNvSpPr>
-              <p:nvPr>
-                <p:ph sz="half" idx="1"/>
-              </p:nvPr>
-            </p:nvSpPr>
-            <p:spPr/>
-            <p:txBody>
-              <a:bodyPr/>
-              <a:lstStyle/>
-              <a:p>
-                <a:r>
-                  <a:rPr lang="en-US" dirty="0"/>
-                  <a:t>More confused? Let’s take a look at the example.</a:t>
-                </a:r>
-              </a:p>
-              <a:p>
-                <a:r>
-                  <a:rPr lang="en-US" dirty="0"/>
-                  <a:t>Suppose there are 10 foods that use </a:t>
-                </a:r>
-                <a:r>
-                  <a:rPr lang="en-US" i="1" dirty="0"/>
-                  <a:t>“winter squash”. </a:t>
-                </a:r>
-                <a:r>
-                  <a:rPr lang="en-US" dirty="0"/>
-                  <a:t>If 8 of those foods are classified as sweet, then the probability of </a:t>
-                </a:r>
-                <a:r>
-                  <a:rPr lang="en-US" i="1" dirty="0"/>
-                  <a:t>“winter squash” </a:t>
-                </a:r>
-                <a:r>
-                  <a:rPr lang="en-US" dirty="0"/>
-                  <a:t>is sweet is</a:t>
-                </a:r>
-              </a:p>
-              <a:p>
-                <a:pPr marL="45720" indent="0">
-                  <a:buNone/>
-                </a:pPr>
-                <a14:m>
-                  <m:oMathPara xmlns:m="http://schemas.openxmlformats.org/officeDocument/2006/math">
-                    <m:oMathParaPr>
-                      <m:jc m:val="centerGroup"/>
-                    </m:oMathParaPr>
-                    <m:oMath xmlns:m="http://schemas.openxmlformats.org/officeDocument/2006/math">
-                      <m:r>
-                        <a:rPr lang="en-US" b="0" i="1" smtClean="0">
-                          <a:latin typeface="Cambria Math" panose="02040503050406030204" pitchFamily="18" charset="0"/>
-                        </a:rPr>
-                        <m:t>𝑃</m:t>
-                      </m:r>
-                      <m:d>
-                        <m:dPr>
-                          <m:ctrlPr>
-                            <a:rPr lang="en-US" b="0" i="1" smtClean="0">
-                              <a:latin typeface="Cambria Math" panose="02040503050406030204" pitchFamily="18" charset="0"/>
-                            </a:rPr>
-                          </m:ctrlPr>
-                        </m:dPr>
-                        <m:e>
-                          <m:r>
-                            <a:rPr lang="en-US" b="0" i="1" smtClean="0">
-                              <a:latin typeface="Cambria Math" panose="02040503050406030204" pitchFamily="18" charset="0"/>
-                            </a:rPr>
-                            <m:t>𝑤𝑖𝑛𝑡𝑒𝑟</m:t>
-                          </m:r>
-                          <m:r>
-                            <a:rPr lang="en-US" b="0" i="1" smtClean="0">
-                              <a:latin typeface="Cambria Math" panose="02040503050406030204" pitchFamily="18" charset="0"/>
-                            </a:rPr>
-                            <m:t> </m:t>
-                          </m:r>
-                          <m:r>
-                            <a:rPr lang="en-US" b="0" i="1" smtClean="0">
-                              <a:latin typeface="Cambria Math" panose="02040503050406030204" pitchFamily="18" charset="0"/>
-                            </a:rPr>
-                            <m:t>𝑠𝑞𝑢𝑎𝑠h</m:t>
-                          </m:r>
-                          <m:r>
-                            <a:rPr lang="en-US" b="0" i="1" smtClean="0">
-                              <a:latin typeface="Cambria Math" panose="02040503050406030204" pitchFamily="18" charset="0"/>
-                            </a:rPr>
-                            <m:t> </m:t>
-                          </m:r>
-                          <m:r>
-                            <a:rPr lang="en-US" b="0" i="1" smtClean="0">
-                              <a:latin typeface="Cambria Math" panose="02040503050406030204" pitchFamily="18" charset="0"/>
-                            </a:rPr>
-                            <m:t>𝑖𝑠</m:t>
-                          </m:r>
-                          <m:r>
-                            <a:rPr lang="en-US" b="0" i="1" smtClean="0">
-                              <a:latin typeface="Cambria Math" panose="02040503050406030204" pitchFamily="18" charset="0"/>
-                            </a:rPr>
-                            <m:t> </m:t>
-                          </m:r>
-                          <m:r>
-                            <a:rPr lang="en-US" b="0" i="1" smtClean="0">
-                              <a:latin typeface="Cambria Math" panose="02040503050406030204" pitchFamily="18" charset="0"/>
-                            </a:rPr>
-                            <m:t>𝑠𝑤𝑒𝑒𝑡</m:t>
-                          </m:r>
-                        </m:e>
-                      </m:d>
-                      <m:r>
-                        <a:rPr lang="en-US" b="0" i="1" smtClean="0">
-                          <a:latin typeface="Cambria Math" panose="02040503050406030204" pitchFamily="18" charset="0"/>
-                        </a:rPr>
-                        <m:t>=</m:t>
-                      </m:r>
-                      <m:f>
-                        <m:fPr>
-                          <m:ctrlPr>
-                            <a:rPr lang="en-US" b="0" i="1" smtClean="0">
-                              <a:latin typeface="Cambria Math" panose="02040503050406030204" pitchFamily="18" charset="0"/>
-                            </a:rPr>
-                          </m:ctrlPr>
-                        </m:fPr>
-                        <m:num>
-                          <m:r>
-                            <a:rPr lang="en-US" b="0" i="1" smtClean="0">
-                              <a:latin typeface="Cambria Math" panose="02040503050406030204" pitchFamily="18" charset="0"/>
-                            </a:rPr>
-                            <m:t>8</m:t>
-                          </m:r>
-                        </m:num>
-                        <m:den>
-                          <m:r>
-                            <a:rPr lang="en-US" b="0" i="1" smtClean="0">
-                              <a:latin typeface="Cambria Math" panose="02040503050406030204" pitchFamily="18" charset="0"/>
-                            </a:rPr>
-                            <m:t>10</m:t>
-                          </m:r>
-                        </m:den>
-                      </m:f>
-                      <m:r>
-                        <a:rPr lang="en-US" b="0" i="1" smtClean="0">
-                          <a:latin typeface="Cambria Math" panose="02040503050406030204" pitchFamily="18" charset="0"/>
-                        </a:rPr>
-                        <m:t>=</m:t>
-                      </m:r>
-                      <m:f>
-                        <m:fPr>
-                          <m:ctrlPr>
-                            <a:rPr lang="en-US" b="0" i="1" smtClean="0">
-                              <a:latin typeface="Cambria Math" panose="02040503050406030204" pitchFamily="18" charset="0"/>
-                            </a:rPr>
-                          </m:ctrlPr>
-                        </m:fPr>
-                        <m:num>
-                          <m:r>
-                            <a:rPr lang="en-US" b="0" i="1" smtClean="0">
-                              <a:latin typeface="Cambria Math" panose="02040503050406030204" pitchFamily="18" charset="0"/>
-                            </a:rPr>
-                            <m:t>2</m:t>
-                          </m:r>
-                        </m:num>
-                        <m:den>
-                          <m:r>
-                            <a:rPr lang="en-US" b="0" i="1" smtClean="0">
-                              <a:latin typeface="Cambria Math" panose="02040503050406030204" pitchFamily="18" charset="0"/>
-                            </a:rPr>
-                            <m:t>5</m:t>
-                          </m:r>
-                        </m:den>
-                      </m:f>
-                      <m:r>
-                        <a:rPr lang="en-US" b="0" i="1" smtClean="0">
-                          <a:latin typeface="Cambria Math" panose="02040503050406030204" pitchFamily="18" charset="0"/>
-                        </a:rPr>
-                        <m:t>.</m:t>
-                      </m:r>
-                    </m:oMath>
-                  </m:oMathPara>
-                </a14:m>
-                <a:endParaRPr lang="en-US" dirty="0"/>
-              </a:p>
-              <a:p>
-                <a:r>
-                  <a:rPr lang="en-US" dirty="0"/>
-                  <a:t>We can also say that 80% foods that use </a:t>
-                </a:r>
-                <a:r>
-                  <a:rPr lang="en-US" i="1" dirty="0"/>
-                  <a:t>“winter squash” </a:t>
-                </a:r>
-                <a:r>
-                  <a:rPr lang="en-US" dirty="0"/>
-                  <a:t>are sweet. So, maybe </a:t>
-                </a:r>
-                <a:r>
-                  <a:rPr lang="en-US" i="1" dirty="0"/>
-                  <a:t>“winter squash” </a:t>
-                </a:r>
-                <a:r>
-                  <a:rPr lang="en-US" dirty="0"/>
-                  <a:t>is sweet!</a:t>
-                </a:r>
-                <a:endParaRPr lang="en-US" i="1" dirty="0"/>
-              </a:p>
-              <a:p>
-                <a:r>
-                  <a:rPr lang="en-US" dirty="0"/>
-                  <a:t>Very simple, isn’t it?</a:t>
-                </a:r>
-              </a:p>
-            </p:txBody>
-          </p:sp>
-        </mc:Choice>
-        <mc:Fallback xmlns="">
-          <p:sp>
-            <p:nvSpPr>
-              <p:cNvPr id="2" name="Content Placeholder 1"/>
-              <p:cNvSpPr>
-                <a:spLocks noGrp="1" noRot="1" noChangeAspect="1" noMove="1" noResize="1" noEditPoints="1" noAdjustHandles="1" noChangeArrowheads="1" noChangeShapeType="1" noTextEdit="1"/>
-              </p:cNvSpPr>
-              <p:nvPr>
-                <p:ph sz="half" idx="1"/>
-              </p:nvPr>
-            </p:nvSpPr>
-            <p:spPr>
-              <a:blipFill>
-                <a:blip r:embed="rId2"/>
-                <a:stretch>
-                  <a:fillRect l="-136" t="-1480"/>
-                </a:stretch>
-              </a:blipFill>
-            </p:spPr>
-            <p:txBody>
-              <a:bodyPr/>
-              <a:lstStyle/>
-              <a:p>
-                <a:r>
-                  <a:rPr lang="en-ID">
-                    <a:noFill/>
-                  </a:rPr>
-                  <a:t> </a:t>
-                </a:r>
-              </a:p>
-            </p:txBody>
-          </p:sp>
-        </mc:Fallback>
-      </mc:AlternateContent>
-      <p:pic>
-        <p:nvPicPr>
-          <p:cNvPr id="7" name="Content Placeholder 6">
+          <p:cNvPr id="5" name="Title 4">
             <a:extLst>
               <a:ext uri="{FF2B5EF4-FFF2-40B4-BE49-F238E27FC236}">
-                <a16:creationId xmlns:a16="http://schemas.microsoft.com/office/drawing/2014/main" id="{EFB92285-88AC-8E2D-13BD-7A987BAC26FB}"/>
+                <a16:creationId xmlns:a16="http://schemas.microsoft.com/office/drawing/2014/main" id="{ABA92AD0-7B94-DA05-7C17-EA1244F3B12C}"/>
               </a:ext>
             </a:extLst>
           </p:cNvPr>
-          <p:cNvPicPr>
-            <a:picLocks noGrp="1" noChangeAspect="1"/>
-          </p:cNvPicPr>
-          <p:nvPr>
-            <p:ph sz="half" idx="2"/>
-          </p:nvPr>
-        </p:nvPicPr>
-        <p:blipFill>
-          <a:blip r:embed="rId3"/>
-          <a:stretch>
-            <a:fillRect/>
-          </a:stretch>
-        </p:blipFill>
-        <p:spPr>
-          <a:xfrm>
-            <a:off x="6310436" y="2363979"/>
-            <a:ext cx="5009210" cy="2130041"/>
-          </a:xfrm>
-        </p:spPr>
-      </p:pic>
+          <p:cNvSpPr>
+            <a:spLocks noGrp="1"/>
+          </p:cNvSpPr>
+          <p:nvPr>
+            <p:ph type="title"/>
+          </p:nvPr>
+        </p:nvSpPr>
+        <p:spPr/>
+        <p:txBody>
+          <a:bodyPr/>
+          <a:lstStyle/>
+          <a:p>
+            <a:r>
+              <a:rPr lang="en-US" dirty="0"/>
+              <a:t>How did I classify the food taste?</a:t>
+            </a:r>
+            <a:endParaRPr lang="en-ID" dirty="0"/>
+          </a:p>
+        </p:txBody>
+      </p:sp>
+      <p:sp>
+        <p:nvSpPr>
+          <p:cNvPr id="6" name="Content Placeholder 5">
+            <a:extLst>
+              <a:ext uri="{FF2B5EF4-FFF2-40B4-BE49-F238E27FC236}">
+                <a16:creationId xmlns:a16="http://schemas.microsoft.com/office/drawing/2014/main" id="{4400EB5E-259F-0A0B-5749-ED1778081BAE}"/>
+              </a:ext>
+            </a:extLst>
+          </p:cNvPr>
+          <p:cNvSpPr>
+            <a:spLocks noGrp="1"/>
+          </p:cNvSpPr>
+          <p:nvPr>
+            <p:ph idx="1"/>
+          </p:nvPr>
+        </p:nvSpPr>
+        <p:spPr/>
+        <p:txBody>
+          <a:bodyPr/>
+          <a:lstStyle/>
+          <a:p>
+            <a:r>
+              <a:rPr lang="en-US" dirty="0"/>
+              <a:t>More confused? Let’s take a look at the table below. We will try t calculate the taste’s probability of </a:t>
+            </a:r>
+            <a:r>
+              <a:rPr lang="en-US" i="1" dirty="0"/>
+              <a:t>“bittersweet chocolate”</a:t>
+            </a:r>
+            <a:r>
+              <a:rPr lang="en-US" dirty="0"/>
+              <a:t>.</a:t>
+            </a:r>
+            <a:endParaRPr lang="en-US" i="1" dirty="0"/>
+          </a:p>
+          <a:p>
+            <a:endParaRPr lang="en-US" dirty="0"/>
+          </a:p>
+        </p:txBody>
+      </p:sp>
+      <p:graphicFrame>
+        <p:nvGraphicFramePr>
+          <p:cNvPr id="2" name="Table 2">
+            <a:extLst>
+              <a:ext uri="{FF2B5EF4-FFF2-40B4-BE49-F238E27FC236}">
+                <a16:creationId xmlns:a16="http://schemas.microsoft.com/office/drawing/2014/main" id="{24AAEAC2-97C5-7DFD-B652-207ED3D57881}"/>
+              </a:ext>
+            </a:extLst>
+          </p:cNvPr>
+          <p:cNvGraphicFramePr>
+            <a:graphicFrameLocks noGrp="1"/>
+          </p:cNvGraphicFramePr>
+          <p:nvPr>
+            <p:extLst>
+              <p:ext uri="{D42A27DB-BD31-4B8C-83A1-F6EECF244321}">
+                <p14:modId xmlns:p14="http://schemas.microsoft.com/office/powerpoint/2010/main" val="702733460"/>
+              </p:ext>
+            </p:extLst>
+          </p:nvPr>
+        </p:nvGraphicFramePr>
+        <p:xfrm>
+          <a:off x="2031470" y="2507615"/>
+          <a:ext cx="8125884" cy="3845560"/>
+        </p:xfrm>
+        <a:graphic>
+          <a:graphicData uri="http://schemas.openxmlformats.org/drawingml/2006/table">
+            <a:tbl>
+              <a:tblPr firstRow="1" bandRow="1">
+                <a:tableStyleId>{5C22544A-7EE6-4342-B048-85BDC9FD1C3A}</a:tableStyleId>
+              </a:tblPr>
+              <a:tblGrid>
+                <a:gridCol w="2622782">
+                  <a:extLst>
+                    <a:ext uri="{9D8B030D-6E8A-4147-A177-3AD203B41FA5}">
+                      <a16:colId xmlns:a16="http://schemas.microsoft.com/office/drawing/2014/main" val="2794392885"/>
+                    </a:ext>
+                  </a:extLst>
+                </a:gridCol>
+                <a:gridCol w="3960440">
+                  <a:extLst>
+                    <a:ext uri="{9D8B030D-6E8A-4147-A177-3AD203B41FA5}">
+                      <a16:colId xmlns:a16="http://schemas.microsoft.com/office/drawing/2014/main" val="2870902393"/>
+                    </a:ext>
+                  </a:extLst>
+                </a:gridCol>
+                <a:gridCol w="1542662">
+                  <a:extLst>
+                    <a:ext uri="{9D8B030D-6E8A-4147-A177-3AD203B41FA5}">
+                      <a16:colId xmlns:a16="http://schemas.microsoft.com/office/drawing/2014/main" val="3440849703"/>
+                    </a:ext>
+                  </a:extLst>
+                </a:gridCol>
+              </a:tblGrid>
+              <a:tr h="370840">
+                <a:tc>
+                  <a:txBody>
+                    <a:bodyPr/>
+                    <a:lstStyle/>
+                    <a:p>
+                      <a:r>
+                        <a:rPr lang="en-US" dirty="0"/>
+                        <a:t>name</a:t>
+                      </a:r>
+                      <a:endParaRPr lang="en-ID" dirty="0"/>
+                    </a:p>
+                  </a:txBody>
+                  <a:tcPr/>
+                </a:tc>
+                <a:tc>
+                  <a:txBody>
+                    <a:bodyPr/>
+                    <a:lstStyle/>
+                    <a:p>
+                      <a:r>
+                        <a:rPr lang="en-US" dirty="0"/>
+                        <a:t>ingredients</a:t>
+                      </a:r>
+                      <a:endParaRPr lang="en-ID" dirty="0"/>
+                    </a:p>
+                  </a:txBody>
+                  <a:tcPr/>
+                </a:tc>
+                <a:tc>
+                  <a:txBody>
+                    <a:bodyPr/>
+                    <a:lstStyle/>
+                    <a:p>
+                      <a:r>
+                        <a:rPr lang="en-US" dirty="0"/>
+                        <a:t>taste</a:t>
+                      </a:r>
+                      <a:endParaRPr lang="en-ID" dirty="0"/>
+                    </a:p>
+                  </a:txBody>
+                  <a:tcPr/>
+                </a:tc>
+                <a:extLst>
+                  <a:ext uri="{0D108BD9-81ED-4DB2-BD59-A6C34878D82A}">
+                    <a16:rowId xmlns:a16="http://schemas.microsoft.com/office/drawing/2014/main" val="2656271430"/>
+                  </a:ext>
+                </a:extLst>
+              </a:tr>
+              <a:tr h="370840">
+                <a:tc>
+                  <a:txBody>
+                    <a:bodyPr/>
+                    <a:lstStyle/>
+                    <a:p>
+                      <a:r>
+                        <a:rPr lang="en-ID" dirty="0"/>
+                        <a:t>bittersweet chocolate sorbet</a:t>
+                      </a:r>
+                    </a:p>
+                  </a:txBody>
+                  <a:tcPr/>
+                </a:tc>
+                <a:tc>
+                  <a:txBody>
+                    <a:bodyPr/>
+                    <a:lstStyle/>
+                    <a:p>
+                      <a:r>
+                        <a:rPr lang="en-US" dirty="0"/>
+                        <a:t>water, granulated sugar, cocoa powder, bittersweet chocolate</a:t>
+                      </a:r>
+                    </a:p>
+                  </a:txBody>
+                  <a:tcPr/>
+                </a:tc>
+                <a:tc>
+                  <a:txBody>
+                    <a:bodyPr/>
+                    <a:lstStyle/>
+                    <a:p>
+                      <a:r>
+                        <a:rPr lang="en-US" dirty="0"/>
+                        <a:t>sweet, bitter</a:t>
+                      </a:r>
+                      <a:endParaRPr lang="en-ID" dirty="0"/>
+                    </a:p>
+                  </a:txBody>
+                  <a:tcPr/>
+                </a:tc>
+                <a:extLst>
+                  <a:ext uri="{0D108BD9-81ED-4DB2-BD59-A6C34878D82A}">
+                    <a16:rowId xmlns:a16="http://schemas.microsoft.com/office/drawing/2014/main" val="860770765"/>
+                  </a:ext>
+                </a:extLst>
+              </a:tr>
+              <a:tr h="370840">
+                <a:tc>
+                  <a:txBody>
+                    <a:bodyPr/>
+                    <a:lstStyle/>
+                    <a:p>
+                      <a:r>
+                        <a:rPr lang="en-US" dirty="0"/>
+                        <a:t>bittersweet or white chocolate ice cream</a:t>
+                      </a:r>
+                    </a:p>
+                  </a:txBody>
+                  <a:tcPr/>
+                </a:tc>
+                <a:tc>
+                  <a:txBody>
+                    <a:bodyPr/>
+                    <a:lstStyle/>
+                    <a:p>
+                      <a:r>
+                        <a:rPr lang="en-US" dirty="0"/>
+                        <a:t>milk, granulated sugar, bittersweet chocolate, heavy cream, vanilla extract</a:t>
+                      </a:r>
+                    </a:p>
+                  </a:txBody>
+                  <a:tcPr/>
+                </a:tc>
+                <a:tc>
+                  <a:txBody>
+                    <a:bodyPr/>
+                    <a:lstStyle/>
+                    <a:p>
+                      <a:pPr marL="0" marR="0" lvl="0" indent="0" algn="l" defTabSz="914400" rtl="0" eaLnBrk="1" fontAlgn="auto" latinLnBrk="0" hangingPunct="1">
+                        <a:lnSpc>
+                          <a:spcPct val="100000"/>
+                        </a:lnSpc>
+                        <a:spcBef>
+                          <a:spcPts val="0"/>
+                        </a:spcBef>
+                        <a:spcAft>
+                          <a:spcPts val="0"/>
+                        </a:spcAft>
+                        <a:buClrTx/>
+                        <a:buSzTx/>
+                        <a:buFontTx/>
+                        <a:buNone/>
+                        <a:tabLst/>
+                        <a:defRPr/>
+                      </a:pPr>
+                      <a:r>
+                        <a:rPr lang="en-US" dirty="0"/>
+                        <a:t>sweet, bitter</a:t>
+                      </a:r>
+                      <a:endParaRPr lang="en-ID" dirty="0"/>
+                    </a:p>
+                  </a:txBody>
+                  <a:tcPr/>
+                </a:tc>
+                <a:extLst>
+                  <a:ext uri="{0D108BD9-81ED-4DB2-BD59-A6C34878D82A}">
+                    <a16:rowId xmlns:a16="http://schemas.microsoft.com/office/drawing/2014/main" val="3122722339"/>
+                  </a:ext>
+                </a:extLst>
+              </a:tr>
+              <a:tr h="370840">
+                <a:tc>
+                  <a:txBody>
+                    <a:bodyPr/>
+                    <a:lstStyle/>
+                    <a:p>
+                      <a:r>
+                        <a:rPr lang="en-US" dirty="0"/>
+                        <a:t>salty chocolate pecan candy</a:t>
+                      </a:r>
+                    </a:p>
+                  </a:txBody>
+                  <a:tcPr/>
+                </a:tc>
+                <a:tc>
+                  <a:txBody>
+                    <a:bodyPr/>
+                    <a:lstStyle/>
+                    <a:p>
+                      <a:r>
+                        <a:rPr lang="en-US" dirty="0"/>
+                        <a:t>pecans, bittersweet chocolate, white chocolate, coarse sea salt</a:t>
+                      </a:r>
+                    </a:p>
+                  </a:txBody>
+                  <a:tcPr/>
+                </a:tc>
+                <a:tc>
+                  <a:txBody>
+                    <a:bodyPr/>
+                    <a:lstStyle/>
+                    <a:p>
+                      <a:r>
+                        <a:rPr lang="en-US" dirty="0"/>
+                        <a:t>salty</a:t>
+                      </a:r>
+                      <a:endParaRPr lang="en-ID" dirty="0"/>
+                    </a:p>
+                  </a:txBody>
+                  <a:tcPr/>
+                </a:tc>
+                <a:extLst>
+                  <a:ext uri="{0D108BD9-81ED-4DB2-BD59-A6C34878D82A}">
+                    <a16:rowId xmlns:a16="http://schemas.microsoft.com/office/drawing/2014/main" val="399545709"/>
+                  </a:ext>
+                </a:extLst>
+              </a:tr>
+              <a:tr h="370840">
+                <a:tc>
+                  <a:txBody>
+                    <a:bodyPr/>
+                    <a:lstStyle/>
+                    <a:p>
+                      <a:r>
+                        <a:rPr lang="en-US" dirty="0"/>
+                        <a:t>a cup of hot mocha  </a:t>
+                      </a:r>
+                      <a:r>
+                        <a:rPr lang="en-US" dirty="0" err="1"/>
+                        <a:t>michael</a:t>
+                      </a:r>
+                      <a:r>
+                        <a:rPr lang="en-US" dirty="0"/>
+                        <a:t> smith</a:t>
+                      </a:r>
+                    </a:p>
+                  </a:txBody>
+                  <a:tcPr/>
+                </a:tc>
+                <a:tc>
+                  <a:txBody>
+                    <a:bodyPr/>
+                    <a:lstStyle/>
+                    <a:p>
+                      <a:r>
+                        <a:rPr lang="en-ID" dirty="0"/>
+                        <a:t>bittersweet chocolate, butter, eggs, brown sugar, vanilla, strong coffee</a:t>
+                      </a:r>
+                    </a:p>
+                  </a:txBody>
+                  <a:tcPr/>
+                </a:tc>
+                <a:tc>
+                  <a:txBody>
+                    <a:bodyPr/>
+                    <a:lstStyle/>
+                    <a:p>
+                      <a:r>
+                        <a:rPr lang="en-US" dirty="0"/>
+                        <a:t>sweet, sour</a:t>
+                      </a:r>
+                      <a:endParaRPr lang="en-ID" dirty="0"/>
+                    </a:p>
+                  </a:txBody>
+                  <a:tcPr/>
+                </a:tc>
+                <a:extLst>
+                  <a:ext uri="{0D108BD9-81ED-4DB2-BD59-A6C34878D82A}">
+                    <a16:rowId xmlns:a16="http://schemas.microsoft.com/office/drawing/2014/main" val="830848997"/>
+                  </a:ext>
+                </a:extLst>
+              </a:tr>
+              <a:tr h="370840">
+                <a:tc>
+                  <a:txBody>
+                    <a:bodyPr/>
+                    <a:lstStyle/>
+                    <a:p>
+                      <a:r>
+                        <a:rPr lang="en-US" dirty="0" err="1"/>
+                        <a:t>cipriani’s</a:t>
+                      </a:r>
+                      <a:r>
+                        <a:rPr lang="en-US" dirty="0"/>
+                        <a:t> chocolate ice cream with bitter orange sauce</a:t>
+                      </a:r>
+                    </a:p>
+                  </a:txBody>
+                  <a:tcPr/>
+                </a:tc>
+                <a:tc>
+                  <a:txBody>
+                    <a:bodyPr/>
+                    <a:lstStyle/>
+                    <a:p>
+                      <a:r>
+                        <a:rPr lang="en-ID" dirty="0"/>
+                        <a:t>milk, bittersweet chocolate, egg yolks, orange zest, fresh orange juice, orange preserves</a:t>
+                      </a:r>
+                    </a:p>
+                  </a:txBody>
+                  <a:tcPr/>
+                </a:tc>
+                <a:tc>
+                  <a:txBody>
+                    <a:bodyPr/>
+                    <a:lstStyle/>
+                    <a:p>
+                      <a:r>
+                        <a:rPr lang="en-US" dirty="0"/>
+                        <a:t>bitter</a:t>
+                      </a:r>
+                      <a:endParaRPr lang="en-ID" dirty="0"/>
+                    </a:p>
+                  </a:txBody>
+                  <a:tcPr/>
+                </a:tc>
+                <a:extLst>
+                  <a:ext uri="{0D108BD9-81ED-4DB2-BD59-A6C34878D82A}">
+                    <a16:rowId xmlns:a16="http://schemas.microsoft.com/office/drawing/2014/main" val="3827696411"/>
+                  </a:ext>
+                </a:extLst>
+              </a:tr>
+            </a:tbl>
+          </a:graphicData>
+        </a:graphic>
+      </p:graphicFrame>
     </p:spTree>
     <p:extLst>
       <p:ext uri="{BB962C8B-B14F-4D97-AF65-F5344CB8AC3E}">
-        <p14:creationId xmlns:p14="http://schemas.microsoft.com/office/powerpoint/2010/main" val="645769589"/>
+        <p14:creationId xmlns:p14="http://schemas.microsoft.com/office/powerpoint/2010/main" val="3611656780"/>
       </p:ext>
     </p:extLst>
   </p:cSld>
@@ -9948,7 +10127,13 @@
       </p:grpSpPr>
       <p:sp>
         <p:nvSpPr>
-          <p:cNvPr id="4" name="Title 3"/>
+          <p:cNvPr id="5" name="Title 4">
+            <a:extLst>
+              <a:ext uri="{FF2B5EF4-FFF2-40B4-BE49-F238E27FC236}">
+                <a16:creationId xmlns:a16="http://schemas.microsoft.com/office/drawing/2014/main" id="{ABA92AD0-7B94-DA05-7C17-EA1244F3B12C}"/>
+              </a:ext>
+            </a:extLst>
+          </p:cNvPr>
           <p:cNvSpPr>
             <a:spLocks noGrp="1"/>
           </p:cNvSpPr>
@@ -9963,19 +10148,515 @@
           <a:p>
             <a:r>
               <a:rPr lang="en-US" dirty="0"/>
-              <a:t>How to classify food taste?</a:t>
-            </a:r>
-          </a:p>
-        </p:txBody>
-      </p:sp>
-      <p:sp>
-        <p:nvSpPr>
-          <p:cNvPr id="2" name="Content Placeholder 1"/>
-          <p:cNvSpPr>
-            <a:spLocks noGrp="1"/>
-          </p:cNvSpPr>
-          <p:nvPr>
-            <p:ph sz="half" idx="1"/>
+              <a:t>How did I classify the food taste?</a:t>
+            </a:r>
+            <a:endParaRPr lang="en-ID" dirty="0"/>
+          </a:p>
+        </p:txBody>
+      </p:sp>
+      <mc:AlternateContent xmlns:mc="http://schemas.openxmlformats.org/markup-compatibility/2006" xmlns:a14="http://schemas.microsoft.com/office/drawing/2010/main">
+        <mc:Choice Requires="a14">
+          <p:sp>
+            <p:nvSpPr>
+              <p:cNvPr id="6" name="Content Placeholder 5">
+                <a:extLst>
+                  <a:ext uri="{FF2B5EF4-FFF2-40B4-BE49-F238E27FC236}">
+                    <a16:creationId xmlns:a16="http://schemas.microsoft.com/office/drawing/2014/main" id="{4400EB5E-259F-0A0B-5749-ED1778081BAE}"/>
+                  </a:ext>
+                </a:extLst>
+              </p:cNvPr>
+              <p:cNvSpPr>
+                <a:spLocks noGrp="1"/>
+              </p:cNvSpPr>
+              <p:nvPr>
+                <p:ph idx="1"/>
+              </p:nvPr>
+            </p:nvSpPr>
+            <p:spPr/>
+            <p:txBody>
+              <a:bodyPr>
+                <a:normAutofit/>
+              </a:bodyPr>
+              <a:lstStyle/>
+              <a:p>
+                <a:r>
+                  <a:rPr lang="en-US" dirty="0"/>
+                  <a:t>Let’s assume that </a:t>
+                </a:r>
+                <a:r>
+                  <a:rPr lang="en-US" i="1" dirty="0"/>
+                  <a:t>“bittersweet chocolate” </a:t>
+                </a:r>
+                <a:r>
+                  <a:rPr lang="en-US" dirty="0"/>
+                  <a:t>is </a:t>
+                </a:r>
+                <a14:m>
+                  <m:oMath xmlns:m="http://schemas.openxmlformats.org/officeDocument/2006/math">
+                    <m:sSub>
+                      <m:sSubPr>
+                        <m:ctrlPr>
+                          <a:rPr lang="en-US" b="0" i="1" smtClean="0">
+                            <a:latin typeface="Cambria Math" panose="02040503050406030204" pitchFamily="18" charset="0"/>
+                          </a:rPr>
+                        </m:ctrlPr>
+                      </m:sSubPr>
+                      <m:e>
+                        <m:r>
+                          <a:rPr lang="en-US" b="0" i="1" smtClean="0">
+                            <a:latin typeface="Cambria Math" panose="02040503050406030204" pitchFamily="18" charset="0"/>
+                          </a:rPr>
+                          <m:t>𝑎</m:t>
+                        </m:r>
+                      </m:e>
+                      <m:sub>
+                        <m:r>
+                          <a:rPr lang="en-US" b="0" i="1" smtClean="0">
+                            <a:latin typeface="Cambria Math" panose="02040503050406030204" pitchFamily="18" charset="0"/>
+                          </a:rPr>
+                          <m:t>1</m:t>
+                        </m:r>
+                      </m:sub>
+                    </m:sSub>
+                  </m:oMath>
+                </a14:m>
+                <a:r>
+                  <a:rPr lang="en-US" i="1" dirty="0"/>
+                  <a:t>.</a:t>
+                </a:r>
+              </a:p>
+              <a:p>
+                <a14:m>
+                  <m:oMath xmlns:m="http://schemas.openxmlformats.org/officeDocument/2006/math">
+                    <m:r>
+                      <a:rPr lang="en-US" b="0" i="1" smtClean="0">
+                        <a:latin typeface="Cambria Math" panose="02040503050406030204" pitchFamily="18" charset="0"/>
+                      </a:rPr>
+                      <m:t>𝐴</m:t>
+                    </m:r>
+                    <m:sSub>
+                      <m:sSubPr>
+                        <m:ctrlPr>
+                          <a:rPr lang="en-US" b="0" i="1" smtClean="0">
+                            <a:latin typeface="Cambria Math" panose="02040503050406030204" pitchFamily="18" charset="0"/>
+                          </a:rPr>
+                        </m:ctrlPr>
+                      </m:sSubPr>
+                      <m:e>
+                        <m:r>
+                          <a:rPr lang="en-US" b="0" i="1" smtClean="0">
+                            <a:latin typeface="Cambria Math" panose="02040503050406030204" pitchFamily="18" charset="0"/>
+                          </a:rPr>
+                          <m:t>𝑇</m:t>
+                        </m:r>
+                      </m:e>
+                      <m:sub>
+                        <m:r>
+                          <a:rPr lang="en-US" b="0" i="1" smtClean="0">
+                            <a:latin typeface="Cambria Math" panose="02040503050406030204" pitchFamily="18" charset="0"/>
+                          </a:rPr>
+                          <m:t>11</m:t>
+                        </m:r>
+                      </m:sub>
+                    </m:sSub>
+                  </m:oMath>
+                </a14:m>
+                <a:r>
+                  <a:rPr lang="en-US" dirty="0"/>
+                  <a:t>: foods that contains </a:t>
+                </a:r>
+                <a:r>
+                  <a:rPr lang="en-US" i="1" dirty="0"/>
+                  <a:t>“bittersweet chocolate” </a:t>
+                </a:r>
+                <a:r>
+                  <a:rPr lang="en-US" dirty="0"/>
+                  <a:t>and the taste is sweet, i.e. “</a:t>
+                </a:r>
+                <a:r>
+                  <a:rPr lang="en-ID" i="1" dirty="0"/>
+                  <a:t>bittersweet chocolate sorbet</a:t>
+                </a:r>
+                <a:r>
+                  <a:rPr lang="en-ID" dirty="0"/>
+                  <a:t>”, “</a:t>
+                </a:r>
+                <a:r>
+                  <a:rPr lang="en-US" i="1" dirty="0"/>
+                  <a:t>bittersweet or white chocolate ice cream</a:t>
+                </a:r>
+                <a:r>
+                  <a:rPr lang="en-US" dirty="0"/>
+                  <a:t>”, and “</a:t>
+                </a:r>
+                <a:r>
+                  <a:rPr lang="en-US" i="1" dirty="0"/>
+                  <a:t>a cup of hot mocha </a:t>
+                </a:r>
+                <a:r>
+                  <a:rPr lang="en-US" i="1" dirty="0" err="1"/>
+                  <a:t>michael</a:t>
+                </a:r>
+                <a:r>
+                  <a:rPr lang="en-US" i="1" dirty="0"/>
+                  <a:t> smith</a:t>
+                </a:r>
+                <a:r>
+                  <a:rPr lang="en-US" dirty="0"/>
+                  <a:t>”.</a:t>
+                </a:r>
+              </a:p>
+              <a:p>
+                <a14:m>
+                  <m:oMath xmlns:m="http://schemas.openxmlformats.org/officeDocument/2006/math">
+                    <m:r>
+                      <a:rPr lang="en-US" b="0" i="1" smtClean="0">
+                        <a:latin typeface="Cambria Math" panose="02040503050406030204" pitchFamily="18" charset="0"/>
+                      </a:rPr>
+                      <m:t>𝐴</m:t>
+                    </m:r>
+                    <m:sSub>
+                      <m:sSubPr>
+                        <m:ctrlPr>
+                          <a:rPr lang="en-US" b="0" i="1" smtClean="0">
+                            <a:latin typeface="Cambria Math" panose="02040503050406030204" pitchFamily="18" charset="0"/>
+                          </a:rPr>
+                        </m:ctrlPr>
+                      </m:sSubPr>
+                      <m:e>
+                        <m:r>
+                          <a:rPr lang="en-US" b="0" i="1" smtClean="0">
+                            <a:latin typeface="Cambria Math" panose="02040503050406030204" pitchFamily="18" charset="0"/>
+                          </a:rPr>
+                          <m:t>𝑇</m:t>
+                        </m:r>
+                      </m:e>
+                      <m:sub>
+                        <m:r>
+                          <a:rPr lang="en-US" b="0" i="1" smtClean="0">
+                            <a:latin typeface="Cambria Math" panose="02040503050406030204" pitchFamily="18" charset="0"/>
+                          </a:rPr>
+                          <m:t>12</m:t>
+                        </m:r>
+                      </m:sub>
+                    </m:sSub>
+                  </m:oMath>
+                </a14:m>
+                <a:r>
+                  <a:rPr lang="en-US" dirty="0"/>
+                  <a:t>: foods that contains </a:t>
+                </a:r>
+                <a:r>
+                  <a:rPr lang="en-US" i="1" dirty="0"/>
+                  <a:t>“bittersweet chocolate” </a:t>
+                </a:r>
+                <a:r>
+                  <a:rPr lang="en-US" dirty="0"/>
+                  <a:t>and the taste is salty, i.e. “</a:t>
+                </a:r>
+                <a:r>
+                  <a:rPr lang="en-ID" i="1" dirty="0"/>
+                  <a:t>salty chocolate pecan candy</a:t>
+                </a:r>
+                <a:r>
+                  <a:rPr lang="en-ID" dirty="0"/>
+                  <a:t>”</a:t>
+                </a:r>
+                <a:r>
+                  <a:rPr lang="en-US" dirty="0"/>
+                  <a:t>.</a:t>
+                </a:r>
+              </a:p>
+              <a:p>
+                <a14:m>
+                  <m:oMath xmlns:m="http://schemas.openxmlformats.org/officeDocument/2006/math">
+                    <m:r>
+                      <a:rPr lang="en-US" b="0" i="1" smtClean="0">
+                        <a:latin typeface="Cambria Math" panose="02040503050406030204" pitchFamily="18" charset="0"/>
+                      </a:rPr>
+                      <m:t>𝐴</m:t>
+                    </m:r>
+                    <m:sSub>
+                      <m:sSubPr>
+                        <m:ctrlPr>
+                          <a:rPr lang="en-US" b="0" i="1" smtClean="0">
+                            <a:latin typeface="Cambria Math" panose="02040503050406030204" pitchFamily="18" charset="0"/>
+                          </a:rPr>
+                        </m:ctrlPr>
+                      </m:sSubPr>
+                      <m:e>
+                        <m:r>
+                          <a:rPr lang="en-US" b="0" i="1" smtClean="0">
+                            <a:latin typeface="Cambria Math" panose="02040503050406030204" pitchFamily="18" charset="0"/>
+                          </a:rPr>
+                          <m:t>𝑇</m:t>
+                        </m:r>
+                      </m:e>
+                      <m:sub>
+                        <m:r>
+                          <a:rPr lang="en-US" b="0" i="1" smtClean="0">
+                            <a:latin typeface="Cambria Math" panose="02040503050406030204" pitchFamily="18" charset="0"/>
+                          </a:rPr>
+                          <m:t>13</m:t>
+                        </m:r>
+                      </m:sub>
+                    </m:sSub>
+                  </m:oMath>
+                </a14:m>
+                <a:r>
+                  <a:rPr lang="en-US" dirty="0"/>
+                  <a:t>: foods that contains </a:t>
+                </a:r>
+                <a:r>
+                  <a:rPr lang="en-US" i="1" dirty="0"/>
+                  <a:t>“bittersweet chocolate” </a:t>
+                </a:r>
+                <a:r>
+                  <a:rPr lang="en-US" dirty="0"/>
+                  <a:t>and the taste is sour, i.e. “</a:t>
+                </a:r>
+                <a:r>
+                  <a:rPr lang="en-US" i="1" dirty="0"/>
+                  <a:t>a cup of hot mocha </a:t>
+                </a:r>
+                <a:r>
+                  <a:rPr lang="en-US" i="1" dirty="0" err="1"/>
+                  <a:t>michael</a:t>
+                </a:r>
+                <a:r>
+                  <a:rPr lang="en-US" i="1" dirty="0"/>
+                  <a:t> smith</a:t>
+                </a:r>
+                <a:r>
+                  <a:rPr lang="en-US" dirty="0"/>
+                  <a:t>”.</a:t>
+                </a:r>
+              </a:p>
+              <a:p>
+                <a14:m>
+                  <m:oMath xmlns:m="http://schemas.openxmlformats.org/officeDocument/2006/math">
+                    <m:r>
+                      <a:rPr lang="en-US" b="0" i="1" smtClean="0">
+                        <a:latin typeface="Cambria Math" panose="02040503050406030204" pitchFamily="18" charset="0"/>
+                      </a:rPr>
+                      <m:t>𝐴</m:t>
+                    </m:r>
+                    <m:sSub>
+                      <m:sSubPr>
+                        <m:ctrlPr>
+                          <a:rPr lang="en-US" b="0" i="1" smtClean="0">
+                            <a:latin typeface="Cambria Math" panose="02040503050406030204" pitchFamily="18" charset="0"/>
+                          </a:rPr>
+                        </m:ctrlPr>
+                      </m:sSubPr>
+                      <m:e>
+                        <m:r>
+                          <a:rPr lang="en-US" b="0" i="1" smtClean="0">
+                            <a:latin typeface="Cambria Math" panose="02040503050406030204" pitchFamily="18" charset="0"/>
+                          </a:rPr>
+                          <m:t>𝑇</m:t>
+                        </m:r>
+                      </m:e>
+                      <m:sub>
+                        <m:r>
+                          <a:rPr lang="en-US" b="0" i="1" smtClean="0">
+                            <a:latin typeface="Cambria Math" panose="02040503050406030204" pitchFamily="18" charset="0"/>
+                          </a:rPr>
+                          <m:t>14</m:t>
+                        </m:r>
+                      </m:sub>
+                    </m:sSub>
+                  </m:oMath>
+                </a14:m>
+                <a:r>
+                  <a:rPr lang="en-US" dirty="0"/>
+                  <a:t>: foods that contains </a:t>
+                </a:r>
+                <a:r>
+                  <a:rPr lang="en-US" i="1" dirty="0"/>
+                  <a:t>“bittersweet chocolate” </a:t>
+                </a:r>
+                <a:r>
+                  <a:rPr lang="en-US" dirty="0"/>
+                  <a:t>and the taste is sweet, i.e. “</a:t>
+                </a:r>
+                <a:r>
+                  <a:rPr lang="en-ID" i="1" dirty="0"/>
+                  <a:t>bittersweet chocolate sorbet</a:t>
+                </a:r>
+                <a:r>
+                  <a:rPr lang="en-ID" dirty="0"/>
+                  <a:t>”, “</a:t>
+                </a:r>
+                <a:r>
+                  <a:rPr lang="en-US" i="1" dirty="0"/>
+                  <a:t>bittersweet or white chocolate ice cream</a:t>
+                </a:r>
+                <a:r>
+                  <a:rPr lang="en-US" dirty="0"/>
+                  <a:t>”, and “</a:t>
+                </a:r>
+                <a:r>
+                  <a:rPr lang="en-US" i="1" dirty="0" err="1"/>
+                  <a:t>cipriani’s</a:t>
+                </a:r>
+                <a:r>
+                  <a:rPr lang="en-US" i="1" dirty="0"/>
+                  <a:t> chocolate ice cream with bitter orange sauce</a:t>
+                </a:r>
+                <a:r>
+                  <a:rPr lang="en-US" dirty="0"/>
+                  <a:t>”.</a:t>
+                </a:r>
+              </a:p>
+              <a:p>
+                <a14:m>
+                  <m:oMath xmlns:m="http://schemas.openxmlformats.org/officeDocument/2006/math">
+                    <m:r>
+                      <a:rPr lang="en-US" b="0" i="1" smtClean="0">
+                        <a:latin typeface="Cambria Math" panose="02040503050406030204" pitchFamily="18" charset="0"/>
+                      </a:rPr>
+                      <m:t>𝐴</m:t>
+                    </m:r>
+                    <m:sSub>
+                      <m:sSubPr>
+                        <m:ctrlPr>
+                          <a:rPr lang="en-US" b="0" i="1" smtClean="0">
+                            <a:latin typeface="Cambria Math" panose="02040503050406030204" pitchFamily="18" charset="0"/>
+                          </a:rPr>
+                        </m:ctrlPr>
+                      </m:sSubPr>
+                      <m:e>
+                        <m:r>
+                          <a:rPr lang="en-US" b="0" i="1" smtClean="0">
+                            <a:latin typeface="Cambria Math" panose="02040503050406030204" pitchFamily="18" charset="0"/>
+                          </a:rPr>
+                          <m:t>𝑇</m:t>
+                        </m:r>
+                      </m:e>
+                      <m:sub>
+                        <m:r>
+                          <a:rPr lang="en-US" b="0" i="1" smtClean="0">
+                            <a:latin typeface="Cambria Math" panose="02040503050406030204" pitchFamily="18" charset="0"/>
+                          </a:rPr>
+                          <m:t>15</m:t>
+                        </m:r>
+                      </m:sub>
+                    </m:sSub>
+                  </m:oMath>
+                </a14:m>
+                <a:r>
+                  <a:rPr lang="en-US" dirty="0"/>
+                  <a:t>: foods that contains </a:t>
+                </a:r>
+                <a:r>
+                  <a:rPr lang="en-US" i="1" dirty="0"/>
+                  <a:t>“bittersweet chocolate” </a:t>
+                </a:r>
+                <a:r>
+                  <a:rPr lang="en-US" dirty="0"/>
+                  <a:t>and the taste is spicy, i.e. none.</a:t>
+                </a:r>
+              </a:p>
+            </p:txBody>
+          </p:sp>
+        </mc:Choice>
+        <mc:Fallback xmlns="">
+          <p:sp>
+            <p:nvSpPr>
+              <p:cNvPr id="6" name="Content Placeholder 5">
+                <a:extLst>
+                  <a:ext uri="{FF2B5EF4-FFF2-40B4-BE49-F238E27FC236}">
+                    <a16:creationId xmlns:a16="http://schemas.microsoft.com/office/drawing/2014/main" id="{4400EB5E-259F-0A0B-5749-ED1778081BAE}"/>
+                  </a:ext>
+                </a:extLst>
+              </p:cNvPr>
+              <p:cNvSpPr>
+                <a:spLocks noGrp="1" noRot="1" noChangeAspect="1" noMove="1" noResize="1" noEditPoints="1" noAdjustHandles="1" noChangeArrowheads="1" noChangeShapeType="1" noTextEdit="1"/>
+              </p:cNvSpPr>
+              <p:nvPr>
+                <p:ph idx="1"/>
+              </p:nvPr>
+            </p:nvSpPr>
+            <p:spPr>
+              <a:blipFill>
+                <a:blip r:embed="rId2"/>
+                <a:stretch>
+                  <a:fillRect l="-67" t="-1480" b="-2288"/>
+                </a:stretch>
+              </a:blipFill>
+            </p:spPr>
+            <p:txBody>
+              <a:bodyPr/>
+              <a:lstStyle/>
+              <a:p>
+                <a:r>
+                  <a:rPr lang="en-ID">
+                    <a:noFill/>
+                  </a:rPr>
+                  <a:t> </a:t>
+                </a:r>
+              </a:p>
+            </p:txBody>
+          </p:sp>
+        </mc:Fallback>
+      </mc:AlternateContent>
+    </p:spTree>
+    <p:extLst>
+      <p:ext uri="{BB962C8B-B14F-4D97-AF65-F5344CB8AC3E}">
+        <p14:creationId xmlns:p14="http://schemas.microsoft.com/office/powerpoint/2010/main" val="3218174065"/>
+      </p:ext>
+    </p:extLst>
+  </p:cSld>
+  <p:clrMapOvr>
+    <a:masterClrMapping/>
+  </p:clrMapOvr>
+  <mc:AlternateContent xmlns:mc="http://schemas.openxmlformats.org/markup-compatibility/2006" xmlns:p14="http://schemas.microsoft.com/office/powerpoint/2010/main">
+    <mc:Choice Requires="p14">
+      <p:transition spd="med" p14:dur="700">
+        <p:fade/>
+      </p:transition>
+    </mc:Choice>
+    <mc:Fallback xmlns="">
+      <p:transition spd="med">
+        <p:fade/>
+      </p:transition>
+    </mc:Fallback>
+  </mc:AlternateContent>
+</p:sld>
+</file>
+
+<file path=ppt/slides/slide28.xml><?xml version="1.0" encoding="utf-8"?>
+<p:sld xmlns:a="http://schemas.openxmlformats.org/drawingml/2006/main" xmlns:r="http://schemas.openxmlformats.org/officeDocument/2006/relationships" xmlns:p="http://schemas.openxmlformats.org/presentationml/2006/main">
+  <p:cSld>
+    <p:spTree>
+      <p:nvGrpSpPr>
+        <p:cNvPr id="1" name=""/>
+        <p:cNvGrpSpPr/>
+        <p:nvPr/>
+      </p:nvGrpSpPr>
+      <p:grpSpPr>
+        <a:xfrm>
+          <a:off x="0" y="0"/>
+          <a:ext cx="0" cy="0"/>
+          <a:chOff x="0" y="0"/>
+          <a:chExt cx="0" cy="0"/>
+        </a:xfrm>
+      </p:grpSpPr>
+      <p:sp>
+        <p:nvSpPr>
+          <p:cNvPr id="5" name="Title 4">
+            <a:extLst>
+              <a:ext uri="{FF2B5EF4-FFF2-40B4-BE49-F238E27FC236}">
+                <a16:creationId xmlns:a16="http://schemas.microsoft.com/office/drawing/2014/main" id="{ABA92AD0-7B94-DA05-7C17-EA1244F3B12C}"/>
+              </a:ext>
+            </a:extLst>
+          </p:cNvPr>
+          <p:cNvSpPr>
+            <a:spLocks noGrp="1"/>
+          </p:cNvSpPr>
+          <p:nvPr>
+            <p:ph type="title"/>
           </p:nvPr>
         </p:nvSpPr>
         <p:spPr/>
@@ -9985,57 +10666,1672 @@
           <a:p>
             <a:r>
               <a:rPr lang="en-US" dirty="0"/>
-              <a:t>We will also check for other taste, i.e. we will calculate probability of </a:t>
+              <a:t>How did I classify the food taste?</a:t>
+            </a:r>
+            <a:endParaRPr lang="en-ID" dirty="0"/>
+          </a:p>
+        </p:txBody>
+      </p:sp>
+      <mc:AlternateContent xmlns:mc="http://schemas.openxmlformats.org/markup-compatibility/2006" xmlns:a14="http://schemas.microsoft.com/office/drawing/2010/main">
+        <mc:Choice Requires="a14">
+          <p:sp>
+            <p:nvSpPr>
+              <p:cNvPr id="6" name="Content Placeholder 5">
+                <a:extLst>
+                  <a:ext uri="{FF2B5EF4-FFF2-40B4-BE49-F238E27FC236}">
+                    <a16:creationId xmlns:a16="http://schemas.microsoft.com/office/drawing/2014/main" id="{4400EB5E-259F-0A0B-5749-ED1778081BAE}"/>
+                  </a:ext>
+                </a:extLst>
+              </p:cNvPr>
+              <p:cNvSpPr>
+                <a:spLocks noGrp="1"/>
+              </p:cNvSpPr>
+              <p:nvPr>
+                <p:ph idx="1"/>
+              </p:nvPr>
+            </p:nvSpPr>
+            <p:spPr/>
+            <p:txBody>
+              <a:bodyPr>
+                <a:normAutofit fontScale="92500" lnSpcReduction="20000"/>
+              </a:bodyPr>
+              <a:lstStyle/>
+              <a:p>
+                <a:r>
+                  <a:rPr lang="en-US" dirty="0"/>
+                  <a:t>Probability of </a:t>
+                </a:r>
+                <a:r>
+                  <a:rPr lang="en-US" i="1" dirty="0"/>
+                  <a:t>“bittersweet chocolate” </a:t>
+                </a:r>
+                <a:r>
+                  <a:rPr lang="en-US" dirty="0"/>
+                  <a:t>taste is sweet is</a:t>
+                </a:r>
+              </a:p>
+              <a:p>
+                <a:pPr marL="45720" indent="0">
+                  <a:buNone/>
+                </a:pPr>
+                <a14:m>
+                  <m:oMathPara xmlns:m="http://schemas.openxmlformats.org/officeDocument/2006/math">
+                    <m:oMathParaPr>
+                      <m:jc m:val="centerGroup"/>
+                    </m:oMathParaPr>
+                    <m:oMath xmlns:m="http://schemas.openxmlformats.org/officeDocument/2006/math">
+                      <m:r>
+                        <a:rPr lang="en-US" b="0" i="1" smtClean="0">
+                          <a:latin typeface="Cambria Math" panose="02040503050406030204" pitchFamily="18" charset="0"/>
+                        </a:rPr>
+                        <m:t>𝑃</m:t>
+                      </m:r>
+                      <m:d>
+                        <m:dPr>
+                          <m:ctrlPr>
+                            <a:rPr lang="en-US" b="0" i="1" smtClean="0">
+                              <a:latin typeface="Cambria Math" panose="02040503050406030204" pitchFamily="18" charset="0"/>
+                            </a:rPr>
+                          </m:ctrlPr>
+                        </m:dPr>
+                        <m:e>
+                          <m:r>
+                            <a:rPr lang="en-US" b="0" i="1" smtClean="0">
+                              <a:latin typeface="Cambria Math" panose="02040503050406030204" pitchFamily="18" charset="0"/>
+                            </a:rPr>
+                            <m:t>𝑓</m:t>
+                          </m:r>
+                          <m:d>
+                            <m:dPr>
+                              <m:ctrlPr>
+                                <a:rPr lang="en-US" b="0" i="1" smtClean="0">
+                                  <a:latin typeface="Cambria Math" panose="02040503050406030204" pitchFamily="18" charset="0"/>
+                                </a:rPr>
+                              </m:ctrlPr>
+                            </m:dPr>
+                            <m:e>
+                              <m:sSub>
+                                <m:sSubPr>
+                                  <m:ctrlPr>
+                                    <a:rPr lang="en-US" b="0" i="1" smtClean="0">
+                                      <a:latin typeface="Cambria Math" panose="02040503050406030204" pitchFamily="18" charset="0"/>
+                                    </a:rPr>
+                                  </m:ctrlPr>
+                                </m:sSubPr>
+                                <m:e>
+                                  <m:r>
+                                    <a:rPr lang="en-US" b="0" i="1" smtClean="0">
+                                      <a:latin typeface="Cambria Math" panose="02040503050406030204" pitchFamily="18" charset="0"/>
+                                    </a:rPr>
+                                    <m:t>𝑎</m:t>
+                                  </m:r>
+                                </m:e>
+                                <m:sub>
+                                  <m:r>
+                                    <a:rPr lang="en-US" b="0" i="1" smtClean="0">
+                                      <a:latin typeface="Cambria Math" panose="02040503050406030204" pitchFamily="18" charset="0"/>
+                                    </a:rPr>
+                                    <m:t>1</m:t>
+                                  </m:r>
+                                </m:sub>
+                              </m:sSub>
+                            </m:e>
+                          </m:d>
+                          <m:r>
+                            <a:rPr lang="en-US" b="0" i="1" smtClean="0">
+                              <a:latin typeface="Cambria Math" panose="02040503050406030204" pitchFamily="18" charset="0"/>
+                            </a:rPr>
+                            <m:t>=</m:t>
+                          </m:r>
+                          <m:sSub>
+                            <m:sSubPr>
+                              <m:ctrlPr>
+                                <a:rPr lang="en-US" b="0" i="1" smtClean="0">
+                                  <a:latin typeface="Cambria Math" panose="02040503050406030204" pitchFamily="18" charset="0"/>
+                                </a:rPr>
+                              </m:ctrlPr>
+                            </m:sSubPr>
+                            <m:e>
+                              <m:r>
+                                <a:rPr lang="en-US" b="0" i="1" smtClean="0">
+                                  <a:latin typeface="Cambria Math" panose="02040503050406030204" pitchFamily="18" charset="0"/>
+                                </a:rPr>
+                                <m:t>𝑡</m:t>
+                              </m:r>
+                            </m:e>
+                            <m:sub>
+                              <m:r>
+                                <a:rPr lang="en-US" b="0" i="1" smtClean="0">
+                                  <a:latin typeface="Cambria Math" panose="02040503050406030204" pitchFamily="18" charset="0"/>
+                                </a:rPr>
+                                <m:t>1</m:t>
+                              </m:r>
+                            </m:sub>
+                          </m:sSub>
+                        </m:e>
+                      </m:d>
+                      <m:r>
+                        <a:rPr lang="en-US" b="0" i="1" smtClean="0">
+                          <a:latin typeface="Cambria Math" panose="02040503050406030204" pitchFamily="18" charset="0"/>
+                        </a:rPr>
+                        <m:t>=</m:t>
+                      </m:r>
+                      <m:f>
+                        <m:fPr>
+                          <m:ctrlPr>
+                            <a:rPr lang="en-US" b="0" i="1" smtClean="0">
+                              <a:latin typeface="Cambria Math" panose="02040503050406030204" pitchFamily="18" charset="0"/>
+                            </a:rPr>
+                          </m:ctrlPr>
+                        </m:fPr>
+                        <m:num>
+                          <m:d>
+                            <m:dPr>
+                              <m:begChr m:val="|"/>
+                              <m:endChr m:val="|"/>
+                              <m:ctrlPr>
+                                <a:rPr lang="en-US" b="0" i="1" smtClean="0">
+                                  <a:latin typeface="Cambria Math" panose="02040503050406030204" pitchFamily="18" charset="0"/>
+                                </a:rPr>
+                              </m:ctrlPr>
+                            </m:dPr>
+                            <m:e>
+                              <m:r>
+                                <a:rPr lang="en-US" b="0" i="1" smtClean="0">
+                                  <a:latin typeface="Cambria Math" panose="02040503050406030204" pitchFamily="18" charset="0"/>
+                                </a:rPr>
+                                <m:t>𝐴</m:t>
+                              </m:r>
+                              <m:sSub>
+                                <m:sSubPr>
+                                  <m:ctrlPr>
+                                    <a:rPr lang="en-US" b="0" i="1" smtClean="0">
+                                      <a:latin typeface="Cambria Math" panose="02040503050406030204" pitchFamily="18" charset="0"/>
+                                    </a:rPr>
+                                  </m:ctrlPr>
+                                </m:sSubPr>
+                                <m:e>
+                                  <m:r>
+                                    <a:rPr lang="en-US" b="0" i="1" smtClean="0">
+                                      <a:latin typeface="Cambria Math" panose="02040503050406030204" pitchFamily="18" charset="0"/>
+                                    </a:rPr>
+                                    <m:t>𝑇</m:t>
+                                  </m:r>
+                                </m:e>
+                                <m:sub>
+                                  <m:r>
+                                    <a:rPr lang="en-US" b="0" i="1" smtClean="0">
+                                      <a:latin typeface="Cambria Math" panose="02040503050406030204" pitchFamily="18" charset="0"/>
+                                    </a:rPr>
+                                    <m:t>11</m:t>
+                                  </m:r>
+                                </m:sub>
+                              </m:sSub>
+                            </m:e>
+                          </m:d>
+                        </m:num>
+                        <m:den>
+                          <m:d>
+                            <m:dPr>
+                              <m:begChr m:val="|"/>
+                              <m:endChr m:val="|"/>
+                              <m:ctrlPr>
+                                <a:rPr lang="en-US" i="1">
+                                  <a:latin typeface="Cambria Math" panose="02040503050406030204" pitchFamily="18" charset="0"/>
+                                </a:rPr>
+                              </m:ctrlPr>
+                            </m:dPr>
+                            <m:e>
+                              <m:nary>
+                                <m:naryPr>
+                                  <m:chr m:val="⋃"/>
+                                  <m:ctrlPr>
+                                    <a:rPr lang="en-US" i="1">
+                                      <a:latin typeface="Cambria Math" panose="02040503050406030204" pitchFamily="18" charset="0"/>
+                                    </a:rPr>
+                                  </m:ctrlPr>
+                                </m:naryPr>
+                                <m:sub>
+                                  <m:r>
+                                    <m:rPr>
+                                      <m:brk m:alnAt="23"/>
+                                    </m:rPr>
+                                    <a:rPr lang="en-US" i="1">
+                                      <a:latin typeface="Cambria Math" panose="02040503050406030204" pitchFamily="18" charset="0"/>
+                                    </a:rPr>
+                                    <m:t>𝑘</m:t>
+                                  </m:r>
+                                  <m:r>
+                                    <a:rPr lang="en-US" i="1">
+                                      <a:latin typeface="Cambria Math" panose="02040503050406030204" pitchFamily="18" charset="0"/>
+                                    </a:rPr>
+                                    <m:t>=1</m:t>
+                                  </m:r>
+                                </m:sub>
+                                <m:sup>
+                                  <m:r>
+                                    <a:rPr lang="en-US" i="1">
+                                      <a:latin typeface="Cambria Math" panose="02040503050406030204" pitchFamily="18" charset="0"/>
+                                    </a:rPr>
+                                    <m:t>5</m:t>
+                                  </m:r>
+                                </m:sup>
+                                <m:e>
+                                  <m:r>
+                                    <a:rPr lang="en-US" i="1">
+                                      <a:latin typeface="Cambria Math" panose="02040503050406030204" pitchFamily="18" charset="0"/>
+                                    </a:rPr>
+                                    <m:t>𝐴</m:t>
+                                  </m:r>
+                                  <m:sSub>
+                                    <m:sSubPr>
+                                      <m:ctrlPr>
+                                        <a:rPr lang="en-US" i="1">
+                                          <a:latin typeface="Cambria Math" panose="02040503050406030204" pitchFamily="18" charset="0"/>
+                                        </a:rPr>
+                                      </m:ctrlPr>
+                                    </m:sSubPr>
+                                    <m:e>
+                                      <m:r>
+                                        <a:rPr lang="en-US" i="1">
+                                          <a:latin typeface="Cambria Math" panose="02040503050406030204" pitchFamily="18" charset="0"/>
+                                        </a:rPr>
+                                        <m:t>𝑇</m:t>
+                                      </m:r>
+                                    </m:e>
+                                    <m:sub>
+                                      <m:r>
+                                        <a:rPr lang="en-US" i="1">
+                                          <a:latin typeface="Cambria Math" panose="02040503050406030204" pitchFamily="18" charset="0"/>
+                                        </a:rPr>
+                                        <m:t>𝑖𝑘</m:t>
+                                      </m:r>
+                                    </m:sub>
+                                  </m:sSub>
+                                </m:e>
+                              </m:nary>
+                            </m:e>
+                          </m:d>
+                        </m:den>
+                      </m:f>
+                      <m:r>
+                        <a:rPr lang="en-US" b="0" i="1" smtClean="0">
+                          <a:latin typeface="Cambria Math" panose="02040503050406030204" pitchFamily="18" charset="0"/>
+                        </a:rPr>
+                        <m:t>=</m:t>
+                      </m:r>
+                      <m:f>
+                        <m:fPr>
+                          <m:ctrlPr>
+                            <a:rPr lang="en-US" b="0" i="1" smtClean="0">
+                              <a:latin typeface="Cambria Math" panose="02040503050406030204" pitchFamily="18" charset="0"/>
+                            </a:rPr>
+                          </m:ctrlPr>
+                        </m:fPr>
+                        <m:num>
+                          <m:r>
+                            <a:rPr lang="en-US" b="0" i="1" smtClean="0">
+                              <a:latin typeface="Cambria Math" panose="02040503050406030204" pitchFamily="18" charset="0"/>
+                            </a:rPr>
+                            <m:t>3</m:t>
+                          </m:r>
+                        </m:num>
+                        <m:den>
+                          <m:r>
+                            <a:rPr lang="en-US" b="0" i="1" smtClean="0">
+                              <a:latin typeface="Cambria Math" panose="02040503050406030204" pitchFamily="18" charset="0"/>
+                            </a:rPr>
+                            <m:t>5</m:t>
+                          </m:r>
+                        </m:den>
+                      </m:f>
+                      <m:r>
+                        <a:rPr lang="en-US" b="0" i="1" smtClean="0">
+                          <a:latin typeface="Cambria Math" panose="02040503050406030204" pitchFamily="18" charset="0"/>
+                        </a:rPr>
+                        <m:t>=60%.</m:t>
+                      </m:r>
+                    </m:oMath>
+                  </m:oMathPara>
+                </a14:m>
+                <a:endParaRPr lang="en-US" dirty="0"/>
+              </a:p>
+              <a:p>
+                <a:r>
+                  <a:rPr lang="en-US" dirty="0"/>
+                  <a:t>Probability of </a:t>
+                </a:r>
+                <a:r>
+                  <a:rPr lang="en-US" i="1" dirty="0"/>
+                  <a:t>“bittersweet chocolate” </a:t>
+                </a:r>
+                <a:r>
+                  <a:rPr lang="en-US" dirty="0"/>
+                  <a:t>taste is salty is</a:t>
+                </a:r>
+              </a:p>
+              <a:p>
+                <a:pPr marL="45720" indent="0">
+                  <a:buNone/>
+                </a:pPr>
+                <a14:m>
+                  <m:oMathPara xmlns:m="http://schemas.openxmlformats.org/officeDocument/2006/math">
+                    <m:oMathParaPr>
+                      <m:jc m:val="centerGroup"/>
+                    </m:oMathParaPr>
+                    <m:oMath xmlns:m="http://schemas.openxmlformats.org/officeDocument/2006/math">
+                      <m:r>
+                        <a:rPr lang="en-US" b="0" i="1" smtClean="0">
+                          <a:latin typeface="Cambria Math" panose="02040503050406030204" pitchFamily="18" charset="0"/>
+                        </a:rPr>
+                        <m:t>𝑃</m:t>
+                      </m:r>
+                      <m:d>
+                        <m:dPr>
+                          <m:ctrlPr>
+                            <a:rPr lang="en-US" b="0" i="1" smtClean="0">
+                              <a:latin typeface="Cambria Math" panose="02040503050406030204" pitchFamily="18" charset="0"/>
+                            </a:rPr>
+                          </m:ctrlPr>
+                        </m:dPr>
+                        <m:e>
+                          <m:r>
+                            <a:rPr lang="en-US" b="0" i="1" smtClean="0">
+                              <a:latin typeface="Cambria Math" panose="02040503050406030204" pitchFamily="18" charset="0"/>
+                            </a:rPr>
+                            <m:t>𝑓</m:t>
+                          </m:r>
+                          <m:d>
+                            <m:dPr>
+                              <m:ctrlPr>
+                                <a:rPr lang="en-US" b="0" i="1" smtClean="0">
+                                  <a:latin typeface="Cambria Math" panose="02040503050406030204" pitchFamily="18" charset="0"/>
+                                </a:rPr>
+                              </m:ctrlPr>
+                            </m:dPr>
+                            <m:e>
+                              <m:sSub>
+                                <m:sSubPr>
+                                  <m:ctrlPr>
+                                    <a:rPr lang="en-US" b="0" i="1" smtClean="0">
+                                      <a:latin typeface="Cambria Math" panose="02040503050406030204" pitchFamily="18" charset="0"/>
+                                    </a:rPr>
+                                  </m:ctrlPr>
+                                </m:sSubPr>
+                                <m:e>
+                                  <m:r>
+                                    <a:rPr lang="en-US" b="0" i="1" smtClean="0">
+                                      <a:latin typeface="Cambria Math" panose="02040503050406030204" pitchFamily="18" charset="0"/>
+                                    </a:rPr>
+                                    <m:t>𝑎</m:t>
+                                  </m:r>
+                                </m:e>
+                                <m:sub>
+                                  <m:r>
+                                    <a:rPr lang="en-US" b="0" i="1" smtClean="0">
+                                      <a:latin typeface="Cambria Math" panose="02040503050406030204" pitchFamily="18" charset="0"/>
+                                    </a:rPr>
+                                    <m:t>1</m:t>
+                                  </m:r>
+                                </m:sub>
+                              </m:sSub>
+                            </m:e>
+                          </m:d>
+                          <m:r>
+                            <a:rPr lang="en-US" b="0" i="1" smtClean="0">
+                              <a:latin typeface="Cambria Math" panose="02040503050406030204" pitchFamily="18" charset="0"/>
+                            </a:rPr>
+                            <m:t>=</m:t>
+                          </m:r>
+                          <m:sSub>
+                            <m:sSubPr>
+                              <m:ctrlPr>
+                                <a:rPr lang="en-US" b="0" i="1" smtClean="0">
+                                  <a:latin typeface="Cambria Math" panose="02040503050406030204" pitchFamily="18" charset="0"/>
+                                </a:rPr>
+                              </m:ctrlPr>
+                            </m:sSubPr>
+                            <m:e>
+                              <m:r>
+                                <a:rPr lang="en-US" b="0" i="1" smtClean="0">
+                                  <a:latin typeface="Cambria Math" panose="02040503050406030204" pitchFamily="18" charset="0"/>
+                                </a:rPr>
+                                <m:t>𝑡</m:t>
+                              </m:r>
+                            </m:e>
+                            <m:sub>
+                              <m:r>
+                                <a:rPr lang="en-US" b="0" i="1" smtClean="0">
+                                  <a:latin typeface="Cambria Math" panose="02040503050406030204" pitchFamily="18" charset="0"/>
+                                </a:rPr>
+                                <m:t>2</m:t>
+                              </m:r>
+                            </m:sub>
+                          </m:sSub>
+                        </m:e>
+                      </m:d>
+                      <m:r>
+                        <a:rPr lang="en-US" b="0" i="1" smtClean="0">
+                          <a:latin typeface="Cambria Math" panose="02040503050406030204" pitchFamily="18" charset="0"/>
+                        </a:rPr>
+                        <m:t>=</m:t>
+                      </m:r>
+                      <m:f>
+                        <m:fPr>
+                          <m:ctrlPr>
+                            <a:rPr lang="en-US" i="1">
+                              <a:latin typeface="Cambria Math" panose="02040503050406030204" pitchFamily="18" charset="0"/>
+                            </a:rPr>
+                          </m:ctrlPr>
+                        </m:fPr>
+                        <m:num>
+                          <m:d>
+                            <m:dPr>
+                              <m:begChr m:val="|"/>
+                              <m:endChr m:val="|"/>
+                              <m:ctrlPr>
+                                <a:rPr lang="en-US" i="1">
+                                  <a:latin typeface="Cambria Math" panose="02040503050406030204" pitchFamily="18" charset="0"/>
+                                </a:rPr>
+                              </m:ctrlPr>
+                            </m:dPr>
+                            <m:e>
+                              <m:r>
+                                <a:rPr lang="en-US" i="1">
+                                  <a:latin typeface="Cambria Math" panose="02040503050406030204" pitchFamily="18" charset="0"/>
+                                </a:rPr>
+                                <m:t>𝐴</m:t>
+                              </m:r>
+                              <m:sSub>
+                                <m:sSubPr>
+                                  <m:ctrlPr>
+                                    <a:rPr lang="en-US" i="1">
+                                      <a:latin typeface="Cambria Math" panose="02040503050406030204" pitchFamily="18" charset="0"/>
+                                    </a:rPr>
+                                  </m:ctrlPr>
+                                </m:sSubPr>
+                                <m:e>
+                                  <m:r>
+                                    <a:rPr lang="en-US" i="1">
+                                      <a:latin typeface="Cambria Math" panose="02040503050406030204" pitchFamily="18" charset="0"/>
+                                    </a:rPr>
+                                    <m:t>𝑇</m:t>
+                                  </m:r>
+                                </m:e>
+                                <m:sub>
+                                  <m:r>
+                                    <a:rPr lang="en-US" i="1">
+                                      <a:latin typeface="Cambria Math" panose="02040503050406030204" pitchFamily="18" charset="0"/>
+                                    </a:rPr>
+                                    <m:t>1</m:t>
+                                  </m:r>
+                                  <m:r>
+                                    <a:rPr lang="en-US" b="0" i="1" smtClean="0">
+                                      <a:latin typeface="Cambria Math" panose="02040503050406030204" pitchFamily="18" charset="0"/>
+                                    </a:rPr>
+                                    <m:t>2</m:t>
+                                  </m:r>
+                                </m:sub>
+                              </m:sSub>
+                            </m:e>
+                          </m:d>
+                        </m:num>
+                        <m:den>
+                          <m:d>
+                            <m:dPr>
+                              <m:begChr m:val="|"/>
+                              <m:endChr m:val="|"/>
+                              <m:ctrlPr>
+                                <a:rPr lang="en-US" i="1">
+                                  <a:latin typeface="Cambria Math" panose="02040503050406030204" pitchFamily="18" charset="0"/>
+                                </a:rPr>
+                              </m:ctrlPr>
+                            </m:dPr>
+                            <m:e>
+                              <m:nary>
+                                <m:naryPr>
+                                  <m:chr m:val="⋃"/>
+                                  <m:ctrlPr>
+                                    <a:rPr lang="en-US" i="1">
+                                      <a:latin typeface="Cambria Math" panose="02040503050406030204" pitchFamily="18" charset="0"/>
+                                    </a:rPr>
+                                  </m:ctrlPr>
+                                </m:naryPr>
+                                <m:sub>
+                                  <m:r>
+                                    <m:rPr>
+                                      <m:brk m:alnAt="23"/>
+                                    </m:rPr>
+                                    <a:rPr lang="en-US" i="1">
+                                      <a:latin typeface="Cambria Math" panose="02040503050406030204" pitchFamily="18" charset="0"/>
+                                    </a:rPr>
+                                    <m:t>𝑘</m:t>
+                                  </m:r>
+                                  <m:r>
+                                    <a:rPr lang="en-US" i="1">
+                                      <a:latin typeface="Cambria Math" panose="02040503050406030204" pitchFamily="18" charset="0"/>
+                                    </a:rPr>
+                                    <m:t>=1</m:t>
+                                  </m:r>
+                                </m:sub>
+                                <m:sup>
+                                  <m:r>
+                                    <a:rPr lang="en-US" i="1">
+                                      <a:latin typeface="Cambria Math" panose="02040503050406030204" pitchFamily="18" charset="0"/>
+                                    </a:rPr>
+                                    <m:t>5</m:t>
+                                  </m:r>
+                                </m:sup>
+                                <m:e>
+                                  <m:r>
+                                    <a:rPr lang="en-US" i="1">
+                                      <a:latin typeface="Cambria Math" panose="02040503050406030204" pitchFamily="18" charset="0"/>
+                                    </a:rPr>
+                                    <m:t>𝐴</m:t>
+                                  </m:r>
+                                  <m:sSub>
+                                    <m:sSubPr>
+                                      <m:ctrlPr>
+                                        <a:rPr lang="en-US" i="1">
+                                          <a:latin typeface="Cambria Math" panose="02040503050406030204" pitchFamily="18" charset="0"/>
+                                        </a:rPr>
+                                      </m:ctrlPr>
+                                    </m:sSubPr>
+                                    <m:e>
+                                      <m:r>
+                                        <a:rPr lang="en-US" i="1">
+                                          <a:latin typeface="Cambria Math" panose="02040503050406030204" pitchFamily="18" charset="0"/>
+                                        </a:rPr>
+                                        <m:t>𝑇</m:t>
+                                      </m:r>
+                                    </m:e>
+                                    <m:sub>
+                                      <m:r>
+                                        <a:rPr lang="en-US" i="1">
+                                          <a:latin typeface="Cambria Math" panose="02040503050406030204" pitchFamily="18" charset="0"/>
+                                        </a:rPr>
+                                        <m:t>𝑖𝑘</m:t>
+                                      </m:r>
+                                    </m:sub>
+                                  </m:sSub>
+                                </m:e>
+                              </m:nary>
+                            </m:e>
+                          </m:d>
+                        </m:den>
+                      </m:f>
+                      <m:r>
+                        <a:rPr lang="en-US" b="0" i="1" smtClean="0">
+                          <a:latin typeface="Cambria Math" panose="02040503050406030204" pitchFamily="18" charset="0"/>
+                        </a:rPr>
+                        <m:t>=</m:t>
+                      </m:r>
+                      <m:f>
+                        <m:fPr>
+                          <m:ctrlPr>
+                            <a:rPr lang="en-US" b="0" i="1" smtClean="0">
+                              <a:latin typeface="Cambria Math" panose="02040503050406030204" pitchFamily="18" charset="0"/>
+                            </a:rPr>
+                          </m:ctrlPr>
+                        </m:fPr>
+                        <m:num>
+                          <m:r>
+                            <a:rPr lang="en-US" b="0" i="1" smtClean="0">
+                              <a:latin typeface="Cambria Math" panose="02040503050406030204" pitchFamily="18" charset="0"/>
+                            </a:rPr>
+                            <m:t>1</m:t>
+                          </m:r>
+                        </m:num>
+                        <m:den>
+                          <m:r>
+                            <a:rPr lang="en-US" b="0" i="1" smtClean="0">
+                              <a:latin typeface="Cambria Math" panose="02040503050406030204" pitchFamily="18" charset="0"/>
+                            </a:rPr>
+                            <m:t>5</m:t>
+                          </m:r>
+                        </m:den>
+                      </m:f>
+                      <m:r>
+                        <a:rPr lang="en-US" b="0" i="1" smtClean="0">
+                          <a:latin typeface="Cambria Math" panose="02040503050406030204" pitchFamily="18" charset="0"/>
+                        </a:rPr>
+                        <m:t>=20%.</m:t>
+                      </m:r>
+                    </m:oMath>
+                  </m:oMathPara>
+                </a14:m>
+                <a:endParaRPr lang="en-US" dirty="0"/>
+              </a:p>
+              <a:p>
+                <a:r>
+                  <a:rPr lang="en-US" dirty="0"/>
+                  <a:t>Probability of </a:t>
+                </a:r>
+                <a:r>
+                  <a:rPr lang="en-US" i="1" dirty="0"/>
+                  <a:t>“bittersweet chocolate” </a:t>
+                </a:r>
+                <a:r>
+                  <a:rPr lang="en-US" dirty="0"/>
+                  <a:t>taste is sour is</a:t>
+                </a:r>
+              </a:p>
+              <a:p>
+                <a:pPr marL="45720" indent="0">
+                  <a:buNone/>
+                </a:pPr>
+                <a14:m>
+                  <m:oMathPara xmlns:m="http://schemas.openxmlformats.org/officeDocument/2006/math">
+                    <m:oMathParaPr>
+                      <m:jc m:val="centerGroup"/>
+                    </m:oMathParaPr>
+                    <m:oMath xmlns:m="http://schemas.openxmlformats.org/officeDocument/2006/math">
+                      <m:r>
+                        <a:rPr lang="en-US" b="0" i="1" smtClean="0">
+                          <a:latin typeface="Cambria Math" panose="02040503050406030204" pitchFamily="18" charset="0"/>
+                        </a:rPr>
+                        <m:t>𝑃</m:t>
+                      </m:r>
+                      <m:d>
+                        <m:dPr>
+                          <m:ctrlPr>
+                            <a:rPr lang="en-US" b="0" i="1" smtClean="0">
+                              <a:latin typeface="Cambria Math" panose="02040503050406030204" pitchFamily="18" charset="0"/>
+                            </a:rPr>
+                          </m:ctrlPr>
+                        </m:dPr>
+                        <m:e>
+                          <m:r>
+                            <a:rPr lang="en-US" b="0" i="1" smtClean="0">
+                              <a:latin typeface="Cambria Math" panose="02040503050406030204" pitchFamily="18" charset="0"/>
+                            </a:rPr>
+                            <m:t>𝑓</m:t>
+                          </m:r>
+                          <m:d>
+                            <m:dPr>
+                              <m:ctrlPr>
+                                <a:rPr lang="en-US" b="0" i="1" smtClean="0">
+                                  <a:latin typeface="Cambria Math" panose="02040503050406030204" pitchFamily="18" charset="0"/>
+                                </a:rPr>
+                              </m:ctrlPr>
+                            </m:dPr>
+                            <m:e>
+                              <m:sSub>
+                                <m:sSubPr>
+                                  <m:ctrlPr>
+                                    <a:rPr lang="en-US" b="0" i="1" smtClean="0">
+                                      <a:latin typeface="Cambria Math" panose="02040503050406030204" pitchFamily="18" charset="0"/>
+                                    </a:rPr>
+                                  </m:ctrlPr>
+                                </m:sSubPr>
+                                <m:e>
+                                  <m:r>
+                                    <a:rPr lang="en-US" b="0" i="1" smtClean="0">
+                                      <a:latin typeface="Cambria Math" panose="02040503050406030204" pitchFamily="18" charset="0"/>
+                                    </a:rPr>
+                                    <m:t>𝑎</m:t>
+                                  </m:r>
+                                </m:e>
+                                <m:sub>
+                                  <m:r>
+                                    <a:rPr lang="en-US" b="0" i="1" smtClean="0">
+                                      <a:latin typeface="Cambria Math" panose="02040503050406030204" pitchFamily="18" charset="0"/>
+                                    </a:rPr>
+                                    <m:t>1</m:t>
+                                  </m:r>
+                                </m:sub>
+                              </m:sSub>
+                            </m:e>
+                          </m:d>
+                          <m:r>
+                            <a:rPr lang="en-US" b="0" i="1" smtClean="0">
+                              <a:latin typeface="Cambria Math" panose="02040503050406030204" pitchFamily="18" charset="0"/>
+                            </a:rPr>
+                            <m:t>=</m:t>
+                          </m:r>
+                          <m:sSub>
+                            <m:sSubPr>
+                              <m:ctrlPr>
+                                <a:rPr lang="en-US" b="0" i="1" smtClean="0">
+                                  <a:latin typeface="Cambria Math" panose="02040503050406030204" pitchFamily="18" charset="0"/>
+                                </a:rPr>
+                              </m:ctrlPr>
+                            </m:sSubPr>
+                            <m:e>
+                              <m:r>
+                                <a:rPr lang="en-US" b="0" i="1" smtClean="0">
+                                  <a:latin typeface="Cambria Math" panose="02040503050406030204" pitchFamily="18" charset="0"/>
+                                </a:rPr>
+                                <m:t>𝑡</m:t>
+                              </m:r>
+                            </m:e>
+                            <m:sub>
+                              <m:r>
+                                <a:rPr lang="en-US" b="0" i="1" smtClean="0">
+                                  <a:latin typeface="Cambria Math" panose="02040503050406030204" pitchFamily="18" charset="0"/>
+                                </a:rPr>
+                                <m:t>1</m:t>
+                              </m:r>
+                            </m:sub>
+                          </m:sSub>
+                        </m:e>
+                      </m:d>
+                      <m:r>
+                        <a:rPr lang="en-US" b="0" i="1" smtClean="0">
+                          <a:latin typeface="Cambria Math" panose="02040503050406030204" pitchFamily="18" charset="0"/>
+                        </a:rPr>
+                        <m:t>=</m:t>
+                      </m:r>
+                      <m:f>
+                        <m:fPr>
+                          <m:ctrlPr>
+                            <a:rPr lang="en-US" i="1">
+                              <a:latin typeface="Cambria Math" panose="02040503050406030204" pitchFamily="18" charset="0"/>
+                            </a:rPr>
+                          </m:ctrlPr>
+                        </m:fPr>
+                        <m:num>
+                          <m:d>
+                            <m:dPr>
+                              <m:begChr m:val="|"/>
+                              <m:endChr m:val="|"/>
+                              <m:ctrlPr>
+                                <a:rPr lang="en-US" i="1">
+                                  <a:latin typeface="Cambria Math" panose="02040503050406030204" pitchFamily="18" charset="0"/>
+                                </a:rPr>
+                              </m:ctrlPr>
+                            </m:dPr>
+                            <m:e>
+                              <m:r>
+                                <a:rPr lang="en-US" i="1">
+                                  <a:latin typeface="Cambria Math" panose="02040503050406030204" pitchFamily="18" charset="0"/>
+                                </a:rPr>
+                                <m:t>𝐴</m:t>
+                              </m:r>
+                              <m:sSub>
+                                <m:sSubPr>
+                                  <m:ctrlPr>
+                                    <a:rPr lang="en-US" i="1">
+                                      <a:latin typeface="Cambria Math" panose="02040503050406030204" pitchFamily="18" charset="0"/>
+                                    </a:rPr>
+                                  </m:ctrlPr>
+                                </m:sSubPr>
+                                <m:e>
+                                  <m:r>
+                                    <a:rPr lang="en-US" i="1">
+                                      <a:latin typeface="Cambria Math" panose="02040503050406030204" pitchFamily="18" charset="0"/>
+                                    </a:rPr>
+                                    <m:t>𝑇</m:t>
+                                  </m:r>
+                                </m:e>
+                                <m:sub>
+                                  <m:r>
+                                    <a:rPr lang="en-US" i="1">
+                                      <a:latin typeface="Cambria Math" panose="02040503050406030204" pitchFamily="18" charset="0"/>
+                                    </a:rPr>
+                                    <m:t>1</m:t>
+                                  </m:r>
+                                  <m:r>
+                                    <a:rPr lang="en-US" b="0" i="1" smtClean="0">
+                                      <a:latin typeface="Cambria Math" panose="02040503050406030204" pitchFamily="18" charset="0"/>
+                                    </a:rPr>
+                                    <m:t>3</m:t>
+                                  </m:r>
+                                </m:sub>
+                              </m:sSub>
+                            </m:e>
+                          </m:d>
+                        </m:num>
+                        <m:den>
+                          <m:d>
+                            <m:dPr>
+                              <m:begChr m:val="|"/>
+                              <m:endChr m:val="|"/>
+                              <m:ctrlPr>
+                                <a:rPr lang="en-US" i="1">
+                                  <a:latin typeface="Cambria Math" panose="02040503050406030204" pitchFamily="18" charset="0"/>
+                                </a:rPr>
+                              </m:ctrlPr>
+                            </m:dPr>
+                            <m:e>
+                              <m:nary>
+                                <m:naryPr>
+                                  <m:chr m:val="⋃"/>
+                                  <m:ctrlPr>
+                                    <a:rPr lang="en-US" i="1">
+                                      <a:latin typeface="Cambria Math" panose="02040503050406030204" pitchFamily="18" charset="0"/>
+                                    </a:rPr>
+                                  </m:ctrlPr>
+                                </m:naryPr>
+                                <m:sub>
+                                  <m:r>
+                                    <m:rPr>
+                                      <m:brk m:alnAt="23"/>
+                                    </m:rPr>
+                                    <a:rPr lang="en-US" i="1">
+                                      <a:latin typeface="Cambria Math" panose="02040503050406030204" pitchFamily="18" charset="0"/>
+                                    </a:rPr>
+                                    <m:t>𝑘</m:t>
+                                  </m:r>
+                                  <m:r>
+                                    <a:rPr lang="en-US" i="1">
+                                      <a:latin typeface="Cambria Math" panose="02040503050406030204" pitchFamily="18" charset="0"/>
+                                    </a:rPr>
+                                    <m:t>=1</m:t>
+                                  </m:r>
+                                </m:sub>
+                                <m:sup>
+                                  <m:r>
+                                    <a:rPr lang="en-US" i="1">
+                                      <a:latin typeface="Cambria Math" panose="02040503050406030204" pitchFamily="18" charset="0"/>
+                                    </a:rPr>
+                                    <m:t>5</m:t>
+                                  </m:r>
+                                </m:sup>
+                                <m:e>
+                                  <m:r>
+                                    <a:rPr lang="en-US" i="1">
+                                      <a:latin typeface="Cambria Math" panose="02040503050406030204" pitchFamily="18" charset="0"/>
+                                    </a:rPr>
+                                    <m:t>𝐴</m:t>
+                                  </m:r>
+                                  <m:sSub>
+                                    <m:sSubPr>
+                                      <m:ctrlPr>
+                                        <a:rPr lang="en-US" i="1">
+                                          <a:latin typeface="Cambria Math" panose="02040503050406030204" pitchFamily="18" charset="0"/>
+                                        </a:rPr>
+                                      </m:ctrlPr>
+                                    </m:sSubPr>
+                                    <m:e>
+                                      <m:r>
+                                        <a:rPr lang="en-US" i="1">
+                                          <a:latin typeface="Cambria Math" panose="02040503050406030204" pitchFamily="18" charset="0"/>
+                                        </a:rPr>
+                                        <m:t>𝑇</m:t>
+                                      </m:r>
+                                    </m:e>
+                                    <m:sub>
+                                      <m:r>
+                                        <a:rPr lang="en-US" i="1">
+                                          <a:latin typeface="Cambria Math" panose="02040503050406030204" pitchFamily="18" charset="0"/>
+                                        </a:rPr>
+                                        <m:t>𝑖𝑘</m:t>
+                                      </m:r>
+                                    </m:sub>
+                                  </m:sSub>
+                                </m:e>
+                              </m:nary>
+                            </m:e>
+                          </m:d>
+                        </m:den>
+                      </m:f>
+                      <m:r>
+                        <a:rPr lang="en-US" b="0" i="1" smtClean="0">
+                          <a:latin typeface="Cambria Math" panose="02040503050406030204" pitchFamily="18" charset="0"/>
+                        </a:rPr>
+                        <m:t>=</m:t>
+                      </m:r>
+                      <m:f>
+                        <m:fPr>
+                          <m:ctrlPr>
+                            <a:rPr lang="en-US" b="0" i="1" smtClean="0">
+                              <a:latin typeface="Cambria Math" panose="02040503050406030204" pitchFamily="18" charset="0"/>
+                            </a:rPr>
+                          </m:ctrlPr>
+                        </m:fPr>
+                        <m:num>
+                          <m:r>
+                            <a:rPr lang="en-US" b="0" i="1" smtClean="0">
+                              <a:latin typeface="Cambria Math" panose="02040503050406030204" pitchFamily="18" charset="0"/>
+                            </a:rPr>
+                            <m:t>1</m:t>
+                          </m:r>
+                        </m:num>
+                        <m:den>
+                          <m:r>
+                            <a:rPr lang="en-US" b="0" i="1" smtClean="0">
+                              <a:latin typeface="Cambria Math" panose="02040503050406030204" pitchFamily="18" charset="0"/>
+                            </a:rPr>
+                            <m:t>5</m:t>
+                          </m:r>
+                        </m:den>
+                      </m:f>
+                      <m:r>
+                        <a:rPr lang="en-US" b="0" i="1" smtClean="0">
+                          <a:latin typeface="Cambria Math" panose="02040503050406030204" pitchFamily="18" charset="0"/>
+                        </a:rPr>
+                        <m:t>=20%.</m:t>
+                      </m:r>
+                    </m:oMath>
+                  </m:oMathPara>
+                </a14:m>
+                <a:endParaRPr lang="en-US" dirty="0"/>
+              </a:p>
+              <a:p>
+                <a:r>
+                  <a:rPr lang="en-US" dirty="0"/>
+                  <a:t>Probability of </a:t>
+                </a:r>
+                <a:r>
+                  <a:rPr lang="en-US" i="1" dirty="0"/>
+                  <a:t>“bittersweet chocolate” </a:t>
+                </a:r>
+                <a:r>
+                  <a:rPr lang="en-US" dirty="0"/>
+                  <a:t>taste is bitter is</a:t>
+                </a:r>
+              </a:p>
+              <a:p>
+                <a:pPr marL="45720" indent="0">
+                  <a:buNone/>
+                </a:pPr>
+                <a14:m>
+                  <m:oMathPara xmlns:m="http://schemas.openxmlformats.org/officeDocument/2006/math">
+                    <m:oMathParaPr>
+                      <m:jc m:val="centerGroup"/>
+                    </m:oMathParaPr>
+                    <m:oMath xmlns:m="http://schemas.openxmlformats.org/officeDocument/2006/math">
+                      <m:r>
+                        <a:rPr lang="en-US" b="0" i="1" smtClean="0">
+                          <a:latin typeface="Cambria Math" panose="02040503050406030204" pitchFamily="18" charset="0"/>
+                        </a:rPr>
+                        <m:t>𝑃</m:t>
+                      </m:r>
+                      <m:d>
+                        <m:dPr>
+                          <m:ctrlPr>
+                            <a:rPr lang="en-US" b="0" i="1" smtClean="0">
+                              <a:latin typeface="Cambria Math" panose="02040503050406030204" pitchFamily="18" charset="0"/>
+                            </a:rPr>
+                          </m:ctrlPr>
+                        </m:dPr>
+                        <m:e>
+                          <m:r>
+                            <a:rPr lang="en-US" b="0" i="1" smtClean="0">
+                              <a:latin typeface="Cambria Math" panose="02040503050406030204" pitchFamily="18" charset="0"/>
+                            </a:rPr>
+                            <m:t>𝑓</m:t>
+                          </m:r>
+                          <m:d>
+                            <m:dPr>
+                              <m:ctrlPr>
+                                <a:rPr lang="en-US" b="0" i="1" smtClean="0">
+                                  <a:latin typeface="Cambria Math" panose="02040503050406030204" pitchFamily="18" charset="0"/>
+                                </a:rPr>
+                              </m:ctrlPr>
+                            </m:dPr>
+                            <m:e>
+                              <m:sSub>
+                                <m:sSubPr>
+                                  <m:ctrlPr>
+                                    <a:rPr lang="en-US" b="0" i="1" smtClean="0">
+                                      <a:latin typeface="Cambria Math" panose="02040503050406030204" pitchFamily="18" charset="0"/>
+                                    </a:rPr>
+                                  </m:ctrlPr>
+                                </m:sSubPr>
+                                <m:e>
+                                  <m:r>
+                                    <a:rPr lang="en-US" b="0" i="1" smtClean="0">
+                                      <a:latin typeface="Cambria Math" panose="02040503050406030204" pitchFamily="18" charset="0"/>
+                                    </a:rPr>
+                                    <m:t>𝑎</m:t>
+                                  </m:r>
+                                </m:e>
+                                <m:sub>
+                                  <m:r>
+                                    <a:rPr lang="en-US" b="0" i="1" smtClean="0">
+                                      <a:latin typeface="Cambria Math" panose="02040503050406030204" pitchFamily="18" charset="0"/>
+                                    </a:rPr>
+                                    <m:t>1</m:t>
+                                  </m:r>
+                                </m:sub>
+                              </m:sSub>
+                            </m:e>
+                          </m:d>
+                          <m:r>
+                            <a:rPr lang="en-US" b="0" i="1" smtClean="0">
+                              <a:latin typeface="Cambria Math" panose="02040503050406030204" pitchFamily="18" charset="0"/>
+                            </a:rPr>
+                            <m:t>=</m:t>
+                          </m:r>
+                          <m:sSub>
+                            <m:sSubPr>
+                              <m:ctrlPr>
+                                <a:rPr lang="en-US" b="0" i="1" smtClean="0">
+                                  <a:latin typeface="Cambria Math" panose="02040503050406030204" pitchFamily="18" charset="0"/>
+                                </a:rPr>
+                              </m:ctrlPr>
+                            </m:sSubPr>
+                            <m:e>
+                              <m:r>
+                                <a:rPr lang="en-US" b="0" i="1" smtClean="0">
+                                  <a:latin typeface="Cambria Math" panose="02040503050406030204" pitchFamily="18" charset="0"/>
+                                </a:rPr>
+                                <m:t>𝑡</m:t>
+                              </m:r>
+                            </m:e>
+                            <m:sub>
+                              <m:r>
+                                <a:rPr lang="en-US" b="0" i="1" smtClean="0">
+                                  <a:latin typeface="Cambria Math" panose="02040503050406030204" pitchFamily="18" charset="0"/>
+                                </a:rPr>
+                                <m:t>1</m:t>
+                              </m:r>
+                            </m:sub>
+                          </m:sSub>
+                        </m:e>
+                      </m:d>
+                      <m:r>
+                        <a:rPr lang="en-US" b="0" i="1" smtClean="0">
+                          <a:latin typeface="Cambria Math" panose="02040503050406030204" pitchFamily="18" charset="0"/>
+                        </a:rPr>
+                        <m:t>=</m:t>
+                      </m:r>
+                      <m:f>
+                        <m:fPr>
+                          <m:ctrlPr>
+                            <a:rPr lang="en-US" i="1">
+                              <a:latin typeface="Cambria Math" panose="02040503050406030204" pitchFamily="18" charset="0"/>
+                            </a:rPr>
+                          </m:ctrlPr>
+                        </m:fPr>
+                        <m:num>
+                          <m:d>
+                            <m:dPr>
+                              <m:begChr m:val="|"/>
+                              <m:endChr m:val="|"/>
+                              <m:ctrlPr>
+                                <a:rPr lang="en-US" i="1">
+                                  <a:latin typeface="Cambria Math" panose="02040503050406030204" pitchFamily="18" charset="0"/>
+                                </a:rPr>
+                              </m:ctrlPr>
+                            </m:dPr>
+                            <m:e>
+                              <m:r>
+                                <a:rPr lang="en-US" i="1">
+                                  <a:latin typeface="Cambria Math" panose="02040503050406030204" pitchFamily="18" charset="0"/>
+                                </a:rPr>
+                                <m:t>𝐴</m:t>
+                              </m:r>
+                              <m:sSub>
+                                <m:sSubPr>
+                                  <m:ctrlPr>
+                                    <a:rPr lang="en-US" i="1">
+                                      <a:latin typeface="Cambria Math" panose="02040503050406030204" pitchFamily="18" charset="0"/>
+                                    </a:rPr>
+                                  </m:ctrlPr>
+                                </m:sSubPr>
+                                <m:e>
+                                  <m:r>
+                                    <a:rPr lang="en-US" i="1">
+                                      <a:latin typeface="Cambria Math" panose="02040503050406030204" pitchFamily="18" charset="0"/>
+                                    </a:rPr>
+                                    <m:t>𝑇</m:t>
+                                  </m:r>
+                                </m:e>
+                                <m:sub>
+                                  <m:r>
+                                    <a:rPr lang="en-US" i="1">
+                                      <a:latin typeface="Cambria Math" panose="02040503050406030204" pitchFamily="18" charset="0"/>
+                                    </a:rPr>
+                                    <m:t>1</m:t>
+                                  </m:r>
+                                  <m:r>
+                                    <a:rPr lang="en-US" b="0" i="1" smtClean="0">
+                                      <a:latin typeface="Cambria Math" panose="02040503050406030204" pitchFamily="18" charset="0"/>
+                                    </a:rPr>
+                                    <m:t>4</m:t>
+                                  </m:r>
+                                </m:sub>
+                              </m:sSub>
+                            </m:e>
+                          </m:d>
+                        </m:num>
+                        <m:den>
+                          <m:d>
+                            <m:dPr>
+                              <m:begChr m:val="|"/>
+                              <m:endChr m:val="|"/>
+                              <m:ctrlPr>
+                                <a:rPr lang="en-US" i="1">
+                                  <a:latin typeface="Cambria Math" panose="02040503050406030204" pitchFamily="18" charset="0"/>
+                                </a:rPr>
+                              </m:ctrlPr>
+                            </m:dPr>
+                            <m:e>
+                              <m:nary>
+                                <m:naryPr>
+                                  <m:chr m:val="⋃"/>
+                                  <m:ctrlPr>
+                                    <a:rPr lang="en-US" i="1">
+                                      <a:latin typeface="Cambria Math" panose="02040503050406030204" pitchFamily="18" charset="0"/>
+                                    </a:rPr>
+                                  </m:ctrlPr>
+                                </m:naryPr>
+                                <m:sub>
+                                  <m:r>
+                                    <m:rPr>
+                                      <m:brk m:alnAt="23"/>
+                                    </m:rPr>
+                                    <a:rPr lang="en-US" i="1">
+                                      <a:latin typeface="Cambria Math" panose="02040503050406030204" pitchFamily="18" charset="0"/>
+                                    </a:rPr>
+                                    <m:t>𝑘</m:t>
+                                  </m:r>
+                                  <m:r>
+                                    <a:rPr lang="en-US" i="1">
+                                      <a:latin typeface="Cambria Math" panose="02040503050406030204" pitchFamily="18" charset="0"/>
+                                    </a:rPr>
+                                    <m:t>=1</m:t>
+                                  </m:r>
+                                </m:sub>
+                                <m:sup>
+                                  <m:r>
+                                    <a:rPr lang="en-US" i="1">
+                                      <a:latin typeface="Cambria Math" panose="02040503050406030204" pitchFamily="18" charset="0"/>
+                                    </a:rPr>
+                                    <m:t>5</m:t>
+                                  </m:r>
+                                </m:sup>
+                                <m:e>
+                                  <m:r>
+                                    <a:rPr lang="en-US" i="1">
+                                      <a:latin typeface="Cambria Math" panose="02040503050406030204" pitchFamily="18" charset="0"/>
+                                    </a:rPr>
+                                    <m:t>𝐴</m:t>
+                                  </m:r>
+                                  <m:sSub>
+                                    <m:sSubPr>
+                                      <m:ctrlPr>
+                                        <a:rPr lang="en-US" i="1">
+                                          <a:latin typeface="Cambria Math" panose="02040503050406030204" pitchFamily="18" charset="0"/>
+                                        </a:rPr>
+                                      </m:ctrlPr>
+                                    </m:sSubPr>
+                                    <m:e>
+                                      <m:r>
+                                        <a:rPr lang="en-US" i="1">
+                                          <a:latin typeface="Cambria Math" panose="02040503050406030204" pitchFamily="18" charset="0"/>
+                                        </a:rPr>
+                                        <m:t>𝑇</m:t>
+                                      </m:r>
+                                    </m:e>
+                                    <m:sub>
+                                      <m:r>
+                                        <a:rPr lang="en-US" i="1">
+                                          <a:latin typeface="Cambria Math" panose="02040503050406030204" pitchFamily="18" charset="0"/>
+                                        </a:rPr>
+                                        <m:t>𝑖𝑘</m:t>
+                                      </m:r>
+                                    </m:sub>
+                                  </m:sSub>
+                                </m:e>
+                              </m:nary>
+                            </m:e>
+                          </m:d>
+                        </m:den>
+                      </m:f>
+                      <m:r>
+                        <a:rPr lang="en-US" b="0" i="1" smtClean="0">
+                          <a:latin typeface="Cambria Math" panose="02040503050406030204" pitchFamily="18" charset="0"/>
+                        </a:rPr>
+                        <m:t>=</m:t>
+                      </m:r>
+                      <m:f>
+                        <m:fPr>
+                          <m:ctrlPr>
+                            <a:rPr lang="en-US" b="0" i="1" smtClean="0">
+                              <a:latin typeface="Cambria Math" panose="02040503050406030204" pitchFamily="18" charset="0"/>
+                            </a:rPr>
+                          </m:ctrlPr>
+                        </m:fPr>
+                        <m:num>
+                          <m:r>
+                            <a:rPr lang="en-US" b="0" i="1" smtClean="0">
+                              <a:latin typeface="Cambria Math" panose="02040503050406030204" pitchFamily="18" charset="0"/>
+                            </a:rPr>
+                            <m:t>3</m:t>
+                          </m:r>
+                        </m:num>
+                        <m:den>
+                          <m:r>
+                            <a:rPr lang="en-US" b="0" i="1" smtClean="0">
+                              <a:latin typeface="Cambria Math" panose="02040503050406030204" pitchFamily="18" charset="0"/>
+                            </a:rPr>
+                            <m:t>5</m:t>
+                          </m:r>
+                        </m:den>
+                      </m:f>
+                      <m:r>
+                        <a:rPr lang="en-US" b="0" i="1" smtClean="0">
+                          <a:latin typeface="Cambria Math" panose="02040503050406030204" pitchFamily="18" charset="0"/>
+                        </a:rPr>
+                        <m:t>=60%.</m:t>
+                      </m:r>
+                    </m:oMath>
+                  </m:oMathPara>
+                </a14:m>
+                <a:endParaRPr lang="en-US" dirty="0"/>
+              </a:p>
+              <a:p>
+                <a:r>
+                  <a:rPr lang="en-US" dirty="0"/>
+                  <a:t>Probability of </a:t>
+                </a:r>
+                <a:r>
+                  <a:rPr lang="en-US" i="1" dirty="0"/>
+                  <a:t>“bittersweet chocolate” </a:t>
+                </a:r>
+                <a:r>
+                  <a:rPr lang="en-US" dirty="0"/>
+                  <a:t>taste is spicy is 0 (it’s obvious right? </a:t>
+                </a:r>
+                <a:r>
+                  <a:rPr lang="en-US" dirty="0">
+                    <a:sym typeface="Wingdings" panose="05000000000000000000" pitchFamily="2" charset="2"/>
+                  </a:rPr>
+                  <a:t></a:t>
+                </a:r>
+                <a:r>
+                  <a:rPr lang="en-US" dirty="0"/>
+                  <a:t>).</a:t>
+                </a:r>
+              </a:p>
+            </p:txBody>
+          </p:sp>
+        </mc:Choice>
+        <mc:Fallback xmlns="">
+          <p:sp>
+            <p:nvSpPr>
+              <p:cNvPr id="6" name="Content Placeholder 5">
+                <a:extLst>
+                  <a:ext uri="{FF2B5EF4-FFF2-40B4-BE49-F238E27FC236}">
+                    <a16:creationId xmlns:a16="http://schemas.microsoft.com/office/drawing/2014/main" id="{4400EB5E-259F-0A0B-5749-ED1778081BAE}"/>
+                  </a:ext>
+                </a:extLst>
+              </p:cNvPr>
+              <p:cNvSpPr>
+                <a:spLocks noGrp="1" noRot="1" noChangeAspect="1" noMove="1" noResize="1" noEditPoints="1" noAdjustHandles="1" noChangeArrowheads="1" noChangeShapeType="1" noTextEdit="1"/>
+              </p:cNvSpPr>
+              <p:nvPr>
+                <p:ph idx="1"/>
+              </p:nvPr>
+            </p:nvSpPr>
+            <p:spPr>
+              <a:blipFill>
+                <a:blip r:embed="rId2"/>
+                <a:stretch>
+                  <a:fillRect t="-2557"/>
+                </a:stretch>
+              </a:blipFill>
+            </p:spPr>
+            <p:txBody>
+              <a:bodyPr/>
+              <a:lstStyle/>
+              <a:p>
+                <a:r>
+                  <a:rPr lang="en-ID">
+                    <a:noFill/>
+                  </a:rPr>
+                  <a:t> </a:t>
+                </a:r>
+              </a:p>
+            </p:txBody>
+          </p:sp>
+        </mc:Fallback>
+      </mc:AlternateContent>
+    </p:spTree>
+    <p:extLst>
+      <p:ext uri="{BB962C8B-B14F-4D97-AF65-F5344CB8AC3E}">
+        <p14:creationId xmlns:p14="http://schemas.microsoft.com/office/powerpoint/2010/main" val="4127063859"/>
+      </p:ext>
+    </p:extLst>
+  </p:cSld>
+  <p:clrMapOvr>
+    <a:masterClrMapping/>
+  </p:clrMapOvr>
+  <mc:AlternateContent xmlns:mc="http://schemas.openxmlformats.org/markup-compatibility/2006" xmlns:p14="http://schemas.microsoft.com/office/powerpoint/2010/main">
+    <mc:Choice Requires="p14">
+      <p:transition spd="med" p14:dur="700">
+        <p:fade/>
+      </p:transition>
+    </mc:Choice>
+    <mc:Fallback xmlns="">
+      <p:transition spd="med">
+        <p:fade/>
+      </p:transition>
+    </mc:Fallback>
+  </mc:AlternateContent>
+</p:sld>
+</file>
+
+<file path=ppt/slides/slide29.xml><?xml version="1.0" encoding="utf-8"?>
+<p:sld xmlns:a="http://schemas.openxmlformats.org/drawingml/2006/main" xmlns:r="http://schemas.openxmlformats.org/officeDocument/2006/relationships" xmlns:p="http://schemas.openxmlformats.org/presentationml/2006/main">
+  <p:cSld>
+    <p:spTree>
+      <p:nvGrpSpPr>
+        <p:cNvPr id="1" name=""/>
+        <p:cNvGrpSpPr/>
+        <p:nvPr/>
+      </p:nvGrpSpPr>
+      <p:grpSpPr>
+        <a:xfrm>
+          <a:off x="0" y="0"/>
+          <a:ext cx="0" cy="0"/>
+          <a:chOff x="0" y="0"/>
+          <a:chExt cx="0" cy="0"/>
+        </a:xfrm>
+      </p:grpSpPr>
+      <p:sp>
+        <p:nvSpPr>
+          <p:cNvPr id="5" name="Title 4">
+            <a:extLst>
+              <a:ext uri="{FF2B5EF4-FFF2-40B4-BE49-F238E27FC236}">
+                <a16:creationId xmlns:a16="http://schemas.microsoft.com/office/drawing/2014/main" id="{ABA92AD0-7B94-DA05-7C17-EA1244F3B12C}"/>
+              </a:ext>
+            </a:extLst>
+          </p:cNvPr>
+          <p:cNvSpPr>
+            <a:spLocks noGrp="1"/>
+          </p:cNvSpPr>
+          <p:nvPr>
+            <p:ph type="title"/>
+          </p:nvPr>
+        </p:nvSpPr>
+        <p:spPr/>
+        <p:txBody>
+          <a:bodyPr/>
+          <a:lstStyle/>
+          <a:p>
+            <a:r>
+              <a:rPr lang="en-US" dirty="0"/>
+              <a:t>How did I classify the food taste?</a:t>
+            </a:r>
+            <a:endParaRPr lang="en-ID" dirty="0"/>
+          </a:p>
+        </p:txBody>
+      </p:sp>
+      <p:sp>
+        <p:nvSpPr>
+          <p:cNvPr id="6" name="Content Placeholder 5">
+            <a:extLst>
+              <a:ext uri="{FF2B5EF4-FFF2-40B4-BE49-F238E27FC236}">
+                <a16:creationId xmlns:a16="http://schemas.microsoft.com/office/drawing/2014/main" id="{4400EB5E-259F-0A0B-5749-ED1778081BAE}"/>
+              </a:ext>
+            </a:extLst>
+          </p:cNvPr>
+          <p:cNvSpPr>
+            <a:spLocks noGrp="1"/>
+          </p:cNvSpPr>
+          <p:nvPr>
+            <p:ph idx="1"/>
+          </p:nvPr>
+        </p:nvSpPr>
+        <p:spPr/>
+        <p:txBody>
+          <a:bodyPr>
+            <a:normAutofit/>
+          </a:bodyPr>
+          <a:lstStyle/>
+          <a:p>
+            <a:r>
+              <a:rPr lang="en-US" dirty="0"/>
+              <a:t>Wait! The sum of the probability is not 1! Why!?</a:t>
+            </a:r>
+          </a:p>
+          <a:p>
+            <a:r>
+              <a:rPr lang="en-US" dirty="0"/>
+              <a:t>Remember though, this is </a:t>
             </a:r>
             <a:r>
               <a:rPr lang="en-US" i="1" dirty="0"/>
-              <a:t>“winter squash” </a:t>
-            </a:r>
-            <a:r>
-              <a:rPr lang="en-US" dirty="0"/>
-              <a:t>is salty, probability of </a:t>
+              <a:t>multiclass classification.</a:t>
+            </a:r>
+            <a:r>
+              <a:rPr lang="en-US" dirty="0"/>
+              <a:t> </a:t>
+            </a:r>
+          </a:p>
+          <a:p>
+            <a:r>
+              <a:rPr lang="en-US" dirty="0"/>
+              <a:t>If an ingredient’s taste is sweet, it doesn’t mean that it’s not bitter. It’s still probable to be bitter with a high probability.</a:t>
+            </a:r>
+          </a:p>
+          <a:p>
+            <a:endParaRPr lang="en-US" dirty="0"/>
+          </a:p>
+        </p:txBody>
+      </p:sp>
+    </p:spTree>
+    <p:extLst>
+      <p:ext uri="{BB962C8B-B14F-4D97-AF65-F5344CB8AC3E}">
+        <p14:creationId xmlns:p14="http://schemas.microsoft.com/office/powerpoint/2010/main" val="215345761"/>
+      </p:ext>
+    </p:extLst>
+  </p:cSld>
+  <p:clrMapOvr>
+    <a:masterClrMapping/>
+  </p:clrMapOvr>
+  <mc:AlternateContent xmlns:mc="http://schemas.openxmlformats.org/markup-compatibility/2006" xmlns:p14="http://schemas.microsoft.com/office/powerpoint/2010/main">
+    <mc:Choice Requires="p14">
+      <p:transition spd="med" p14:dur="700">
+        <p:fade/>
+      </p:transition>
+    </mc:Choice>
+    <mc:Fallback xmlns="">
+      <p:transition spd="med">
+        <p:fade/>
+      </p:transition>
+    </mc:Fallback>
+  </mc:AlternateContent>
+</p:sld>
+</file>
+
+<file path=ppt/slides/slide3.xml><?xml version="1.0" encoding="utf-8"?>
+<p:sld xmlns:a="http://schemas.openxmlformats.org/drawingml/2006/main" xmlns:r="http://schemas.openxmlformats.org/officeDocument/2006/relationships" xmlns:p="http://schemas.openxmlformats.org/presentationml/2006/main">
+  <p:cSld>
+    <p:spTree>
+      <p:nvGrpSpPr>
+        <p:cNvPr id="1" name=""/>
+        <p:cNvGrpSpPr/>
+        <p:nvPr/>
+      </p:nvGrpSpPr>
+      <p:grpSpPr>
+        <a:xfrm>
+          <a:off x="0" y="0"/>
+          <a:ext cx="0" cy="0"/>
+          <a:chOff x="0" y="0"/>
+          <a:chExt cx="0" cy="0"/>
+        </a:xfrm>
+      </p:grpSpPr>
+      <p:sp>
+        <p:nvSpPr>
+          <p:cNvPr id="2" name="Title 1"/>
+          <p:cNvSpPr>
+            <a:spLocks noGrp="1"/>
+          </p:cNvSpPr>
+          <p:nvPr>
+            <p:ph type="title"/>
+          </p:nvPr>
+        </p:nvSpPr>
+        <p:spPr/>
+        <p:txBody>
+          <a:bodyPr/>
+          <a:lstStyle/>
+          <a:p>
+            <a:r>
+              <a:rPr lang="en-US" dirty="0"/>
+              <a:t>Introduction</a:t>
+            </a:r>
+          </a:p>
+        </p:txBody>
+      </p:sp>
+      <p:sp>
+        <p:nvSpPr>
+          <p:cNvPr id="4" name="Text Placeholder 3"/>
+          <p:cNvSpPr>
+            <a:spLocks noGrp="1"/>
+          </p:cNvSpPr>
+          <p:nvPr>
+            <p:ph type="body" sz="half" idx="2"/>
+          </p:nvPr>
+        </p:nvSpPr>
+        <p:spPr/>
+        <p:txBody>
+          <a:bodyPr/>
+          <a:lstStyle/>
+          <a:p>
+            <a:endParaRPr lang="en-US" dirty="0"/>
+          </a:p>
+        </p:txBody>
+      </p:sp>
+      <p:pic>
+        <p:nvPicPr>
+          <p:cNvPr id="8" name="Picture Placeholder 7">
+            <a:extLst>
+              <a:ext uri="{FF2B5EF4-FFF2-40B4-BE49-F238E27FC236}">
+                <a16:creationId xmlns:a16="http://schemas.microsoft.com/office/drawing/2014/main" id="{B5997900-1E97-DC1B-7E76-10FB7BF94EF4}"/>
+              </a:ext>
+            </a:extLst>
+          </p:cNvPr>
+          <p:cNvPicPr>
+            <a:picLocks noGrp="1" noChangeAspect="1"/>
+          </p:cNvPicPr>
+          <p:nvPr>
+            <p:ph type="pic" idx="1"/>
+          </p:nvPr>
+        </p:nvPicPr>
+        <p:blipFill rotWithShape="1">
+          <a:blip r:embed="rId2">
+            <a:extLst>
+              <a:ext uri="{28A0092B-C50C-407E-A947-70E740481C1C}">
+                <a14:useLocalDpi xmlns:a14="http://schemas.microsoft.com/office/drawing/2010/main" val="0"/>
+              </a:ext>
+            </a:extLst>
+          </a:blip>
+          <a:srcRect l="8522" t="8637" r="9726" b="23309"/>
+          <a:stretch/>
+        </p:blipFill>
+        <p:spPr>
+          <a:xfrm>
+            <a:off x="837828" y="509363"/>
+            <a:ext cx="5760640" cy="5839273"/>
+          </a:xfrm>
+        </p:spPr>
+      </p:pic>
+    </p:spTree>
+    <p:extLst>
+      <p:ext uri="{BB962C8B-B14F-4D97-AF65-F5344CB8AC3E}">
+        <p14:creationId xmlns:p14="http://schemas.microsoft.com/office/powerpoint/2010/main" val="3497384487"/>
+      </p:ext>
+    </p:extLst>
+  </p:cSld>
+  <p:clrMapOvr>
+    <a:masterClrMapping/>
+  </p:clrMapOvr>
+  <mc:AlternateContent xmlns:mc="http://schemas.openxmlformats.org/markup-compatibility/2006" xmlns:p14="http://schemas.microsoft.com/office/powerpoint/2010/main">
+    <mc:Choice Requires="p14">
+      <p:transition spd="med" p14:dur="700">
+        <p:fade/>
+      </p:transition>
+    </mc:Choice>
+    <mc:Fallback xmlns="">
+      <p:transition spd="med">
+        <p:fade/>
+      </p:transition>
+    </mc:Fallback>
+  </mc:AlternateContent>
+</p:sld>
+</file>
+
+<file path=ppt/slides/slide30.xml><?xml version="1.0" encoding="utf-8"?>
+<p:sld xmlns:a="http://schemas.openxmlformats.org/drawingml/2006/main" xmlns:r="http://schemas.openxmlformats.org/officeDocument/2006/relationships" xmlns:p="http://schemas.openxmlformats.org/presentationml/2006/main">
+  <p:cSld>
+    <p:spTree>
+      <p:nvGrpSpPr>
+        <p:cNvPr id="1" name=""/>
+        <p:cNvGrpSpPr/>
+        <p:nvPr/>
+      </p:nvGrpSpPr>
+      <p:grpSpPr>
+        <a:xfrm>
+          <a:off x="0" y="0"/>
+          <a:ext cx="0" cy="0"/>
+          <a:chOff x="0" y="0"/>
+          <a:chExt cx="0" cy="0"/>
+        </a:xfrm>
+      </p:grpSpPr>
+      <p:sp>
+        <p:nvSpPr>
+          <p:cNvPr id="4" name="Title 3"/>
+          <p:cNvSpPr>
+            <a:spLocks noGrp="1"/>
+          </p:cNvSpPr>
+          <p:nvPr>
+            <p:ph type="title"/>
+          </p:nvPr>
+        </p:nvSpPr>
+        <p:spPr/>
+        <p:txBody>
+          <a:bodyPr/>
+          <a:lstStyle/>
+          <a:p>
+            <a:r>
+              <a:rPr lang="en-US" dirty="0"/>
+              <a:t>How did I classify the food taste?</a:t>
+            </a:r>
+          </a:p>
+        </p:txBody>
+      </p:sp>
+      <p:sp>
+        <p:nvSpPr>
+          <p:cNvPr id="2" name="Content Placeholder 1"/>
+          <p:cNvSpPr>
+            <a:spLocks noGrp="1"/>
+          </p:cNvSpPr>
+          <p:nvPr>
+            <p:ph sz="half" idx="1"/>
+          </p:nvPr>
+        </p:nvSpPr>
+        <p:spPr/>
+        <p:txBody>
+          <a:bodyPr/>
+          <a:lstStyle/>
+          <a:p>
+            <a:r>
+              <a:rPr lang="en-US" dirty="0"/>
+              <a:t>After we calculate the probability, we can represent the ingredient into its vector representation.</a:t>
+            </a:r>
+          </a:p>
+          <a:p>
+            <a:r>
+              <a:rPr lang="en-US" dirty="0"/>
+              <a:t>For example, the vector representation of </a:t>
             </a:r>
             <a:r>
               <a:rPr lang="en-US" i="1" dirty="0"/>
-              <a:t>“winter squash” </a:t>
-            </a:r>
-            <a:r>
-              <a:rPr lang="en-US" dirty="0"/>
-              <a:t>is sour, etc.</a:t>
-            </a:r>
-          </a:p>
-          <a:p>
-            <a:r>
-              <a:rPr lang="en-US" dirty="0"/>
-              <a:t>Then, we can express each ingredients into a vector.</a:t>
-            </a:r>
-          </a:p>
-          <a:p>
-            <a:r>
-              <a:rPr lang="en-US" dirty="0"/>
-              <a:t>For example, the vector representation of </a:t>
+              <a:t>“bittersweet chocolate” </a:t>
+            </a:r>
+            <a:r>
+              <a:rPr lang="en-US" dirty="0"/>
+              <a:t>is [0.6, 0.2, 0.2, 0.6, 0].</a:t>
+            </a:r>
+          </a:p>
+          <a:p>
+            <a:r>
+              <a:rPr lang="en-US" dirty="0"/>
+              <a:t>That means, I’m sure that </a:t>
             </a:r>
             <a:r>
               <a:rPr lang="en-US" i="1" dirty="0"/>
-              <a:t>“winter squash” </a:t>
-            </a:r>
-            <a:r>
-              <a:rPr lang="en-US" dirty="0"/>
-              <a:t>is [0.8, 0, 0.2, 0, 0].</a:t>
-            </a:r>
-          </a:p>
-          <a:p>
-            <a:r>
-              <a:rPr lang="en-US" dirty="0"/>
-              <a:t>That means, </a:t>
-            </a:r>
-            <a:r>
-              <a:rPr lang="en-US" i="1" dirty="0"/>
-              <a:t>“winter squash” </a:t>
-            </a:r>
-            <a:r>
-              <a:rPr lang="en-US" dirty="0"/>
-              <a:t>might be 80% sweet and 20% sour.</a:t>
+              <a:t>“bittersweet chocolate” </a:t>
+            </a:r>
+            <a:r>
+              <a:rPr lang="en-US" dirty="0"/>
+              <a:t>might be sweet with 60% confidence, might be salty with 20% confidence, and so on.</a:t>
             </a:r>
             <a:endParaRPr lang="en-US" i="1" dirty="0"/>
           </a:p>
@@ -10095,7 +12391,7 @@
 </p:sld>
 </file>
 
-<file path=ppt/slides/slide28.xml><?xml version="1.0" encoding="utf-8"?>
+<file path=ppt/slides/slide31.xml><?xml version="1.0" encoding="utf-8"?>
 <p:sld xmlns:a="http://schemas.openxmlformats.org/drawingml/2006/main" xmlns:r="http://schemas.openxmlformats.org/officeDocument/2006/relationships" xmlns:p="http://schemas.openxmlformats.org/presentationml/2006/main">
   <p:cSld>
     <p:spTree>
@@ -10135,145 +12431,55 @@
           <a:p>
             <a:r>
               <a:rPr lang="en-US" dirty="0"/>
-              <a:t>How to classify food taste?</a:t>
+              <a:t>How did I classify the food taste?</a:t>
             </a:r>
             <a:endParaRPr lang="en-ID" dirty="0"/>
           </a:p>
         </p:txBody>
       </p:sp>
-      <mc:AlternateContent xmlns:mc="http://schemas.openxmlformats.org/markup-compatibility/2006" xmlns:a14="http://schemas.microsoft.com/office/drawing/2010/main">
-        <mc:Choice Requires="a14">
-          <p:sp>
-            <p:nvSpPr>
-              <p:cNvPr id="6" name="Content Placeholder 5">
-                <a:extLst>
-                  <a:ext uri="{FF2B5EF4-FFF2-40B4-BE49-F238E27FC236}">
-                    <a16:creationId xmlns:a16="http://schemas.microsoft.com/office/drawing/2014/main" id="{4400EB5E-259F-0A0B-5749-ED1778081BAE}"/>
-                  </a:ext>
-                </a:extLst>
-              </p:cNvPr>
-              <p:cNvSpPr>
-                <a:spLocks noGrp="1"/>
-              </p:cNvSpPr>
-              <p:nvPr>
-                <p:ph idx="1"/>
-              </p:nvPr>
-            </p:nvSpPr>
-            <p:spPr/>
-            <p:txBody>
-              <a:bodyPr/>
-              <a:lstStyle/>
-              <a:p>
-                <a:r>
-                  <a:rPr lang="en-US" dirty="0"/>
-                  <a:t>After we get the vector representation of each ingredients, we will sum them all for each unlabeled foods.</a:t>
-                </a:r>
-              </a:p>
-              <a:p>
-                <a:r>
-                  <a:rPr lang="en-US" dirty="0"/>
-                  <a:t>Then, we check if the total portion of the taste is more than </a:t>
-                </a:r>
-                <a14:m>
-                  <m:oMath xmlns:m="http://schemas.openxmlformats.org/officeDocument/2006/math">
-                    <m:f>
-                      <m:fPr>
-                        <m:ctrlPr>
-                          <a:rPr lang="en-US" b="0" i="1" smtClean="0">
-                            <a:latin typeface="Cambria Math" panose="02040503050406030204" pitchFamily="18" charset="0"/>
-                          </a:rPr>
-                        </m:ctrlPr>
-                      </m:fPr>
-                      <m:num>
-                        <m:r>
-                          <a:rPr lang="en-US" b="0" i="1" smtClean="0">
-                            <a:latin typeface="Cambria Math" panose="02040503050406030204" pitchFamily="18" charset="0"/>
-                          </a:rPr>
-                          <m:t>1</m:t>
-                        </m:r>
-                      </m:num>
-                      <m:den>
-                        <m:r>
-                          <a:rPr lang="en-US" b="0" i="1" smtClean="0">
-                            <a:latin typeface="Cambria Math" panose="02040503050406030204" pitchFamily="18" charset="0"/>
-                          </a:rPr>
-                          <m:t>5</m:t>
-                        </m:r>
-                      </m:den>
-                    </m:f>
-                  </m:oMath>
-                </a14:m>
-                <a:r>
-                  <a:rPr lang="en-US" dirty="0"/>
-                  <a:t> or </a:t>
-                </a:r>
-                <a14:m>
-                  <m:oMath xmlns:m="http://schemas.openxmlformats.org/officeDocument/2006/math">
-                    <m:r>
-                      <a:rPr lang="en-US" i="1" dirty="0" smtClean="0">
-                        <a:latin typeface="Cambria Math" panose="02040503050406030204" pitchFamily="18" charset="0"/>
-                      </a:rPr>
-                      <m:t>0.2</m:t>
-                    </m:r>
-                  </m:oMath>
-                </a14:m>
-                <a:r>
-                  <a:rPr lang="en-US" dirty="0"/>
-                  <a:t>, then we will classify the food as that taste.</a:t>
-                </a:r>
-              </a:p>
-              <a:p>
-                <a:r>
-                  <a:rPr lang="en-US" dirty="0"/>
-                  <a:t>Confused? Look at the table below.</a:t>
-                </a:r>
-              </a:p>
-              <a:p>
-                <a:endParaRPr lang="en-US" dirty="0"/>
-              </a:p>
-            </p:txBody>
-          </p:sp>
-        </mc:Choice>
-        <mc:Fallback xmlns="">
-          <p:sp>
-            <p:nvSpPr>
-              <p:cNvPr id="6" name="Content Placeholder 5">
-                <a:extLst>
-                  <a:ext uri="{FF2B5EF4-FFF2-40B4-BE49-F238E27FC236}">
-                    <a16:creationId xmlns:a16="http://schemas.microsoft.com/office/drawing/2014/main" id="{4400EB5E-259F-0A0B-5749-ED1778081BAE}"/>
-                  </a:ext>
-                </a:extLst>
-              </p:cNvPr>
-              <p:cNvSpPr>
-                <a:spLocks noGrp="1" noRot="1" noChangeAspect="1" noMove="1" noResize="1" noEditPoints="1" noAdjustHandles="1" noChangeArrowheads="1" noChangeShapeType="1" noTextEdit="1"/>
-              </p:cNvSpPr>
-              <p:nvPr>
-                <p:ph idx="1"/>
-              </p:nvPr>
-            </p:nvSpPr>
-            <p:spPr>
-              <a:blipFill>
-                <a:blip r:embed="rId2"/>
-                <a:stretch>
-                  <a:fillRect l="-67" t="-1480" r="-667"/>
-                </a:stretch>
-              </a:blipFill>
-            </p:spPr>
-            <p:txBody>
-              <a:bodyPr/>
-              <a:lstStyle/>
-              <a:p>
-                <a:r>
-                  <a:rPr lang="en-ID">
-                    <a:noFill/>
-                  </a:rPr>
-                  <a:t> </a:t>
-                </a:r>
-              </a:p>
-            </p:txBody>
-          </p:sp>
-        </mc:Fallback>
-      </mc:AlternateContent>
+      <p:sp>
+        <p:nvSpPr>
+          <p:cNvPr id="6" name="Content Placeholder 5">
+            <a:extLst>
+              <a:ext uri="{FF2B5EF4-FFF2-40B4-BE49-F238E27FC236}">
+                <a16:creationId xmlns:a16="http://schemas.microsoft.com/office/drawing/2014/main" id="{4400EB5E-259F-0A0B-5749-ED1778081BAE}"/>
+              </a:ext>
+            </a:extLst>
+          </p:cNvPr>
+          <p:cNvSpPr>
+            <a:spLocks noGrp="1"/>
+          </p:cNvSpPr>
+          <p:nvPr>
+            <p:ph idx="1"/>
+          </p:nvPr>
+        </p:nvSpPr>
+        <p:spPr/>
+        <p:txBody>
+          <a:bodyPr/>
+          <a:lstStyle/>
+          <a:p>
+            <a:r>
+              <a:rPr lang="en-US" dirty="0"/>
+              <a:t>After we get the vector representation of each ingredients, we take the sum of all ingredients for each unlabeled food and take the average for each taste.</a:t>
+            </a:r>
+          </a:p>
+          <a:p>
+            <a:r>
+              <a:rPr lang="en-US" dirty="0"/>
+              <a:t>Then, we take the taste which has probability more than 0.5.</a:t>
+            </a:r>
+          </a:p>
+          <a:p>
+            <a:r>
+              <a:rPr lang="en-US" dirty="0"/>
+              <a:t>Confused? Look at the table below.</a:t>
+            </a:r>
+          </a:p>
+          <a:p>
+            <a:endParaRPr lang="en-US" dirty="0"/>
+          </a:p>
+        </p:txBody>
+      </p:sp>
       <p:graphicFrame>
         <p:nvGraphicFramePr>
           <p:cNvPr id="2" name="Table 2">
@@ -10289,14 +12495,14 @@
           <p:nvPr>
             <p:extLst>
               <p:ext uri="{D42A27DB-BD31-4B8C-83A1-F6EECF244321}">
-                <p14:modId xmlns:p14="http://schemas.microsoft.com/office/powerpoint/2010/main" val="1466984405"/>
+                <p14:modId xmlns:p14="http://schemas.microsoft.com/office/powerpoint/2010/main" val="907369317"/>
               </p:ext>
             </p:extLst>
           </p:nvPr>
         </p:nvGraphicFramePr>
         <p:xfrm>
-          <a:off x="2205980" y="3913215"/>
-          <a:ext cx="8125887" cy="2123440"/>
+          <a:off x="2205980" y="3436099"/>
+          <a:ext cx="8125887" cy="2661920"/>
         </p:xfrm>
         <a:graphic>
           <a:graphicData uri="http://schemas.openxmlformats.org/drawingml/2006/table">
@@ -10305,35 +12511,35 @@
                 <a:tableStyleId>{5C22544A-7EE6-4342-B048-85BDC9FD1C3A}</a:tableStyleId>
               </a:tblPr>
               <a:tblGrid>
-                <a:gridCol w="1160841">
+                <a:gridCol w="1584176">
                   <a:extLst>
                     <a:ext uri="{9D8B030D-6E8A-4147-A177-3AD203B41FA5}">
                       <a16:colId xmlns:a16="http://schemas.microsoft.com/office/drawing/2014/main" val="1119158727"/>
                     </a:ext>
                   </a:extLst>
                 </a:gridCol>
-                <a:gridCol w="1160841">
+                <a:gridCol w="1440160">
                   <a:extLst>
                     <a:ext uri="{9D8B030D-6E8A-4147-A177-3AD203B41FA5}">
                       <a16:colId xmlns:a16="http://schemas.microsoft.com/office/drawing/2014/main" val="2397534808"/>
                     </a:ext>
                   </a:extLst>
                 </a:gridCol>
-                <a:gridCol w="1160841">
+                <a:gridCol w="936104">
                   <a:extLst>
                     <a:ext uri="{9D8B030D-6E8A-4147-A177-3AD203B41FA5}">
                       <a16:colId xmlns:a16="http://schemas.microsoft.com/office/drawing/2014/main" val="298267615"/>
                     </a:ext>
                   </a:extLst>
                 </a:gridCol>
-                <a:gridCol w="1160841">
+                <a:gridCol w="864096">
                   <a:extLst>
                     <a:ext uri="{9D8B030D-6E8A-4147-A177-3AD203B41FA5}">
                       <a16:colId xmlns:a16="http://schemas.microsoft.com/office/drawing/2014/main" val="2277265237"/>
                     </a:ext>
                   </a:extLst>
                 </a:gridCol>
-                <a:gridCol w="1160841">
+                <a:gridCol w="979669">
                   <a:extLst>
                     <a:ext uri="{9D8B030D-6E8A-4147-A177-3AD203B41FA5}">
                       <a16:colId xmlns:a16="http://schemas.microsoft.com/office/drawing/2014/main" val="2992933627"/>
@@ -10485,7 +12691,7 @@
                       </a:pPr>
                       <a:r>
                         <a:rPr lang="en-US" dirty="0"/>
-                        <a:t>Apple a Day Milk Shake</a:t>
+                        <a:t>bittersweet beachside brownies</a:t>
                       </a:r>
                     </a:p>
                   </a:txBody>
@@ -10498,7 +12704,7 @@
                     <a:p>
                       <a:r>
                         <a:rPr lang="en-US" dirty="0"/>
-                        <a:t>Milk</a:t>
+                        <a:t>bittersweet chocolate</a:t>
                       </a:r>
                       <a:endParaRPr lang="en-ID" dirty="0"/>
                     </a:p>
@@ -10512,7 +12718,7 @@
                     <a:p>
                       <a:r>
                         <a:rPr lang="en-US" dirty="0"/>
-                        <a:t>0.9</a:t>
+                        <a:t>0.6</a:t>
                       </a:r>
                       <a:endParaRPr lang="en-ID" dirty="0"/>
                     </a:p>
@@ -10526,7 +12732,7 @@
                     <a:p>
                       <a:r>
                         <a:rPr lang="en-US" dirty="0"/>
-                        <a:t>0.1</a:t>
+                        <a:t>0.2</a:t>
                       </a:r>
                       <a:endParaRPr lang="en-ID" dirty="0"/>
                     </a:p>
@@ -10540,7 +12746,7 @@
                     <a:p>
                       <a:r>
                         <a:rPr lang="en-US" dirty="0"/>
-                        <a:t>0</a:t>
+                        <a:t>0.2</a:t>
                       </a:r>
                       <a:endParaRPr lang="en-ID" dirty="0"/>
                     </a:p>
@@ -10554,7 +12760,7 @@
                     <a:p>
                       <a:r>
                         <a:rPr lang="en-US" dirty="0"/>
-                        <a:t>0</a:t>
+                        <a:t>0.6</a:t>
                       </a:r>
                       <a:endParaRPr lang="en-ID" dirty="0"/>
                     </a:p>
@@ -10616,7 +12822,7 @@
                     <a:p>
                       <a:r>
                         <a:rPr lang="en-US" dirty="0"/>
-                        <a:t>Vanilla</a:t>
+                        <a:t>dark brown sugar</a:t>
                       </a:r>
                       <a:endParaRPr lang="en-ID" dirty="0"/>
                     </a:p>
@@ -10630,7 +12836,7 @@
                     <a:p>
                       <a:r>
                         <a:rPr lang="en-US" dirty="0"/>
-                        <a:t>0.2</a:t>
+                        <a:t>0.8</a:t>
                       </a:r>
                       <a:endParaRPr lang="en-ID" dirty="0"/>
                     </a:p>
@@ -10644,7 +12850,21 @@
                     <a:p>
                       <a:r>
                         <a:rPr lang="en-US" dirty="0"/>
-                        <a:t>0.3</a:t>
+                        <a:t>0.1</a:t>
+                      </a:r>
+                      <a:endParaRPr lang="en-ID" dirty="0"/>
+                    </a:p>
+                  </a:txBody>
+                  <a:tcPr/>
+                </a:tc>
+                <a:tc>
+                  <a:txBody>
+                    <a:bodyPr/>
+                    <a:lstStyle/>
+                    <a:p>
+                      <a:r>
+                        <a:rPr lang="en-US" dirty="0"/>
+                        <a:t>0.1</a:t>
                       </a:r>
                       <a:endParaRPr lang="en-ID" dirty="0"/>
                     </a:p>
@@ -10659,20 +12879,6 @@
                       <a:r>
                         <a:rPr lang="en-US" dirty="0"/>
                         <a:t>0.5</a:t>
-                      </a:r>
-                      <a:endParaRPr lang="en-ID" dirty="0"/>
-                    </a:p>
-                  </a:txBody>
-                  <a:tcPr/>
-                </a:tc>
-                <a:tc>
-                  <a:txBody>
-                    <a:bodyPr/>
-                    <a:lstStyle/>
-                    <a:p>
-                      <a:r>
-                        <a:rPr lang="en-US" dirty="0"/>
-                        <a:t>0</a:t>
                       </a:r>
                       <a:endParaRPr lang="en-ID" dirty="0"/>
                     </a:p>
@@ -10734,7 +12940,7 @@
                     <a:p>
                       <a:r>
                         <a:rPr lang="en-US" dirty="0"/>
-                        <a:t>Apple</a:t>
+                        <a:t>all-purpose flour</a:t>
                       </a:r>
                       <a:endParaRPr lang="en-ID" dirty="0"/>
                     </a:p>
@@ -10748,7 +12954,7 @@
                     <a:p>
                       <a:r>
                         <a:rPr lang="en-US" dirty="0"/>
-                        <a:t>0.6</a:t>
+                        <a:t>0.3</a:t>
                       </a:r>
                       <a:endParaRPr lang="en-ID" dirty="0"/>
                     </a:p>
@@ -10776,7 +12982,7 @@
                     <a:p>
                       <a:r>
                         <a:rPr lang="en-US" dirty="0"/>
-                        <a:t>0.4</a:t>
+                        <a:t>0</a:t>
                       </a:r>
                       <a:endParaRPr lang="en-ID" dirty="0"/>
                     </a:p>
@@ -10790,7 +12996,7 @@
                     <a:p>
                       <a:r>
                         <a:rPr lang="en-US" dirty="0"/>
-                        <a:t>0</a:t>
+                        <a:t>0.5</a:t>
                       </a:r>
                       <a:endParaRPr lang="en-ID" dirty="0"/>
                     </a:p>
@@ -10842,7 +13048,7 @@
                       </a:pPr>
                       <a:r>
                         <a:rPr lang="en-US" b="1" dirty="0"/>
-                        <a:t>Sum</a:t>
+                        <a:t>Average</a:t>
                       </a:r>
                     </a:p>
                   </a:txBody>
@@ -10865,7 +13071,7 @@
                     <a:p>
                       <a:r>
                         <a:rPr lang="en-US" dirty="0"/>
-                        <a:t>1.7</a:t>
+                        <a:t>0.567</a:t>
                       </a:r>
                       <a:endParaRPr lang="en-ID" dirty="0"/>
                     </a:p>
@@ -10879,7 +13085,7 @@
                     <a:p>
                       <a:r>
                         <a:rPr lang="en-US" dirty="0"/>
-                        <a:t>0.4</a:t>
+                        <a:t>0.1</a:t>
                       </a:r>
                       <a:endParaRPr lang="en-ID" dirty="0"/>
                     </a:p>
@@ -10893,7 +13099,7 @@
                     <a:p>
                       <a:r>
                         <a:rPr lang="en-US" dirty="0"/>
-                        <a:t>0.9</a:t>
+                        <a:t>0.1</a:t>
                       </a:r>
                       <a:endParaRPr lang="en-ID" dirty="0"/>
                     </a:p>
@@ -10907,7 +13113,7 @@
                     <a:p>
                       <a:r>
                         <a:rPr lang="en-US" dirty="0"/>
-                        <a:t>0</a:t>
+                        <a:t>0.53</a:t>
                       </a:r>
                       <a:endParaRPr lang="en-ID" dirty="0"/>
                     </a:p>
@@ -10963,7 +13169,7 @@
 </p:sld>
 </file>
 
-<file path=ppt/slides/slide29.xml><?xml version="1.0" encoding="utf-8"?>
+<file path=ppt/slides/slide32.xml><?xml version="1.0" encoding="utf-8"?>
 <p:sld xmlns:a="http://schemas.openxmlformats.org/drawingml/2006/main" xmlns:r="http://schemas.openxmlformats.org/officeDocument/2006/relationships" xmlns:p="http://schemas.openxmlformats.org/presentationml/2006/main">
   <p:cSld>
     <p:spTree>
@@ -11003,328 +13209,54 @@
           <a:p>
             <a:r>
               <a:rPr lang="en-US" dirty="0"/>
-              <a:t>How to classify food taste?</a:t>
+              <a:t>How did I classify the food taste?</a:t>
             </a:r>
             <a:endParaRPr lang="en-ID" dirty="0"/>
           </a:p>
         </p:txBody>
       </p:sp>
-      <mc:AlternateContent xmlns:mc="http://schemas.openxmlformats.org/markup-compatibility/2006" xmlns:a14="http://schemas.microsoft.com/office/drawing/2010/main">
-        <mc:Choice Requires="a14">
-          <p:sp>
-            <p:nvSpPr>
-              <p:cNvPr id="6" name="Content Placeholder 5">
-                <a:extLst>
-                  <a:ext uri="{FF2B5EF4-FFF2-40B4-BE49-F238E27FC236}">
-                    <a16:creationId xmlns:a16="http://schemas.microsoft.com/office/drawing/2014/main" id="{4400EB5E-259F-0A0B-5749-ED1778081BAE}"/>
-                  </a:ext>
-                </a:extLst>
-              </p:cNvPr>
-              <p:cNvSpPr>
-                <a:spLocks noGrp="1"/>
-              </p:cNvSpPr>
-              <p:nvPr>
-                <p:ph idx="1"/>
-              </p:nvPr>
-            </p:nvSpPr>
-            <p:spPr/>
-            <p:txBody>
-              <a:bodyPr/>
-              <a:lstStyle/>
-              <a:p>
-                <a:r>
-                  <a:rPr lang="en-US" dirty="0"/>
-                  <a:t>Ratio of sweet = </a:t>
-                </a:r>
-                <a14:m>
-                  <m:oMath xmlns:m="http://schemas.openxmlformats.org/officeDocument/2006/math">
-                    <m:f>
-                      <m:fPr>
-                        <m:ctrlPr>
-                          <a:rPr lang="en-US" b="0" i="1" smtClean="0">
-                            <a:latin typeface="Cambria Math" panose="02040503050406030204" pitchFamily="18" charset="0"/>
-                          </a:rPr>
-                        </m:ctrlPr>
-                      </m:fPr>
-                      <m:num>
-                        <m:r>
-                          <a:rPr lang="en-US" b="0" i="1" smtClean="0">
-                            <a:latin typeface="Cambria Math" panose="02040503050406030204" pitchFamily="18" charset="0"/>
-                          </a:rPr>
-                          <m:t>1.7</m:t>
-                        </m:r>
-                      </m:num>
-                      <m:den>
-                        <m:r>
-                          <a:rPr lang="en-US" b="0" i="1" smtClean="0">
-                            <a:latin typeface="Cambria Math" panose="02040503050406030204" pitchFamily="18" charset="0"/>
-                          </a:rPr>
-                          <m:t>1.7+0.4+0.9+0+0</m:t>
-                        </m:r>
-                      </m:den>
-                    </m:f>
-                    <m:r>
-                      <a:rPr lang="en-US" b="0" i="1" smtClean="0">
-                        <a:latin typeface="Cambria Math" panose="02040503050406030204" pitchFamily="18" charset="0"/>
-                      </a:rPr>
-                      <m:t>=</m:t>
-                    </m:r>
-                    <m:f>
-                      <m:fPr>
-                        <m:ctrlPr>
-                          <a:rPr lang="en-US" b="0" i="1" smtClean="0">
-                            <a:latin typeface="Cambria Math" panose="02040503050406030204" pitchFamily="18" charset="0"/>
-                          </a:rPr>
-                        </m:ctrlPr>
-                      </m:fPr>
-                      <m:num>
-                        <m:r>
-                          <a:rPr lang="en-US" b="0" i="1" smtClean="0">
-                            <a:latin typeface="Cambria Math" panose="02040503050406030204" pitchFamily="18" charset="0"/>
-                          </a:rPr>
-                          <m:t>1.7</m:t>
-                        </m:r>
-                      </m:num>
-                      <m:den>
-                        <m:r>
-                          <a:rPr lang="en-US" b="0" i="1" smtClean="0">
-                            <a:latin typeface="Cambria Math" panose="02040503050406030204" pitchFamily="18" charset="0"/>
-                          </a:rPr>
-                          <m:t>3</m:t>
-                        </m:r>
-                      </m:den>
-                    </m:f>
-                    <m:r>
-                      <a:rPr lang="en-US" b="0" i="1" smtClean="0">
-                        <a:latin typeface="Cambria Math" panose="02040503050406030204" pitchFamily="18" charset="0"/>
-                      </a:rPr>
-                      <m:t>=0.567</m:t>
-                    </m:r>
-                  </m:oMath>
-                </a14:m>
-                <a:r>
-                  <a:rPr lang="en-US" dirty="0"/>
-                  <a:t>.</a:t>
-                </a:r>
-              </a:p>
-              <a:p>
-                <a:r>
-                  <a:rPr lang="en-US" dirty="0"/>
-                  <a:t>Ratio of salty = </a:t>
-                </a:r>
-                <a14:m>
-                  <m:oMath xmlns:m="http://schemas.openxmlformats.org/officeDocument/2006/math">
-                    <m:f>
-                      <m:fPr>
-                        <m:ctrlPr>
-                          <a:rPr lang="en-US" b="0" i="1" smtClean="0">
-                            <a:latin typeface="Cambria Math" panose="02040503050406030204" pitchFamily="18" charset="0"/>
-                          </a:rPr>
-                        </m:ctrlPr>
-                      </m:fPr>
-                      <m:num>
-                        <m:r>
-                          <a:rPr lang="en-US" b="0" i="1" smtClean="0">
-                            <a:latin typeface="Cambria Math" panose="02040503050406030204" pitchFamily="18" charset="0"/>
-                          </a:rPr>
-                          <m:t>0.4</m:t>
-                        </m:r>
-                      </m:num>
-                      <m:den>
-                        <m:r>
-                          <a:rPr lang="en-US" b="0" i="1" smtClean="0">
-                            <a:latin typeface="Cambria Math" panose="02040503050406030204" pitchFamily="18" charset="0"/>
-                          </a:rPr>
-                          <m:t>1.7+0.4+0.9+0+0</m:t>
-                        </m:r>
-                      </m:den>
-                    </m:f>
-                    <m:r>
-                      <a:rPr lang="en-US" b="0" i="1" smtClean="0">
-                        <a:latin typeface="Cambria Math" panose="02040503050406030204" pitchFamily="18" charset="0"/>
-                      </a:rPr>
-                      <m:t>=</m:t>
-                    </m:r>
-                    <m:f>
-                      <m:fPr>
-                        <m:ctrlPr>
-                          <a:rPr lang="en-US" b="0" i="1" smtClean="0">
-                            <a:latin typeface="Cambria Math" panose="02040503050406030204" pitchFamily="18" charset="0"/>
-                          </a:rPr>
-                        </m:ctrlPr>
-                      </m:fPr>
-                      <m:num>
-                        <m:r>
-                          <a:rPr lang="en-US" b="0" i="1" smtClean="0">
-                            <a:latin typeface="Cambria Math" panose="02040503050406030204" pitchFamily="18" charset="0"/>
-                          </a:rPr>
-                          <m:t>0.4</m:t>
-                        </m:r>
-                      </m:num>
-                      <m:den>
-                        <m:r>
-                          <a:rPr lang="en-US" b="0" i="1" smtClean="0">
-                            <a:latin typeface="Cambria Math" panose="02040503050406030204" pitchFamily="18" charset="0"/>
-                          </a:rPr>
-                          <m:t>3</m:t>
-                        </m:r>
-                      </m:den>
-                    </m:f>
-                    <m:r>
-                      <a:rPr lang="en-US" b="0" i="1" smtClean="0">
-                        <a:latin typeface="Cambria Math" panose="02040503050406030204" pitchFamily="18" charset="0"/>
-                      </a:rPr>
-                      <m:t>=0.133</m:t>
-                    </m:r>
-                  </m:oMath>
-                </a14:m>
-                <a:r>
-                  <a:rPr lang="en-US" dirty="0"/>
-                  <a:t>.</a:t>
-                </a:r>
-              </a:p>
-              <a:p>
-                <a:r>
-                  <a:rPr lang="en-US" dirty="0"/>
-                  <a:t>Ratio of sour = </a:t>
-                </a:r>
-                <a14:m>
-                  <m:oMath xmlns:m="http://schemas.openxmlformats.org/officeDocument/2006/math">
-                    <m:f>
-                      <m:fPr>
-                        <m:ctrlPr>
-                          <a:rPr lang="en-US" b="0" i="1" smtClean="0">
-                            <a:latin typeface="Cambria Math" panose="02040503050406030204" pitchFamily="18" charset="0"/>
-                          </a:rPr>
-                        </m:ctrlPr>
-                      </m:fPr>
-                      <m:num>
-                        <m:r>
-                          <a:rPr lang="en-US" b="0" i="1" smtClean="0">
-                            <a:latin typeface="Cambria Math" panose="02040503050406030204" pitchFamily="18" charset="0"/>
-                          </a:rPr>
-                          <m:t>0.9</m:t>
-                        </m:r>
-                      </m:num>
-                      <m:den>
-                        <m:r>
-                          <a:rPr lang="en-US" b="0" i="1" smtClean="0">
-                            <a:latin typeface="Cambria Math" panose="02040503050406030204" pitchFamily="18" charset="0"/>
-                          </a:rPr>
-                          <m:t>1.7+0.4+0.9+0+0</m:t>
-                        </m:r>
-                      </m:den>
-                    </m:f>
-                    <m:r>
-                      <a:rPr lang="en-US" b="0" i="1" smtClean="0">
-                        <a:latin typeface="Cambria Math" panose="02040503050406030204" pitchFamily="18" charset="0"/>
-                      </a:rPr>
-                      <m:t>=</m:t>
-                    </m:r>
-                    <m:f>
-                      <m:fPr>
-                        <m:ctrlPr>
-                          <a:rPr lang="en-US" b="0" i="1" smtClean="0">
-                            <a:latin typeface="Cambria Math" panose="02040503050406030204" pitchFamily="18" charset="0"/>
-                          </a:rPr>
-                        </m:ctrlPr>
-                      </m:fPr>
-                      <m:num>
-                        <m:r>
-                          <a:rPr lang="en-US" b="0" i="1" smtClean="0">
-                            <a:latin typeface="Cambria Math" panose="02040503050406030204" pitchFamily="18" charset="0"/>
-                          </a:rPr>
-                          <m:t>0.9</m:t>
-                        </m:r>
-                      </m:num>
-                      <m:den>
-                        <m:r>
-                          <a:rPr lang="en-US" b="0" i="1" smtClean="0">
-                            <a:latin typeface="Cambria Math" panose="02040503050406030204" pitchFamily="18" charset="0"/>
-                          </a:rPr>
-                          <m:t>3</m:t>
-                        </m:r>
-                      </m:den>
-                    </m:f>
-                    <m:r>
-                      <a:rPr lang="en-US" b="0" i="1" smtClean="0">
-                        <a:latin typeface="Cambria Math" panose="02040503050406030204" pitchFamily="18" charset="0"/>
-                      </a:rPr>
-                      <m:t>=0.3</m:t>
-                    </m:r>
-                  </m:oMath>
-                </a14:m>
-                <a:r>
-                  <a:rPr lang="en-US" dirty="0"/>
-                  <a:t>.</a:t>
-                </a:r>
-              </a:p>
-              <a:p>
-                <a:r>
-                  <a:rPr lang="en-US" dirty="0"/>
-                  <a:t>Ratio of bitter = Ratio of spicy = </a:t>
-                </a:r>
-                <a14:m>
-                  <m:oMath xmlns:m="http://schemas.openxmlformats.org/officeDocument/2006/math">
-                    <m:r>
-                      <a:rPr lang="en-US" b="0" i="1" smtClean="0">
-                        <a:latin typeface="Cambria Math" panose="02040503050406030204" pitchFamily="18" charset="0"/>
-                      </a:rPr>
-                      <m:t>0</m:t>
-                    </m:r>
-                  </m:oMath>
-                </a14:m>
-                <a:r>
-                  <a:rPr lang="en-US" dirty="0"/>
-                  <a:t>.</a:t>
-                </a:r>
-              </a:p>
-              <a:p>
-                <a:endParaRPr lang="en-US" dirty="0"/>
-              </a:p>
-            </p:txBody>
-          </p:sp>
-        </mc:Choice>
-        <mc:Fallback xmlns="">
-          <p:sp>
-            <p:nvSpPr>
-              <p:cNvPr id="6" name="Content Placeholder 5">
-                <a:extLst>
-                  <a:ext uri="{FF2B5EF4-FFF2-40B4-BE49-F238E27FC236}">
-                    <a16:creationId xmlns:a16="http://schemas.microsoft.com/office/drawing/2014/main" id="{4400EB5E-259F-0A0B-5749-ED1778081BAE}"/>
-                  </a:ext>
-                </a:extLst>
-              </p:cNvPr>
-              <p:cNvSpPr>
-                <a:spLocks noGrp="1" noRot="1" noChangeAspect="1" noMove="1" noResize="1" noEditPoints="1" noAdjustHandles="1" noChangeArrowheads="1" noChangeShapeType="1" noTextEdit="1"/>
-              </p:cNvSpPr>
-              <p:nvPr>
-                <p:ph idx="1"/>
-              </p:nvPr>
-            </p:nvSpPr>
-            <p:spPr>
-              <a:blipFill>
-                <a:blip r:embed="rId2"/>
-                <a:stretch>
-                  <a:fillRect l="-67" t="-404"/>
-                </a:stretch>
-              </a:blipFill>
-            </p:spPr>
-            <p:txBody>
-              <a:bodyPr/>
-              <a:lstStyle/>
-              <a:p>
-                <a:r>
-                  <a:rPr lang="en-ID">
-                    <a:noFill/>
-                  </a:rPr>
-                  <a:t> </a:t>
-                </a:r>
-              </a:p>
-            </p:txBody>
-          </p:sp>
-        </mc:Fallback>
-      </mc:AlternateContent>
+      <p:sp>
+        <p:nvSpPr>
+          <p:cNvPr id="6" name="Content Placeholder 5">
+            <a:extLst>
+              <a:ext uri="{FF2B5EF4-FFF2-40B4-BE49-F238E27FC236}">
+                <a16:creationId xmlns:a16="http://schemas.microsoft.com/office/drawing/2014/main" id="{4400EB5E-259F-0A0B-5749-ED1778081BAE}"/>
+              </a:ext>
+            </a:extLst>
+          </p:cNvPr>
+          <p:cNvSpPr>
+            <a:spLocks noGrp="1"/>
+          </p:cNvSpPr>
+          <p:nvPr>
+            <p:ph idx="1"/>
+          </p:nvPr>
+        </p:nvSpPr>
+        <p:spPr/>
+        <p:txBody>
+          <a:bodyPr/>
+          <a:lstStyle/>
+          <a:p>
+            <a:r>
+              <a:rPr lang="en-US" dirty="0"/>
+              <a:t>Since the average probability of sweet and bitter are more than 0.5, we can say that “</a:t>
+            </a:r>
+            <a:r>
+              <a:rPr lang="en-US" i="1" dirty="0"/>
+              <a:t>bittersweet beachside brownies</a:t>
+            </a:r>
+            <a:r>
+              <a:rPr lang="en-US" dirty="0"/>
+              <a:t>” is sweet and bitter.</a:t>
+            </a:r>
+          </a:p>
+          <a:p>
+            <a:r>
+              <a:rPr lang="en-US" dirty="0"/>
+              <a:t>Wow, cool!</a:t>
+            </a:r>
+          </a:p>
+        </p:txBody>
+      </p:sp>
       <p:graphicFrame>
         <p:nvGraphicFramePr>
           <p:cNvPr id="2" name="Table 2">
@@ -11340,8 +13272,8 @@
           <p:nvPr/>
         </p:nvGraphicFramePr>
         <p:xfrm>
-          <a:off x="2205980" y="3913215"/>
-          <a:ext cx="8125887" cy="2123440"/>
+          <a:off x="2205980" y="3436099"/>
+          <a:ext cx="8125887" cy="2661920"/>
         </p:xfrm>
         <a:graphic>
           <a:graphicData uri="http://schemas.openxmlformats.org/drawingml/2006/table">
@@ -11350,35 +13282,35 @@
                 <a:tableStyleId>{5C22544A-7EE6-4342-B048-85BDC9FD1C3A}</a:tableStyleId>
               </a:tblPr>
               <a:tblGrid>
-                <a:gridCol w="1160841">
+                <a:gridCol w="1584176">
                   <a:extLst>
                     <a:ext uri="{9D8B030D-6E8A-4147-A177-3AD203B41FA5}">
                       <a16:colId xmlns:a16="http://schemas.microsoft.com/office/drawing/2014/main" val="1119158727"/>
                     </a:ext>
                   </a:extLst>
                 </a:gridCol>
-                <a:gridCol w="1160841">
+                <a:gridCol w="1440160">
                   <a:extLst>
                     <a:ext uri="{9D8B030D-6E8A-4147-A177-3AD203B41FA5}">
                       <a16:colId xmlns:a16="http://schemas.microsoft.com/office/drawing/2014/main" val="2397534808"/>
                     </a:ext>
                   </a:extLst>
                 </a:gridCol>
-                <a:gridCol w="1160841">
+                <a:gridCol w="936104">
                   <a:extLst>
                     <a:ext uri="{9D8B030D-6E8A-4147-A177-3AD203B41FA5}">
                       <a16:colId xmlns:a16="http://schemas.microsoft.com/office/drawing/2014/main" val="298267615"/>
                     </a:ext>
                   </a:extLst>
                 </a:gridCol>
-                <a:gridCol w="1160841">
+                <a:gridCol w="864096">
                   <a:extLst>
                     <a:ext uri="{9D8B030D-6E8A-4147-A177-3AD203B41FA5}">
                       <a16:colId xmlns:a16="http://schemas.microsoft.com/office/drawing/2014/main" val="2277265237"/>
                     </a:ext>
                   </a:extLst>
                 </a:gridCol>
-                <a:gridCol w="1160841">
+                <a:gridCol w="979669">
                   <a:extLst>
                     <a:ext uri="{9D8B030D-6E8A-4147-A177-3AD203B41FA5}">
                       <a16:colId xmlns:a16="http://schemas.microsoft.com/office/drawing/2014/main" val="2992933627"/>
@@ -11530,7 +13462,7 @@
                       </a:pPr>
                       <a:r>
                         <a:rPr lang="en-US" dirty="0"/>
-                        <a:t>Apple a Day Milk Shake</a:t>
+                        <a:t>bittersweet beachside brownies</a:t>
                       </a:r>
                     </a:p>
                   </a:txBody>
@@ -11543,7 +13475,7 @@
                     <a:p>
                       <a:r>
                         <a:rPr lang="en-US" dirty="0"/>
-                        <a:t>Milk</a:t>
+                        <a:t>bittersweet chocolate</a:t>
                       </a:r>
                       <a:endParaRPr lang="en-ID" dirty="0"/>
                     </a:p>
@@ -11557,7 +13489,7 @@
                     <a:p>
                       <a:r>
                         <a:rPr lang="en-US" dirty="0"/>
-                        <a:t>0.9</a:t>
+                        <a:t>0.6</a:t>
                       </a:r>
                       <a:endParaRPr lang="en-ID" dirty="0"/>
                     </a:p>
@@ -11571,7 +13503,7 @@
                     <a:p>
                       <a:r>
                         <a:rPr lang="en-US" dirty="0"/>
-                        <a:t>0.1</a:t>
+                        <a:t>0.2</a:t>
                       </a:r>
                       <a:endParaRPr lang="en-ID" dirty="0"/>
                     </a:p>
@@ -11585,7 +13517,7 @@
                     <a:p>
                       <a:r>
                         <a:rPr lang="en-US" dirty="0"/>
-                        <a:t>0</a:t>
+                        <a:t>0.2</a:t>
                       </a:r>
                       <a:endParaRPr lang="en-ID" dirty="0"/>
                     </a:p>
@@ -11599,7 +13531,7 @@
                     <a:p>
                       <a:r>
                         <a:rPr lang="en-US" dirty="0"/>
-                        <a:t>0</a:t>
+                        <a:t>0.6</a:t>
                       </a:r>
                       <a:endParaRPr lang="en-ID" dirty="0"/>
                     </a:p>
@@ -11661,7 +13593,7 @@
                     <a:p>
                       <a:r>
                         <a:rPr lang="en-US" dirty="0"/>
-                        <a:t>Vanilla</a:t>
+                        <a:t>dark brown sugar</a:t>
                       </a:r>
                       <a:endParaRPr lang="en-ID" dirty="0"/>
                     </a:p>
@@ -11675,7 +13607,7 @@
                     <a:p>
                       <a:r>
                         <a:rPr lang="en-US" dirty="0"/>
-                        <a:t>0.2</a:t>
+                        <a:t>0.8</a:t>
                       </a:r>
                       <a:endParaRPr lang="en-ID" dirty="0"/>
                     </a:p>
@@ -11689,7 +13621,21 @@
                     <a:p>
                       <a:r>
                         <a:rPr lang="en-US" dirty="0"/>
-                        <a:t>0.3</a:t>
+                        <a:t>0.1</a:t>
+                      </a:r>
+                      <a:endParaRPr lang="en-ID" dirty="0"/>
+                    </a:p>
+                  </a:txBody>
+                  <a:tcPr/>
+                </a:tc>
+                <a:tc>
+                  <a:txBody>
+                    <a:bodyPr/>
+                    <a:lstStyle/>
+                    <a:p>
+                      <a:r>
+                        <a:rPr lang="en-US" dirty="0"/>
+                        <a:t>0.1</a:t>
                       </a:r>
                       <a:endParaRPr lang="en-ID" dirty="0"/>
                     </a:p>
@@ -11704,20 +13650,6 @@
                       <a:r>
                         <a:rPr lang="en-US" dirty="0"/>
                         <a:t>0.5</a:t>
-                      </a:r>
-                      <a:endParaRPr lang="en-ID" dirty="0"/>
-                    </a:p>
-                  </a:txBody>
-                  <a:tcPr/>
-                </a:tc>
-                <a:tc>
-                  <a:txBody>
-                    <a:bodyPr/>
-                    <a:lstStyle/>
-                    <a:p>
-                      <a:r>
-                        <a:rPr lang="en-US" dirty="0"/>
-                        <a:t>0</a:t>
                       </a:r>
                       <a:endParaRPr lang="en-ID" dirty="0"/>
                     </a:p>
@@ -11779,7 +13711,7 @@
                     <a:p>
                       <a:r>
                         <a:rPr lang="en-US" dirty="0"/>
-                        <a:t>Apple</a:t>
+                        <a:t>all-purpose flour</a:t>
                       </a:r>
                       <a:endParaRPr lang="en-ID" dirty="0"/>
                     </a:p>
@@ -11793,7 +13725,7 @@
                     <a:p>
                       <a:r>
                         <a:rPr lang="en-US" dirty="0"/>
-                        <a:t>0.6</a:t>
+                        <a:t>0.3</a:t>
                       </a:r>
                       <a:endParaRPr lang="en-ID" dirty="0"/>
                     </a:p>
@@ -11821,7 +13753,7 @@
                     <a:p>
                       <a:r>
                         <a:rPr lang="en-US" dirty="0"/>
-                        <a:t>0.4</a:t>
+                        <a:t>0</a:t>
                       </a:r>
                       <a:endParaRPr lang="en-ID" dirty="0"/>
                     </a:p>
@@ -11835,7 +13767,7 @@
                     <a:p>
                       <a:r>
                         <a:rPr lang="en-US" dirty="0"/>
-                        <a:t>0</a:t>
+                        <a:t>0.5</a:t>
                       </a:r>
                       <a:endParaRPr lang="en-ID" dirty="0"/>
                     </a:p>
@@ -11887,7 +13819,7 @@
                       </a:pPr>
                       <a:r>
                         <a:rPr lang="en-US" b="1" dirty="0"/>
-                        <a:t>Sum</a:t>
+                        <a:t>Average</a:t>
                       </a:r>
                     </a:p>
                   </a:txBody>
@@ -11910,7 +13842,7 @@
                     <a:p>
                       <a:r>
                         <a:rPr lang="en-US" dirty="0"/>
-                        <a:t>1.7</a:t>
+                        <a:t>0.567</a:t>
                       </a:r>
                       <a:endParaRPr lang="en-ID" dirty="0"/>
                     </a:p>
@@ -11924,7 +13856,7 @@
                     <a:p>
                       <a:r>
                         <a:rPr lang="en-US" dirty="0"/>
-                        <a:t>0.4</a:t>
+                        <a:t>0.1</a:t>
                       </a:r>
                       <a:endParaRPr lang="en-ID" dirty="0"/>
                     </a:p>
@@ -11938,7 +13870,7 @@
                     <a:p>
                       <a:r>
                         <a:rPr lang="en-US" dirty="0"/>
-                        <a:t>0.9</a:t>
+                        <a:t>0.1</a:t>
                       </a:r>
                       <a:endParaRPr lang="en-ID" dirty="0"/>
                     </a:p>
@@ -11952,7 +13884,7 @@
                     <a:p>
                       <a:r>
                         <a:rPr lang="en-US" dirty="0"/>
-                        <a:t>0</a:t>
+                        <a:t>0.53</a:t>
                       </a:r>
                       <a:endParaRPr lang="en-ID" dirty="0"/>
                     </a:p>
@@ -11986,7 +13918,7 @@
     </p:spTree>
     <p:extLst>
       <p:ext uri="{BB962C8B-B14F-4D97-AF65-F5344CB8AC3E}">
-        <p14:creationId xmlns:p14="http://schemas.microsoft.com/office/powerpoint/2010/main" val="2237349357"/>
+        <p14:creationId xmlns:p14="http://schemas.microsoft.com/office/powerpoint/2010/main" val="3830404024"/>
       </p:ext>
     </p:extLst>
   </p:cSld>
@@ -12008,7 +13940,7 @@
 </p:sld>
 </file>
 
-<file path=ppt/slides/slide3.xml><?xml version="1.0" encoding="utf-8"?>
+<file path=ppt/slides/slide33.xml><?xml version="1.0" encoding="utf-8"?>
 <p:sld xmlns:a="http://schemas.openxmlformats.org/drawingml/2006/main" xmlns:r="http://schemas.openxmlformats.org/officeDocument/2006/relationships" xmlns:p="http://schemas.openxmlformats.org/presentationml/2006/main">
   <p:cSld>
     <p:spTree>
@@ -12027,7 +13959,7 @@
       </p:grpSpPr>
       <p:sp>
         <p:nvSpPr>
-          <p:cNvPr id="2" name="Title 1"/>
+          <p:cNvPr id="4" name="Title 3"/>
           <p:cNvSpPr>
             <a:spLocks noGrp="1"/>
           </p:cNvSpPr>
@@ -12042,19 +13974,19 @@
           <a:p>
             <a:r>
               <a:rPr lang="en-US" dirty="0"/>
-              <a:t>Introduction</a:t>
-            </a:r>
-          </a:p>
-        </p:txBody>
-      </p:sp>
-      <p:sp>
-        <p:nvSpPr>
-          <p:cNvPr id="4" name="Text Placeholder 3"/>
-          <p:cNvSpPr>
-            <a:spLocks noGrp="1"/>
-          </p:cNvSpPr>
-          <p:nvPr>
-            <p:ph type="body" sz="half" idx="2"/>
+              <a:t>How did I classify the food taste?</a:t>
+            </a:r>
+          </a:p>
+        </p:txBody>
+      </p:sp>
+      <p:sp>
+        <p:nvSpPr>
+          <p:cNvPr id="2" name="Content Placeholder 1"/>
+          <p:cNvSpPr>
+            <a:spLocks noGrp="1"/>
+          </p:cNvSpPr>
+          <p:nvPr>
+            <p:ph sz="half" idx="1"/>
           </p:nvPr>
         </p:nvSpPr>
         <p:spPr/>
@@ -12062,1027 +13994,25 @@
           <a:bodyPr/>
           <a:lstStyle/>
           <a:p>
-            <a:endParaRPr lang="en-US" dirty="0"/>
-          </a:p>
-        </p:txBody>
-      </p:sp>
-      <p:pic>
-        <p:nvPicPr>
-          <p:cNvPr id="8" name="Picture Placeholder 7">
-            <a:extLst>
-              <a:ext uri="{FF2B5EF4-FFF2-40B4-BE49-F238E27FC236}">
-                <a16:creationId xmlns:a16="http://schemas.microsoft.com/office/drawing/2014/main" id="{B5997900-1E97-DC1B-7E76-10FB7BF94EF4}"/>
-              </a:ext>
-            </a:extLst>
-          </p:cNvPr>
-          <p:cNvPicPr>
-            <a:picLocks noGrp="1" noChangeAspect="1"/>
-          </p:cNvPicPr>
-          <p:nvPr>
-            <p:ph type="pic" idx="1"/>
-          </p:nvPr>
-        </p:nvPicPr>
-        <p:blipFill rotWithShape="1">
-          <a:blip r:embed="rId2">
-            <a:extLst>
-              <a:ext uri="{28A0092B-C50C-407E-A947-70E740481C1C}">
-                <a14:useLocalDpi xmlns:a14="http://schemas.microsoft.com/office/drawing/2010/main" val="0"/>
-              </a:ext>
-            </a:extLst>
-          </a:blip>
-          <a:srcRect l="8522" t="8637" r="9726" b="23309"/>
-          <a:stretch/>
-        </p:blipFill>
-        <p:spPr>
-          <a:xfrm>
-            <a:off x="837828" y="509363"/>
-            <a:ext cx="5760640" cy="5839273"/>
-          </a:xfrm>
-        </p:spPr>
-      </p:pic>
-    </p:spTree>
-    <p:extLst>
-      <p:ext uri="{BB962C8B-B14F-4D97-AF65-F5344CB8AC3E}">
-        <p14:creationId xmlns:p14="http://schemas.microsoft.com/office/powerpoint/2010/main" val="3497384487"/>
-      </p:ext>
-    </p:extLst>
-  </p:cSld>
-  <p:clrMapOvr>
-    <a:masterClrMapping/>
-  </p:clrMapOvr>
-  <mc:AlternateContent xmlns:mc="http://schemas.openxmlformats.org/markup-compatibility/2006" xmlns:p14="http://schemas.microsoft.com/office/powerpoint/2010/main">
-    <mc:Choice Requires="p14">
-      <p:transition spd="med" p14:dur="700">
-        <p:fade/>
-      </p:transition>
-    </mc:Choice>
-    <mc:Fallback xmlns="">
-      <p:transition spd="med">
-        <p:fade/>
-      </p:transition>
-    </mc:Fallback>
-  </mc:AlternateContent>
-</p:sld>
-</file>
-
-<file path=ppt/slides/slide30.xml><?xml version="1.0" encoding="utf-8"?>
-<p:sld xmlns:a="http://schemas.openxmlformats.org/drawingml/2006/main" xmlns:r="http://schemas.openxmlformats.org/officeDocument/2006/relationships" xmlns:p="http://schemas.openxmlformats.org/presentationml/2006/main">
-  <p:cSld>
-    <p:spTree>
-      <p:nvGrpSpPr>
-        <p:cNvPr id="1" name=""/>
-        <p:cNvGrpSpPr/>
-        <p:nvPr/>
-      </p:nvGrpSpPr>
-      <p:grpSpPr>
-        <a:xfrm>
-          <a:off x="0" y="0"/>
-          <a:ext cx="0" cy="0"/>
-          <a:chOff x="0" y="0"/>
-          <a:chExt cx="0" cy="0"/>
-        </a:xfrm>
-      </p:grpSpPr>
-      <p:sp>
-        <p:nvSpPr>
-          <p:cNvPr id="5" name="Title 4">
-            <a:extLst>
-              <a:ext uri="{FF2B5EF4-FFF2-40B4-BE49-F238E27FC236}">
-                <a16:creationId xmlns:a16="http://schemas.microsoft.com/office/drawing/2014/main" id="{ABA92AD0-7B94-DA05-7C17-EA1244F3B12C}"/>
-              </a:ext>
-            </a:extLst>
-          </p:cNvPr>
-          <p:cNvSpPr>
-            <a:spLocks noGrp="1"/>
-          </p:cNvSpPr>
-          <p:nvPr>
-            <p:ph type="title"/>
-          </p:nvPr>
-        </p:nvSpPr>
-        <p:spPr/>
-        <p:txBody>
-          <a:bodyPr/>
-          <a:lstStyle/>
-          <a:p>
-            <a:r>
-              <a:rPr lang="en-US" dirty="0"/>
-              <a:t>How to classify food taste?</a:t>
-            </a:r>
-            <a:endParaRPr lang="en-ID" dirty="0"/>
-          </a:p>
-        </p:txBody>
-      </p:sp>
-      <p:sp>
-        <p:nvSpPr>
-          <p:cNvPr id="6" name="Content Placeholder 5">
-            <a:extLst>
-              <a:ext uri="{FF2B5EF4-FFF2-40B4-BE49-F238E27FC236}">
-                <a16:creationId xmlns:a16="http://schemas.microsoft.com/office/drawing/2014/main" id="{4400EB5E-259F-0A0B-5749-ED1778081BAE}"/>
-              </a:ext>
-            </a:extLst>
-          </p:cNvPr>
-          <p:cNvSpPr>
-            <a:spLocks noGrp="1"/>
-          </p:cNvSpPr>
-          <p:nvPr>
-            <p:ph idx="1"/>
-          </p:nvPr>
-        </p:nvSpPr>
-        <p:spPr/>
-        <p:txBody>
-          <a:bodyPr/>
-          <a:lstStyle/>
-          <a:p>
-            <a:r>
-              <a:rPr lang="en-US" dirty="0"/>
-              <a:t>Since the ratio of sweet and ratio of sour are both more than 0.2, then we can say that “</a:t>
-            </a:r>
-            <a:r>
-              <a:rPr lang="en-US" i="1" dirty="0"/>
-              <a:t>Apple a Day Milk Shake</a:t>
-            </a:r>
-            <a:r>
-              <a:rPr lang="en-US" dirty="0"/>
-              <a:t>” is sweet and sour.</a:t>
-            </a:r>
-          </a:p>
-          <a:p>
-            <a:r>
-              <a:rPr lang="en-US" dirty="0"/>
-              <a:t> Wow, cool!</a:t>
-            </a:r>
-          </a:p>
-        </p:txBody>
-      </p:sp>
-      <p:graphicFrame>
-        <p:nvGraphicFramePr>
-          <p:cNvPr id="2" name="Table 2">
-            <a:extLst>
-              <a:ext uri="{FF2B5EF4-FFF2-40B4-BE49-F238E27FC236}">
-                <a16:creationId xmlns:a16="http://schemas.microsoft.com/office/drawing/2014/main" id="{9FC53719-D2A2-6F4B-67E0-DEFB99BA9E81}"/>
-              </a:ext>
-            </a:extLst>
-          </p:cNvPr>
-          <p:cNvGraphicFramePr>
-            <a:graphicFrameLocks noGrp="1"/>
-          </p:cNvGraphicFramePr>
-          <p:nvPr/>
-        </p:nvGraphicFramePr>
-        <p:xfrm>
-          <a:off x="2205980" y="3913215"/>
-          <a:ext cx="8125887" cy="2123440"/>
-        </p:xfrm>
-        <a:graphic>
-          <a:graphicData uri="http://schemas.openxmlformats.org/drawingml/2006/table">
-            <a:tbl>
-              <a:tblPr firstRow="1" bandRow="1">
-                <a:tableStyleId>{5C22544A-7EE6-4342-B048-85BDC9FD1C3A}</a:tableStyleId>
-              </a:tblPr>
-              <a:tblGrid>
-                <a:gridCol w="1160841">
-                  <a:extLst>
-                    <a:ext uri="{9D8B030D-6E8A-4147-A177-3AD203B41FA5}">
-                      <a16:colId xmlns:a16="http://schemas.microsoft.com/office/drawing/2014/main" val="1119158727"/>
-                    </a:ext>
-                  </a:extLst>
-                </a:gridCol>
-                <a:gridCol w="1160841">
-                  <a:extLst>
-                    <a:ext uri="{9D8B030D-6E8A-4147-A177-3AD203B41FA5}">
-                      <a16:colId xmlns:a16="http://schemas.microsoft.com/office/drawing/2014/main" val="2397534808"/>
-                    </a:ext>
-                  </a:extLst>
-                </a:gridCol>
-                <a:gridCol w="1160841">
-                  <a:extLst>
-                    <a:ext uri="{9D8B030D-6E8A-4147-A177-3AD203B41FA5}">
-                      <a16:colId xmlns:a16="http://schemas.microsoft.com/office/drawing/2014/main" val="298267615"/>
-                    </a:ext>
-                  </a:extLst>
-                </a:gridCol>
-                <a:gridCol w="1160841">
-                  <a:extLst>
-                    <a:ext uri="{9D8B030D-6E8A-4147-A177-3AD203B41FA5}">
-                      <a16:colId xmlns:a16="http://schemas.microsoft.com/office/drawing/2014/main" val="2277265237"/>
-                    </a:ext>
-                  </a:extLst>
-                </a:gridCol>
-                <a:gridCol w="1160841">
-                  <a:extLst>
-                    <a:ext uri="{9D8B030D-6E8A-4147-A177-3AD203B41FA5}">
-                      <a16:colId xmlns:a16="http://schemas.microsoft.com/office/drawing/2014/main" val="2992933627"/>
-                    </a:ext>
-                  </a:extLst>
-                </a:gridCol>
-                <a:gridCol w="1160841">
-                  <a:extLst>
-                    <a:ext uri="{9D8B030D-6E8A-4147-A177-3AD203B41FA5}">
-                      <a16:colId xmlns:a16="http://schemas.microsoft.com/office/drawing/2014/main" val="1203521368"/>
-                    </a:ext>
-                  </a:extLst>
-                </a:gridCol>
-                <a:gridCol w="1160841">
-                  <a:extLst>
-                    <a:ext uri="{9D8B030D-6E8A-4147-A177-3AD203B41FA5}">
-                      <a16:colId xmlns:a16="http://schemas.microsoft.com/office/drawing/2014/main" val="380577464"/>
-                    </a:ext>
-                  </a:extLst>
-                </a:gridCol>
-              </a:tblGrid>
-              <a:tr h="370840">
-                <a:tc>
-                  <a:txBody>
-                    <a:bodyPr/>
-                    <a:lstStyle/>
-                    <a:p>
-                      <a:r>
-                        <a:rPr lang="en-US" dirty="0"/>
-                        <a:t>food</a:t>
-                      </a:r>
-                      <a:endParaRPr lang="en-ID" dirty="0"/>
-                    </a:p>
-                  </a:txBody>
-                  <a:tcPr/>
-                </a:tc>
-                <a:tc>
-                  <a:txBody>
-                    <a:bodyPr/>
-                    <a:lstStyle/>
-                    <a:p>
-                      <a:r>
-                        <a:rPr lang="en-US" dirty="0"/>
-                        <a:t>ingredients</a:t>
-                      </a:r>
-                      <a:endParaRPr lang="en-ID" dirty="0"/>
-                    </a:p>
-                  </a:txBody>
-                  <a:tcPr/>
-                </a:tc>
-                <a:tc>
-                  <a:txBody>
-                    <a:bodyPr/>
-                    <a:lstStyle/>
-                    <a:p>
-                      <a:r>
-                        <a:rPr lang="en-US" dirty="0"/>
-                        <a:t>sweet</a:t>
-                      </a:r>
-                      <a:endParaRPr lang="en-ID" dirty="0"/>
-                    </a:p>
-                  </a:txBody>
-                  <a:tcPr/>
-                </a:tc>
-                <a:tc>
-                  <a:txBody>
-                    <a:bodyPr/>
-                    <a:lstStyle/>
-                    <a:p>
-                      <a:r>
-                        <a:rPr lang="en-US" dirty="0"/>
-                        <a:t>salty</a:t>
-                      </a:r>
-                      <a:endParaRPr lang="en-ID" dirty="0"/>
-                    </a:p>
-                  </a:txBody>
-                  <a:tcPr/>
-                </a:tc>
-                <a:tc>
-                  <a:txBody>
-                    <a:bodyPr/>
-                    <a:lstStyle/>
-                    <a:p>
-                      <a:r>
-                        <a:rPr lang="en-US" dirty="0"/>
-                        <a:t>sour</a:t>
-                      </a:r>
-                      <a:endParaRPr lang="en-ID" dirty="0"/>
-                    </a:p>
-                  </a:txBody>
-                  <a:tcPr/>
-                </a:tc>
-                <a:tc>
-                  <a:txBody>
-                    <a:bodyPr/>
-                    <a:lstStyle/>
-                    <a:p>
-                      <a:r>
-                        <a:rPr lang="en-US" dirty="0"/>
-                        <a:t>bitter</a:t>
-                      </a:r>
-                      <a:endParaRPr lang="en-ID" dirty="0"/>
-                    </a:p>
-                  </a:txBody>
-                  <a:tcPr/>
-                </a:tc>
-                <a:tc>
-                  <a:txBody>
-                    <a:bodyPr/>
-                    <a:lstStyle/>
-                    <a:p>
-                      <a:r>
-                        <a:rPr lang="en-US" dirty="0"/>
-                        <a:t>spicy</a:t>
-                      </a:r>
-                      <a:endParaRPr lang="en-ID" dirty="0"/>
-                    </a:p>
-                  </a:txBody>
-                  <a:tcPr/>
-                </a:tc>
-                <a:extLst>
-                  <a:ext uri="{0D108BD9-81ED-4DB2-BD59-A6C34878D82A}">
-                    <a16:rowId xmlns:a16="http://schemas.microsoft.com/office/drawing/2014/main" val="659795165"/>
-                  </a:ext>
-                </a:extLst>
-              </a:tr>
-              <a:tr h="370840">
-                <a:tc rowSpan="3">
-                  <a:txBody>
-                    <a:bodyPr/>
-                    <a:lstStyle/>
-                    <a:p>
-                      <a:pPr marL="0" marR="0" lvl="0" indent="0" algn="l" defTabSz="914400" rtl="0" eaLnBrk="1" fontAlgn="auto" latinLnBrk="0" hangingPunct="1">
-                        <a:lnSpc>
-                          <a:spcPct val="100000"/>
-                        </a:lnSpc>
-                        <a:spcBef>
-                          <a:spcPts val="0"/>
-                        </a:spcBef>
-                        <a:spcAft>
-                          <a:spcPts val="0"/>
-                        </a:spcAft>
-                        <a:buClrTx/>
-                        <a:buSzTx/>
-                        <a:buFontTx/>
-                        <a:buNone/>
-                        <a:tabLst/>
-                        <a:defRPr/>
-                      </a:pPr>
-                      <a:r>
-                        <a:rPr lang="en-US" dirty="0"/>
-                        <a:t>Apple a Day Milk Shake</a:t>
-                      </a:r>
-                    </a:p>
-                  </a:txBody>
-                  <a:tcPr/>
-                </a:tc>
-                <a:tc>
-                  <a:txBody>
-                    <a:bodyPr/>
-                    <a:lstStyle/>
-                    <a:p>
-                      <a:r>
-                        <a:rPr lang="en-US" dirty="0"/>
-                        <a:t>Milk</a:t>
-                      </a:r>
-                      <a:endParaRPr lang="en-ID" dirty="0"/>
-                    </a:p>
-                  </a:txBody>
-                  <a:tcPr/>
-                </a:tc>
-                <a:tc>
-                  <a:txBody>
-                    <a:bodyPr/>
-                    <a:lstStyle/>
-                    <a:p>
-                      <a:r>
-                        <a:rPr lang="en-US" dirty="0"/>
-                        <a:t>0.9</a:t>
-                      </a:r>
-                      <a:endParaRPr lang="en-ID" dirty="0"/>
-                    </a:p>
-                  </a:txBody>
-                  <a:tcPr/>
-                </a:tc>
-                <a:tc>
-                  <a:txBody>
-                    <a:bodyPr/>
-                    <a:lstStyle/>
-                    <a:p>
-                      <a:r>
-                        <a:rPr lang="en-US" dirty="0"/>
-                        <a:t>0.1</a:t>
-                      </a:r>
-                      <a:endParaRPr lang="en-ID" dirty="0"/>
-                    </a:p>
-                  </a:txBody>
-                  <a:tcPr/>
-                </a:tc>
-                <a:tc>
-                  <a:txBody>
-                    <a:bodyPr/>
-                    <a:lstStyle/>
-                    <a:p>
-                      <a:r>
-                        <a:rPr lang="en-US" dirty="0"/>
-                        <a:t>0</a:t>
-                      </a:r>
-                      <a:endParaRPr lang="en-ID" dirty="0"/>
-                    </a:p>
-                  </a:txBody>
-                  <a:tcPr/>
-                </a:tc>
-                <a:tc>
-                  <a:txBody>
-                    <a:bodyPr/>
-                    <a:lstStyle/>
-                    <a:p>
-                      <a:r>
-                        <a:rPr lang="en-US" dirty="0"/>
-                        <a:t>0</a:t>
-                      </a:r>
-                      <a:endParaRPr lang="en-ID" dirty="0"/>
-                    </a:p>
-                  </a:txBody>
-                  <a:tcPr/>
-                </a:tc>
-                <a:tc>
-                  <a:txBody>
-                    <a:bodyPr/>
-                    <a:lstStyle/>
-                    <a:p>
-                      <a:r>
-                        <a:rPr lang="en-US" dirty="0"/>
-                        <a:t>0</a:t>
-                      </a:r>
-                      <a:endParaRPr lang="en-ID" dirty="0"/>
-                    </a:p>
-                  </a:txBody>
-                  <a:tcPr/>
-                </a:tc>
-                <a:extLst>
-                  <a:ext uri="{0D108BD9-81ED-4DB2-BD59-A6C34878D82A}">
-                    <a16:rowId xmlns:a16="http://schemas.microsoft.com/office/drawing/2014/main" val="516488368"/>
-                  </a:ext>
-                </a:extLst>
-              </a:tr>
-              <a:tr h="370840">
-                <a:tc vMerge="1">
-                  <a:txBody>
-                    <a:bodyPr/>
-                    <a:lstStyle/>
-                    <a:p>
-                      <a:pPr marL="0" marR="0" lvl="0" indent="0" algn="l" defTabSz="914400" rtl="0" eaLnBrk="1" fontAlgn="auto" latinLnBrk="0" hangingPunct="1">
-                        <a:lnSpc>
-                          <a:spcPct val="100000"/>
-                        </a:lnSpc>
-                        <a:spcBef>
-                          <a:spcPts val="0"/>
-                        </a:spcBef>
-                        <a:spcAft>
-                          <a:spcPts val="0"/>
-                        </a:spcAft>
-                        <a:buClrTx/>
-                        <a:buSzTx/>
-                        <a:buFontTx/>
-                        <a:buNone/>
-                        <a:tabLst/>
-                        <a:defRPr/>
-                      </a:pPr>
-                      <a:endParaRPr lang="en-US" dirty="0"/>
-                    </a:p>
-                  </a:txBody>
-                  <a:tcPr/>
-                </a:tc>
-                <a:tc>
-                  <a:txBody>
-                    <a:bodyPr/>
-                    <a:lstStyle/>
-                    <a:p>
-                      <a:r>
-                        <a:rPr lang="en-US" dirty="0"/>
-                        <a:t>Vanilla</a:t>
-                      </a:r>
-                      <a:endParaRPr lang="en-ID" dirty="0"/>
-                    </a:p>
-                  </a:txBody>
-                  <a:tcPr/>
-                </a:tc>
-                <a:tc>
-                  <a:txBody>
-                    <a:bodyPr/>
-                    <a:lstStyle/>
-                    <a:p>
-                      <a:r>
-                        <a:rPr lang="en-US" dirty="0"/>
-                        <a:t>0.2</a:t>
-                      </a:r>
-                      <a:endParaRPr lang="en-ID" dirty="0"/>
-                    </a:p>
-                  </a:txBody>
-                  <a:tcPr/>
-                </a:tc>
-                <a:tc>
-                  <a:txBody>
-                    <a:bodyPr/>
-                    <a:lstStyle/>
-                    <a:p>
-                      <a:r>
-                        <a:rPr lang="en-US" dirty="0"/>
-                        <a:t>0.3</a:t>
-                      </a:r>
-                      <a:endParaRPr lang="en-ID" dirty="0"/>
-                    </a:p>
-                  </a:txBody>
-                  <a:tcPr/>
-                </a:tc>
-                <a:tc>
-                  <a:txBody>
-                    <a:bodyPr/>
-                    <a:lstStyle/>
-                    <a:p>
-                      <a:r>
-                        <a:rPr lang="en-US" dirty="0"/>
-                        <a:t>0.5</a:t>
-                      </a:r>
-                      <a:endParaRPr lang="en-ID" dirty="0"/>
-                    </a:p>
-                  </a:txBody>
-                  <a:tcPr/>
-                </a:tc>
-                <a:tc>
-                  <a:txBody>
-                    <a:bodyPr/>
-                    <a:lstStyle/>
-                    <a:p>
-                      <a:r>
-                        <a:rPr lang="en-US" dirty="0"/>
-                        <a:t>0</a:t>
-                      </a:r>
-                      <a:endParaRPr lang="en-ID" dirty="0"/>
-                    </a:p>
-                  </a:txBody>
-                  <a:tcPr/>
-                </a:tc>
-                <a:tc>
-                  <a:txBody>
-                    <a:bodyPr/>
-                    <a:lstStyle/>
-                    <a:p>
-                      <a:r>
-                        <a:rPr lang="en-US" dirty="0"/>
-                        <a:t>0</a:t>
-                      </a:r>
-                      <a:endParaRPr lang="en-ID" dirty="0"/>
-                    </a:p>
-                  </a:txBody>
-                  <a:tcPr/>
-                </a:tc>
-                <a:extLst>
-                  <a:ext uri="{0D108BD9-81ED-4DB2-BD59-A6C34878D82A}">
-                    <a16:rowId xmlns:a16="http://schemas.microsoft.com/office/drawing/2014/main" val="573210463"/>
-                  </a:ext>
-                </a:extLst>
-              </a:tr>
-              <a:tr h="370840">
-                <a:tc vMerge="1">
-                  <a:txBody>
-                    <a:bodyPr/>
-                    <a:lstStyle/>
-                    <a:p>
-                      <a:pPr marL="0" marR="0" lvl="0" indent="0" algn="l" defTabSz="914400" rtl="0" eaLnBrk="1" fontAlgn="auto" latinLnBrk="0" hangingPunct="1">
-                        <a:lnSpc>
-                          <a:spcPct val="100000"/>
-                        </a:lnSpc>
-                        <a:spcBef>
-                          <a:spcPts val="0"/>
-                        </a:spcBef>
-                        <a:spcAft>
-                          <a:spcPts val="0"/>
-                        </a:spcAft>
-                        <a:buClrTx/>
-                        <a:buSzTx/>
-                        <a:buFontTx/>
-                        <a:buNone/>
-                        <a:tabLst/>
-                        <a:defRPr/>
-                      </a:pPr>
-                      <a:endParaRPr lang="en-US" dirty="0"/>
-                    </a:p>
-                  </a:txBody>
-                  <a:tcPr/>
-                </a:tc>
-                <a:tc>
-                  <a:txBody>
-                    <a:bodyPr/>
-                    <a:lstStyle/>
-                    <a:p>
-                      <a:r>
-                        <a:rPr lang="en-US" dirty="0"/>
-                        <a:t>Apple</a:t>
-                      </a:r>
-                      <a:endParaRPr lang="en-ID" dirty="0"/>
-                    </a:p>
-                  </a:txBody>
-                  <a:tcPr/>
-                </a:tc>
-                <a:tc>
-                  <a:txBody>
-                    <a:bodyPr/>
-                    <a:lstStyle/>
-                    <a:p>
-                      <a:r>
-                        <a:rPr lang="en-US" dirty="0"/>
-                        <a:t>0.6</a:t>
-                      </a:r>
-                      <a:endParaRPr lang="en-ID" dirty="0"/>
-                    </a:p>
-                  </a:txBody>
-                  <a:tcPr/>
-                </a:tc>
-                <a:tc>
-                  <a:txBody>
-                    <a:bodyPr/>
-                    <a:lstStyle/>
-                    <a:p>
-                      <a:r>
-                        <a:rPr lang="en-US" dirty="0"/>
-                        <a:t>0</a:t>
-                      </a:r>
-                      <a:endParaRPr lang="en-ID" dirty="0"/>
-                    </a:p>
-                  </a:txBody>
-                  <a:tcPr/>
-                </a:tc>
-                <a:tc>
-                  <a:txBody>
-                    <a:bodyPr/>
-                    <a:lstStyle/>
-                    <a:p>
-                      <a:r>
-                        <a:rPr lang="en-US" dirty="0"/>
-                        <a:t>0.4</a:t>
-                      </a:r>
-                      <a:endParaRPr lang="en-ID" dirty="0"/>
-                    </a:p>
-                  </a:txBody>
-                  <a:tcPr/>
-                </a:tc>
-                <a:tc>
-                  <a:txBody>
-                    <a:bodyPr/>
-                    <a:lstStyle/>
-                    <a:p>
-                      <a:r>
-                        <a:rPr lang="en-US" dirty="0"/>
-                        <a:t>0</a:t>
-                      </a:r>
-                      <a:endParaRPr lang="en-ID" dirty="0"/>
-                    </a:p>
-                  </a:txBody>
-                  <a:tcPr/>
-                </a:tc>
-                <a:tc>
-                  <a:txBody>
-                    <a:bodyPr/>
-                    <a:lstStyle/>
-                    <a:p>
-                      <a:r>
-                        <a:rPr lang="en-US" dirty="0"/>
-                        <a:t>0</a:t>
-                      </a:r>
-                      <a:endParaRPr lang="en-ID" dirty="0"/>
-                    </a:p>
-                  </a:txBody>
-                  <a:tcPr/>
-                </a:tc>
-                <a:extLst>
-                  <a:ext uri="{0D108BD9-81ED-4DB2-BD59-A6C34878D82A}">
-                    <a16:rowId xmlns:a16="http://schemas.microsoft.com/office/drawing/2014/main" val="206000489"/>
-                  </a:ext>
-                </a:extLst>
-              </a:tr>
-              <a:tr h="370840">
-                <a:tc gridSpan="2">
-                  <a:txBody>
-                    <a:bodyPr/>
-                    <a:lstStyle/>
-                    <a:p>
-                      <a:pPr marL="0" marR="0" lvl="0" indent="0" algn="ctr" defTabSz="914400" rtl="0" eaLnBrk="1" fontAlgn="auto" latinLnBrk="0" hangingPunct="1">
-                        <a:lnSpc>
-                          <a:spcPct val="100000"/>
-                        </a:lnSpc>
-                        <a:spcBef>
-                          <a:spcPts val="0"/>
-                        </a:spcBef>
-                        <a:spcAft>
-                          <a:spcPts val="0"/>
-                        </a:spcAft>
-                        <a:buClrTx/>
-                        <a:buSzTx/>
-                        <a:buFontTx/>
-                        <a:buNone/>
-                        <a:tabLst/>
-                        <a:defRPr/>
-                      </a:pPr>
-                      <a:r>
-                        <a:rPr lang="en-US" b="1" dirty="0"/>
-                        <a:t>Sum</a:t>
-                      </a:r>
-                    </a:p>
-                  </a:txBody>
-                  <a:tcPr anchor="ctr"/>
-                </a:tc>
-                <a:tc hMerge="1">
-                  <a:txBody>
-                    <a:bodyPr/>
-                    <a:lstStyle/>
-                    <a:p>
-                      <a:endParaRPr lang="en-ID" dirty="0"/>
-                    </a:p>
-                  </a:txBody>
-                  <a:tcPr/>
-                </a:tc>
-                <a:tc>
-                  <a:txBody>
-                    <a:bodyPr/>
-                    <a:lstStyle/>
-                    <a:p>
-                      <a:r>
-                        <a:rPr lang="en-US" dirty="0"/>
-                        <a:t>1.7</a:t>
-                      </a:r>
-                      <a:endParaRPr lang="en-ID" dirty="0"/>
-                    </a:p>
-                  </a:txBody>
-                  <a:tcPr/>
-                </a:tc>
-                <a:tc>
-                  <a:txBody>
-                    <a:bodyPr/>
-                    <a:lstStyle/>
-                    <a:p>
-                      <a:r>
-                        <a:rPr lang="en-US" dirty="0"/>
-                        <a:t>0.4</a:t>
-                      </a:r>
-                      <a:endParaRPr lang="en-ID" dirty="0"/>
-                    </a:p>
-                  </a:txBody>
-                  <a:tcPr/>
-                </a:tc>
-                <a:tc>
-                  <a:txBody>
-                    <a:bodyPr/>
-                    <a:lstStyle/>
-                    <a:p>
-                      <a:r>
-                        <a:rPr lang="en-US" dirty="0"/>
-                        <a:t>0.9</a:t>
-                      </a:r>
-                      <a:endParaRPr lang="en-ID" dirty="0"/>
-                    </a:p>
-                  </a:txBody>
-                  <a:tcPr/>
-                </a:tc>
-                <a:tc>
-                  <a:txBody>
-                    <a:bodyPr/>
-                    <a:lstStyle/>
-                    <a:p>
-                      <a:r>
-                        <a:rPr lang="en-US" dirty="0"/>
-                        <a:t>0</a:t>
-                      </a:r>
-                      <a:endParaRPr lang="en-ID" dirty="0"/>
-                    </a:p>
-                  </a:txBody>
-                  <a:tcPr/>
-                </a:tc>
-                <a:tc>
-                  <a:txBody>
-                    <a:bodyPr/>
-                    <a:lstStyle/>
-                    <a:p>
-                      <a:r>
-                        <a:rPr lang="en-US" dirty="0"/>
-                        <a:t>0</a:t>
-                      </a:r>
-                      <a:endParaRPr lang="en-ID" dirty="0"/>
-                    </a:p>
-                  </a:txBody>
-                  <a:tcPr/>
-                </a:tc>
-                <a:extLst>
-                  <a:ext uri="{0D108BD9-81ED-4DB2-BD59-A6C34878D82A}">
-                    <a16:rowId xmlns:a16="http://schemas.microsoft.com/office/drawing/2014/main" val="2016820316"/>
-                  </a:ext>
-                </a:extLst>
-              </a:tr>
-            </a:tbl>
-          </a:graphicData>
-        </a:graphic>
-      </p:graphicFrame>
-    </p:spTree>
-    <p:extLst>
-      <p:ext uri="{BB962C8B-B14F-4D97-AF65-F5344CB8AC3E}">
-        <p14:creationId xmlns:p14="http://schemas.microsoft.com/office/powerpoint/2010/main" val="2417765678"/>
-      </p:ext>
-    </p:extLst>
-  </p:cSld>
-  <p:clrMapOvr>
-    <a:masterClrMapping/>
-  </p:clrMapOvr>
-  <mc:AlternateContent xmlns:mc="http://schemas.openxmlformats.org/markup-compatibility/2006" xmlns:p14="http://schemas.microsoft.com/office/powerpoint/2010/main">
-    <mc:Choice Requires="p14">
-      <p:transition spd="med" p14:dur="700">
-        <p:fade/>
-      </p:transition>
-    </mc:Choice>
-    <mc:Fallback xmlns="">
-      <p:transition spd="med">
-        <p:fade/>
-      </p:transition>
-    </mc:Fallback>
-  </mc:AlternateContent>
-</p:sld>
-</file>
-
-<file path=ppt/slides/slide31.xml><?xml version="1.0" encoding="utf-8"?>
-<p:sld xmlns:a="http://schemas.openxmlformats.org/drawingml/2006/main" xmlns:r="http://schemas.openxmlformats.org/officeDocument/2006/relationships" xmlns:p="http://schemas.openxmlformats.org/presentationml/2006/main">
-  <p:cSld>
-    <p:spTree>
-      <p:nvGrpSpPr>
-        <p:cNvPr id="1" name=""/>
-        <p:cNvGrpSpPr/>
-        <p:nvPr/>
-      </p:nvGrpSpPr>
-      <p:grpSpPr>
-        <a:xfrm>
-          <a:off x="0" y="0"/>
-          <a:ext cx="0" cy="0"/>
-          <a:chOff x="0" y="0"/>
-          <a:chExt cx="0" cy="0"/>
-        </a:xfrm>
-      </p:grpSpPr>
-      <p:sp>
-        <p:nvSpPr>
-          <p:cNvPr id="4" name="Title 3"/>
-          <p:cNvSpPr>
-            <a:spLocks noGrp="1"/>
-          </p:cNvSpPr>
-          <p:nvPr>
-            <p:ph type="title"/>
-          </p:nvPr>
-        </p:nvSpPr>
-        <p:spPr/>
-        <p:txBody>
-          <a:bodyPr/>
-          <a:lstStyle/>
-          <a:p>
-            <a:r>
-              <a:rPr lang="en-US" dirty="0"/>
-              <a:t>How to classify food taste?</a:t>
-            </a:r>
-          </a:p>
-        </p:txBody>
-      </p:sp>
-      <mc:AlternateContent xmlns:mc="http://schemas.openxmlformats.org/markup-compatibility/2006" xmlns:a14="http://schemas.microsoft.com/office/drawing/2010/main">
-        <mc:Choice Requires="a14">
-          <p:sp>
-            <p:nvSpPr>
-              <p:cNvPr id="2" name="Content Placeholder 1"/>
-              <p:cNvSpPr>
-                <a:spLocks noGrp="1"/>
-              </p:cNvSpPr>
-              <p:nvPr>
-                <p:ph sz="half" idx="1"/>
-              </p:nvPr>
-            </p:nvSpPr>
-            <p:spPr/>
-            <p:txBody>
-              <a:bodyPr/>
-              <a:lstStyle/>
-              <a:p>
-                <a:r>
-                  <a:rPr lang="en-US" dirty="0"/>
-                  <a:t>But, why must </a:t>
-                </a:r>
-                <a14:m>
-                  <m:oMath xmlns:m="http://schemas.openxmlformats.org/officeDocument/2006/math">
-                    <m:f>
-                      <m:fPr>
-                        <m:ctrlPr>
-                          <a:rPr lang="en-US" b="0" i="1" smtClean="0">
-                            <a:latin typeface="Cambria Math" panose="02040503050406030204" pitchFamily="18" charset="0"/>
-                          </a:rPr>
-                        </m:ctrlPr>
-                      </m:fPr>
-                      <m:num>
-                        <m:r>
-                          <a:rPr lang="en-US" b="0" i="1" smtClean="0">
-                            <a:latin typeface="Cambria Math" panose="02040503050406030204" pitchFamily="18" charset="0"/>
-                          </a:rPr>
-                          <m:t>1</m:t>
-                        </m:r>
-                      </m:num>
-                      <m:den>
-                        <m:r>
-                          <a:rPr lang="en-US" b="0" i="1" smtClean="0">
-                            <a:latin typeface="Cambria Math" panose="02040503050406030204" pitchFamily="18" charset="0"/>
-                          </a:rPr>
-                          <m:t>5</m:t>
-                        </m:r>
-                      </m:den>
-                    </m:f>
-                  </m:oMath>
-                </a14:m>
-                <a:r>
-                  <a:rPr lang="en-US" dirty="0"/>
-                  <a:t> or 0.2?</a:t>
-                </a:r>
-              </a:p>
-              <a:p>
-                <a:r>
-                  <a:rPr lang="en-US" dirty="0"/>
-                  <a:t>Well, it’s just a threshold. So, it’s up to you how to choose it. </a:t>
-                </a:r>
-                <a:r>
-                  <a:rPr lang="en-US" dirty="0">
-                    <a:sym typeface="Wingdings" panose="05000000000000000000" pitchFamily="2" charset="2"/>
-                  </a:rPr>
-                  <a:t></a:t>
-                </a:r>
-              </a:p>
-              <a:p>
-                <a:r>
-                  <a:rPr lang="en-US" dirty="0">
-                    <a:sym typeface="Wingdings" panose="05000000000000000000" pitchFamily="2" charset="2"/>
-                  </a:rPr>
-                  <a:t>For me, it’s because there are 5 tastes and </a:t>
-                </a:r>
-                <a14:m>
-                  <m:oMath xmlns:m="http://schemas.openxmlformats.org/officeDocument/2006/math">
-                    <m:f>
-                      <m:fPr>
-                        <m:ctrlPr>
-                          <a:rPr lang="en-US" b="0" i="1" smtClean="0">
-                            <a:latin typeface="Cambria Math" panose="02040503050406030204" pitchFamily="18" charset="0"/>
-                            <a:sym typeface="Wingdings" panose="05000000000000000000" pitchFamily="2" charset="2"/>
-                          </a:rPr>
-                        </m:ctrlPr>
-                      </m:fPr>
-                      <m:num>
-                        <m:r>
-                          <a:rPr lang="en-US" b="0" i="1" smtClean="0">
-                            <a:latin typeface="Cambria Math" panose="02040503050406030204" pitchFamily="18" charset="0"/>
-                            <a:sym typeface="Wingdings" panose="05000000000000000000" pitchFamily="2" charset="2"/>
-                          </a:rPr>
-                          <m:t>1</m:t>
-                        </m:r>
-                      </m:num>
-                      <m:den>
-                        <m:r>
-                          <a:rPr lang="en-US" b="0" i="1" smtClean="0">
-                            <a:latin typeface="Cambria Math" panose="02040503050406030204" pitchFamily="18" charset="0"/>
-                            <a:sym typeface="Wingdings" panose="05000000000000000000" pitchFamily="2" charset="2"/>
-                          </a:rPr>
-                          <m:t>5</m:t>
-                        </m:r>
-                      </m:den>
-                    </m:f>
-                  </m:oMath>
-                </a14:m>
-                <a:r>
-                  <a:rPr lang="en-US" dirty="0"/>
-                  <a:t> is the average ratio for each taste.</a:t>
-                </a:r>
-              </a:p>
-            </p:txBody>
-          </p:sp>
-        </mc:Choice>
-        <mc:Fallback xmlns="">
-          <p:sp>
-            <p:nvSpPr>
-              <p:cNvPr id="2" name="Content Placeholder 1"/>
-              <p:cNvSpPr>
-                <a:spLocks noGrp="1" noRot="1" noChangeAspect="1" noMove="1" noResize="1" noEditPoints="1" noAdjustHandles="1" noChangeArrowheads="1" noChangeShapeType="1" noTextEdit="1"/>
-              </p:cNvSpPr>
-              <p:nvPr>
-                <p:ph sz="half" idx="1"/>
-              </p:nvPr>
-            </p:nvSpPr>
-            <p:spPr>
-              <a:blipFill>
-                <a:blip r:embed="rId2"/>
-                <a:stretch>
-                  <a:fillRect l="-136" t="-404"/>
-                </a:stretch>
-              </a:blipFill>
-            </p:spPr>
-            <p:txBody>
-              <a:bodyPr/>
-              <a:lstStyle/>
-              <a:p>
-                <a:r>
-                  <a:rPr lang="en-ID">
-                    <a:noFill/>
-                  </a:rPr>
-                  <a:t> </a:t>
-                </a:r>
-              </a:p>
-            </p:txBody>
-          </p:sp>
-        </mc:Fallback>
-      </mc:AlternateContent>
+            <a:r>
+              <a:rPr lang="en-US" dirty="0"/>
+              <a:t>But, why must 0.5?</a:t>
+            </a:r>
+          </a:p>
+          <a:p>
+            <a:r>
+              <a:rPr lang="en-US" dirty="0"/>
+              <a:t>Well, it’s just a threshold. So, it’s up to you on how to choose it. </a:t>
+            </a:r>
+            <a:r>
+              <a:rPr lang="en-US" dirty="0">
+                <a:sym typeface="Wingdings" panose="05000000000000000000" pitchFamily="2" charset="2"/>
+              </a:rPr>
+              <a:t></a:t>
+            </a:r>
+          </a:p>
+        </p:txBody>
+      </p:sp>
       <p:pic>
         <p:nvPicPr>
           <p:cNvPr id="8" name="Content Placeholder 7">
@@ -13100,7 +14030,7 @@
           </p:nvPr>
         </p:nvPicPr>
         <p:blipFill>
-          <a:blip r:embed="rId3"/>
+          <a:blip r:embed="rId2"/>
           <a:stretch>
             <a:fillRect/>
           </a:stretch>
@@ -13137,7 +14067,7 @@
 </p:sld>
 </file>
 
-<file path=ppt/slides/slide32.xml><?xml version="1.0" encoding="utf-8"?>
+<file path=ppt/slides/slide34.xml><?xml version="1.0" encoding="utf-8"?>
 <p:sld xmlns:a="http://schemas.openxmlformats.org/drawingml/2006/main" xmlns:r="http://schemas.openxmlformats.org/officeDocument/2006/relationships" xmlns:p="http://schemas.openxmlformats.org/presentationml/2006/main">
   <p:cSld>
     <p:spTree>
@@ -13171,7 +14101,7 @@
           <a:p>
             <a:r>
               <a:rPr lang="en-US" dirty="0"/>
-              <a:t>How to classify food taste?</a:t>
+              <a:t>How did I classify the food taste?</a:t>
             </a:r>
           </a:p>
         </p:txBody>
@@ -13325,7 +14255,7 @@
 </p:sld>
 </file>
 
-<file path=ppt/slides/slide33.xml><?xml version="1.0" encoding="utf-8"?>
+<file path=ppt/slides/slide35.xml><?xml version="1.0" encoding="utf-8"?>
 <p:sld xmlns:a="http://schemas.openxmlformats.org/drawingml/2006/main" xmlns:r="http://schemas.openxmlformats.org/officeDocument/2006/relationships" xmlns:p="http://schemas.openxmlformats.org/presentationml/2006/main">
   <p:cSld>
     <p:spTree>
@@ -13359,7 +14289,7 @@
           <a:p>
             <a:r>
               <a:rPr lang="en-US" dirty="0"/>
-              <a:t>How to recommend the food?</a:t>
+              <a:t>How did it recommend the food?</a:t>
             </a:r>
           </a:p>
         </p:txBody>
@@ -13442,7 +14372,7 @@
 </p:sld>
 </file>
 
-<file path=ppt/slides/slide34.xml><?xml version="1.0" encoding="utf-8"?>
+<file path=ppt/slides/slide36.xml><?xml version="1.0" encoding="utf-8"?>
 <p:sld xmlns:a="http://schemas.openxmlformats.org/drawingml/2006/main" xmlns:r="http://schemas.openxmlformats.org/officeDocument/2006/relationships" xmlns:p="http://schemas.openxmlformats.org/presentationml/2006/main">
   <p:cSld>
     <p:spTree>
@@ -13476,7 +14406,7 @@
           <a:p>
             <a:r>
               <a:rPr lang="en-US" dirty="0"/>
-              <a:t>How to recommend the food?</a:t>
+              <a:t>How did it recommend the food?</a:t>
             </a:r>
           </a:p>
         </p:txBody>
@@ -13532,7 +14462,7 @@
           <a:p>
             <a:r>
               <a:rPr lang="en-US" dirty="0"/>
-              <a:t>For example, user says “I want to something sweet and spicy!!!”.</a:t>
+              <a:t>For example, user says “I want to eat something sweet and spicy!!!”.</a:t>
             </a:r>
           </a:p>
           <a:p>
@@ -13611,7 +14541,7 @@
 </p:sld>
 </file>
 
-<file path=ppt/slides/slide35.xml><?xml version="1.0" encoding="utf-8"?>
+<file path=ppt/slides/slide37.xml><?xml version="1.0" encoding="utf-8"?>
 <p:sld xmlns:a="http://schemas.openxmlformats.org/drawingml/2006/main" xmlns:r="http://schemas.openxmlformats.org/officeDocument/2006/relationships" xmlns:p="http://schemas.openxmlformats.org/presentationml/2006/main">
   <p:cSld>
     <p:spTree>
@@ -13645,7 +14575,7 @@
           <a:p>
             <a:r>
               <a:rPr lang="en-US" dirty="0"/>
-              <a:t>How to recommend the food?</a:t>
+              <a:t>How did it recommend the food?</a:t>
             </a:r>
           </a:p>
         </p:txBody>
@@ -13669,13 +14599,13 @@
           <a:p>
             <a:r>
               <a:rPr lang="en-US" dirty="0"/>
-              <a:t>Wait! What if the user says “I want to eat something sweet, but not spicy!!!”? Or what if the user says “I want to eat something sweet, but a little sour.”?</a:t>
-            </a:r>
-          </a:p>
-          <a:p>
-            <a:r>
-              <a:rPr lang="en-US" dirty="0"/>
-              <a:t>Well, I’m sorry to say that it’s this recommender weakness. </a:t>
+              <a:t>Wait! What if the user says “I want to eat something sweet, but not spicy!!!”? Or what if the user says “I want to eat something sweet, but only a little bit sour.”?</a:t>
+            </a:r>
+          </a:p>
+          <a:p>
+            <a:r>
+              <a:rPr lang="en-US" dirty="0"/>
+              <a:t>Well, I’m sorry to say that it’s one of the recommender’s weakness. </a:t>
             </a:r>
           </a:p>
           <a:p>
@@ -13761,7 +14691,7 @@
 </p:sld>
 </file>
 
-<file path=ppt/slides/slide36.xml><?xml version="1.0" encoding="utf-8"?>
+<file path=ppt/slides/slide38.xml><?xml version="1.0" encoding="utf-8"?>
 <p:sld xmlns:a="http://schemas.openxmlformats.org/drawingml/2006/main" xmlns:r="http://schemas.openxmlformats.org/officeDocument/2006/relationships" xmlns:p="http://schemas.openxmlformats.org/presentationml/2006/main">
   <p:cSld>
     <p:spTree>
@@ -13795,7 +14725,7 @@
           <a:p>
             <a:r>
               <a:rPr lang="en-US" dirty="0"/>
-              <a:t>How to deploy our food recommender?</a:t>
+              <a:t>How did I deploy the food recommender?</a:t>
             </a:r>
           </a:p>
         </p:txBody>
@@ -13878,312 +14808,6 @@
 </p:sld>
 </file>
 
-<file path=ppt/slides/slide37.xml><?xml version="1.0" encoding="utf-8"?>
-<p:sld xmlns:a="http://schemas.openxmlformats.org/drawingml/2006/main" xmlns:r="http://schemas.openxmlformats.org/officeDocument/2006/relationships" xmlns:p="http://schemas.openxmlformats.org/presentationml/2006/main">
-  <p:cSld>
-    <p:spTree>
-      <p:nvGrpSpPr>
-        <p:cNvPr id="1" name=""/>
-        <p:cNvGrpSpPr/>
-        <p:nvPr/>
-      </p:nvGrpSpPr>
-      <p:grpSpPr>
-        <a:xfrm>
-          <a:off x="0" y="0"/>
-          <a:ext cx="0" cy="0"/>
-          <a:chOff x="0" y="0"/>
-          <a:chExt cx="0" cy="0"/>
-        </a:xfrm>
-      </p:grpSpPr>
-      <p:sp>
-        <p:nvSpPr>
-          <p:cNvPr id="5" name="Title 4">
-            <a:extLst>
-              <a:ext uri="{FF2B5EF4-FFF2-40B4-BE49-F238E27FC236}">
-                <a16:creationId xmlns:a16="http://schemas.microsoft.com/office/drawing/2014/main" id="{ABA92AD0-7B94-DA05-7C17-EA1244F3B12C}"/>
-              </a:ext>
-            </a:extLst>
-          </p:cNvPr>
-          <p:cNvSpPr>
-            <a:spLocks noGrp="1"/>
-          </p:cNvSpPr>
-          <p:nvPr>
-            <p:ph type="title"/>
-          </p:nvPr>
-        </p:nvSpPr>
-        <p:spPr/>
-        <p:txBody>
-          <a:bodyPr/>
-          <a:lstStyle/>
-          <a:p>
-            <a:r>
-              <a:rPr lang="en-US" dirty="0"/>
-              <a:t>How to deploy our food recommender?</a:t>
-            </a:r>
-            <a:endParaRPr lang="en-ID" dirty="0"/>
-          </a:p>
-        </p:txBody>
-      </p:sp>
-      <p:sp>
-        <p:nvSpPr>
-          <p:cNvPr id="6" name="Content Placeholder 5">
-            <a:extLst>
-              <a:ext uri="{FF2B5EF4-FFF2-40B4-BE49-F238E27FC236}">
-                <a16:creationId xmlns:a16="http://schemas.microsoft.com/office/drawing/2014/main" id="{4400EB5E-259F-0A0B-5749-ED1778081BAE}"/>
-              </a:ext>
-            </a:extLst>
-          </p:cNvPr>
-          <p:cNvSpPr>
-            <a:spLocks noGrp="1"/>
-          </p:cNvSpPr>
-          <p:nvPr>
-            <p:ph idx="1"/>
-          </p:nvPr>
-        </p:nvSpPr>
-        <p:spPr/>
-        <p:txBody>
-          <a:bodyPr/>
-          <a:lstStyle/>
-          <a:p>
-            <a:r>
-              <a:rPr lang="en-US" dirty="0"/>
-              <a:t>This is my first time to deploy my creation to a web service, so this might look amateur for you. XD</a:t>
-            </a:r>
-          </a:p>
-          <a:p>
-            <a:r>
-              <a:rPr lang="en-US" dirty="0"/>
-              <a:t>I chose </a:t>
-            </a:r>
-            <a:r>
-              <a:rPr lang="en-US" b="1" dirty="0" err="1"/>
-              <a:t>Streamlit</a:t>
-            </a:r>
-            <a:r>
-              <a:rPr lang="en-US" dirty="0"/>
-              <a:t> to deploy this food recommender, thanks to this </a:t>
-            </a:r>
-            <a:r>
-              <a:rPr lang="en-US" dirty="0">
-                <a:hlinkClick r:id="rId2"/>
-              </a:rPr>
-              <a:t>tutorial</a:t>
-            </a:r>
-            <a:r>
-              <a:rPr lang="en-US" dirty="0"/>
-              <a:t>.</a:t>
-            </a:r>
-          </a:p>
-          <a:p>
-            <a:r>
-              <a:rPr lang="en-ID" dirty="0"/>
-              <a:t>Using </a:t>
-            </a:r>
-            <a:r>
-              <a:rPr lang="en-ID" dirty="0" err="1"/>
-              <a:t>Streamlit</a:t>
-            </a:r>
-            <a:r>
-              <a:rPr lang="en-ID" dirty="0"/>
-              <a:t> is the easiest and faster way to deploy our data apps.</a:t>
-            </a:r>
-          </a:p>
-          <a:p>
-            <a:r>
-              <a:rPr lang="en-ID" dirty="0"/>
-              <a:t>Just upload the code on </a:t>
-            </a:r>
-            <a:r>
-              <a:rPr lang="en-ID" b="1" dirty="0" err="1"/>
-              <a:t>Github</a:t>
-            </a:r>
-            <a:r>
-              <a:rPr lang="en-ID" dirty="0"/>
-              <a:t>, create an account on </a:t>
-            </a:r>
-            <a:r>
-              <a:rPr lang="en-ID" b="1" dirty="0" err="1"/>
-              <a:t>Streamlit</a:t>
-            </a:r>
-            <a:r>
-              <a:rPr lang="en-ID" dirty="0"/>
-              <a:t>, then connect the </a:t>
-            </a:r>
-            <a:r>
-              <a:rPr lang="en-ID" b="1" dirty="0" err="1"/>
-              <a:t>Github</a:t>
-            </a:r>
-            <a:r>
-              <a:rPr lang="en-ID" dirty="0"/>
-              <a:t> repository to the </a:t>
-            </a:r>
-            <a:r>
-              <a:rPr lang="en-ID" b="1" dirty="0" err="1"/>
-              <a:t>Streamlit</a:t>
-            </a:r>
-            <a:r>
-              <a:rPr lang="en-ID" dirty="0"/>
-              <a:t>.</a:t>
-            </a:r>
-          </a:p>
-          <a:p>
-            <a:r>
-              <a:rPr lang="en-ID" dirty="0"/>
-              <a:t>The detail explanation on how to do it can be read on the tutorial and my code on </a:t>
-            </a:r>
-            <a:r>
-              <a:rPr lang="en-ID" b="1" dirty="0" err="1"/>
-              <a:t>Github</a:t>
-            </a:r>
-            <a:r>
-              <a:rPr lang="en-ID" dirty="0"/>
-              <a:t>.</a:t>
-            </a:r>
-          </a:p>
-        </p:txBody>
-      </p:sp>
-    </p:spTree>
-    <p:extLst>
-      <p:ext uri="{BB962C8B-B14F-4D97-AF65-F5344CB8AC3E}">
-        <p14:creationId xmlns:p14="http://schemas.microsoft.com/office/powerpoint/2010/main" val="750750746"/>
-      </p:ext>
-    </p:extLst>
-  </p:cSld>
-  <p:clrMapOvr>
-    <a:masterClrMapping/>
-  </p:clrMapOvr>
-  <mc:AlternateContent xmlns:mc="http://schemas.openxmlformats.org/markup-compatibility/2006" xmlns:p14="http://schemas.microsoft.com/office/powerpoint/2010/main">
-    <mc:Choice Requires="p14">
-      <p:transition spd="med" p14:dur="700">
-        <p:fade/>
-      </p:transition>
-    </mc:Choice>
-    <mc:Fallback xmlns="">
-      <p:transition spd="med">
-        <p:fade/>
-      </p:transition>
-    </mc:Fallback>
-  </mc:AlternateContent>
-</p:sld>
-</file>
-
-<file path=ppt/slides/slide38.xml><?xml version="1.0" encoding="utf-8"?>
-<p:sld xmlns:a="http://schemas.openxmlformats.org/drawingml/2006/main" xmlns:r="http://schemas.openxmlformats.org/officeDocument/2006/relationships" xmlns:p="http://schemas.openxmlformats.org/presentationml/2006/main">
-  <p:cSld>
-    <p:spTree>
-      <p:nvGrpSpPr>
-        <p:cNvPr id="1" name=""/>
-        <p:cNvGrpSpPr/>
-        <p:nvPr/>
-      </p:nvGrpSpPr>
-      <p:grpSpPr>
-        <a:xfrm>
-          <a:off x="0" y="0"/>
-          <a:ext cx="0" cy="0"/>
-          <a:chOff x="0" y="0"/>
-          <a:chExt cx="0" cy="0"/>
-        </a:xfrm>
-      </p:grpSpPr>
-      <p:sp>
-        <p:nvSpPr>
-          <p:cNvPr id="2" name="Title 1"/>
-          <p:cNvSpPr>
-            <a:spLocks noGrp="1"/>
-          </p:cNvSpPr>
-          <p:nvPr>
-            <p:ph type="title"/>
-          </p:nvPr>
-        </p:nvSpPr>
-        <p:spPr/>
-        <p:txBody>
-          <a:bodyPr/>
-          <a:lstStyle/>
-          <a:p>
-            <a:r>
-              <a:rPr lang="en-US" dirty="0"/>
-              <a:t>What are this recommender’s weaknesses?</a:t>
-            </a:r>
-          </a:p>
-        </p:txBody>
-      </p:sp>
-      <p:sp>
-        <p:nvSpPr>
-          <p:cNvPr id="4" name="Text Placeholder 3"/>
-          <p:cNvSpPr>
-            <a:spLocks noGrp="1"/>
-          </p:cNvSpPr>
-          <p:nvPr>
-            <p:ph type="body" sz="half" idx="2"/>
-          </p:nvPr>
-        </p:nvSpPr>
-        <p:spPr/>
-        <p:txBody>
-          <a:bodyPr/>
-          <a:lstStyle/>
-          <a:p>
-            <a:endParaRPr lang="en-US" dirty="0"/>
-          </a:p>
-        </p:txBody>
-      </p:sp>
-      <p:pic>
-        <p:nvPicPr>
-          <p:cNvPr id="8" name="Picture Placeholder 7">
-            <a:extLst>
-              <a:ext uri="{FF2B5EF4-FFF2-40B4-BE49-F238E27FC236}">
-                <a16:creationId xmlns:a16="http://schemas.microsoft.com/office/drawing/2014/main" id="{67E3FF8B-5F4E-92B0-0CA0-AB626F3FBFB6}"/>
-              </a:ext>
-            </a:extLst>
-          </p:cNvPr>
-          <p:cNvPicPr>
-            <a:picLocks noGrp="1" noChangeAspect="1"/>
-          </p:cNvPicPr>
-          <p:nvPr>
-            <p:ph type="pic" idx="1"/>
-          </p:nvPr>
-        </p:nvPicPr>
-        <p:blipFill rotWithShape="1">
-          <a:blip r:embed="rId2">
-            <a:extLst>
-              <a:ext uri="{28A0092B-C50C-407E-A947-70E740481C1C}">
-                <a14:useLocalDpi xmlns:a14="http://schemas.microsoft.com/office/drawing/2010/main" val="0"/>
-              </a:ext>
-            </a:extLst>
-          </a:blip>
-          <a:srcRect l="8864" t="13992" r="9567" b="19177"/>
-          <a:stretch/>
-        </p:blipFill>
-        <p:spPr>
-          <a:xfrm>
-            <a:off x="837828" y="490143"/>
-            <a:ext cx="5688632" cy="5747169"/>
-          </a:xfrm>
-        </p:spPr>
-      </p:pic>
-    </p:spTree>
-    <p:extLst>
-      <p:ext uri="{BB962C8B-B14F-4D97-AF65-F5344CB8AC3E}">
-        <p14:creationId xmlns:p14="http://schemas.microsoft.com/office/powerpoint/2010/main" val="2261249309"/>
-      </p:ext>
-    </p:extLst>
-  </p:cSld>
-  <p:clrMapOvr>
-    <a:masterClrMapping/>
-  </p:clrMapOvr>
-  <mc:AlternateContent xmlns:mc="http://schemas.openxmlformats.org/markup-compatibility/2006" xmlns:p14="http://schemas.microsoft.com/office/powerpoint/2010/main">
-    <mc:Choice Requires="p14">
-      <p:transition spd="med" p14:dur="700">
-        <p:fade/>
-      </p:transition>
-    </mc:Choice>
-    <mc:Fallback xmlns="">
-      <p:transition spd="med">
-        <p:fade/>
-      </p:transition>
-    </mc:Fallback>
-  </mc:AlternateContent>
-</p:sld>
-</file>
-
 <file path=ppt/slides/slide39.xml><?xml version="1.0" encoding="utf-8"?>
 <p:sld xmlns:a="http://schemas.openxmlformats.org/drawingml/2006/main" xmlns:r="http://schemas.openxmlformats.org/officeDocument/2006/relationships" xmlns:p="http://schemas.openxmlformats.org/presentationml/2006/main">
   <p:cSld>
@@ -14203,100 +14827,155 @@
       </p:grpSpPr>
       <p:sp>
         <p:nvSpPr>
-          <p:cNvPr id="2" name="Title 1"/>
-          <p:cNvSpPr>
-            <a:spLocks noGrp="1"/>
-          </p:cNvSpPr>
-          <p:nvPr>
-            <p:ph type="title"/>
-          </p:nvPr>
-        </p:nvSpPr>
-        <p:spPr/>
-        <p:txBody>
-          <a:bodyPr/>
-          <a:lstStyle/>
-          <a:p>
-            <a:r>
-              <a:rPr lang="en-US" dirty="0"/>
-              <a:t>What are this recommender’s weaknesses?</a:t>
-            </a:r>
-          </a:p>
-        </p:txBody>
-      </p:sp>
-      <p:sp>
-        <p:nvSpPr>
-          <p:cNvPr id="3" name="Content Placeholder 2"/>
-          <p:cNvSpPr>
-            <a:spLocks noGrp="1"/>
-          </p:cNvSpPr>
-          <p:nvPr>
-            <p:ph idx="1"/>
-          </p:nvPr>
-        </p:nvSpPr>
-        <p:spPr/>
-        <p:txBody>
-          <a:bodyPr>
-            <a:normAutofit/>
-          </a:bodyPr>
-          <a:lstStyle/>
-          <a:p>
-            <a:r>
-              <a:rPr lang="en-US" dirty="0"/>
-              <a:t>I’m pretty sure that there are still so many weaknesses since this is a very simple food recommender.</a:t>
-            </a:r>
-          </a:p>
-          <a:p>
-            <a:r>
-              <a:rPr lang="en-US" dirty="0"/>
-              <a:t>You might have noticed it, but I didn’t check the accuracy of the model.</a:t>
-            </a:r>
-          </a:p>
-          <a:p>
-            <a:r>
-              <a:rPr lang="en-US" dirty="0"/>
-              <a:t>Why? Because we don’t even know whether our first labelling method is correct. We only depend on the food’s title. It will effect our model of course.</a:t>
-            </a:r>
-          </a:p>
-          <a:p>
-            <a:endParaRPr lang="en-US" dirty="0"/>
-          </a:p>
-        </p:txBody>
-      </p:sp>
-      <p:pic>
-        <p:nvPicPr>
-          <p:cNvPr id="8" name="Picture Placeholder 7">
+          <p:cNvPr id="5" name="Title 4">
             <a:extLst>
               <a:ext uri="{FF2B5EF4-FFF2-40B4-BE49-F238E27FC236}">
-                <a16:creationId xmlns:a16="http://schemas.microsoft.com/office/drawing/2014/main" id="{801D8386-2FBB-CD58-4BB2-E252DD8222C0}"/>
+                <a16:creationId xmlns:a16="http://schemas.microsoft.com/office/drawing/2014/main" id="{ABA92AD0-7B94-DA05-7C17-EA1244F3B12C}"/>
               </a:ext>
             </a:extLst>
           </p:cNvPr>
-          <p:cNvPicPr>
-            <a:picLocks noGrp="1" noChangeAspect="1"/>
-          </p:cNvPicPr>
-          <p:nvPr>
-            <p:ph type="pic" sz="quarter" idx="13"/>
-          </p:nvPr>
-        </p:nvPicPr>
-        <p:blipFill>
-          <a:blip r:embed="rId2" cstate="print">
+          <p:cNvSpPr>
+            <a:spLocks noGrp="1"/>
+          </p:cNvSpPr>
+          <p:nvPr>
+            <p:ph type="title"/>
+          </p:nvPr>
+        </p:nvSpPr>
+        <p:spPr/>
+        <p:txBody>
+          <a:bodyPr/>
+          <a:lstStyle/>
+          <a:p>
+            <a:r>
+              <a:rPr lang="en-US" dirty="0"/>
+              <a:t>How did I deploy the food recommender?</a:t>
+            </a:r>
+            <a:endParaRPr lang="en-ID" dirty="0"/>
+          </a:p>
+        </p:txBody>
+      </p:sp>
+      <p:sp>
+        <p:nvSpPr>
+          <p:cNvPr id="6" name="Content Placeholder 5">
             <a:extLst>
-              <a:ext uri="{28A0092B-C50C-407E-A947-70E740481C1C}">
-                <a14:useLocalDpi xmlns:a14="http://schemas.microsoft.com/office/drawing/2010/main" val="0"/>
+              <a:ext uri="{FF2B5EF4-FFF2-40B4-BE49-F238E27FC236}">
+                <a16:creationId xmlns:a16="http://schemas.microsoft.com/office/drawing/2014/main" id="{4400EB5E-259F-0A0B-5749-ED1778081BAE}"/>
               </a:ext>
             </a:extLst>
-          </a:blip>
-          <a:srcRect l="4622" r="4622"/>
-          <a:stretch>
-            <a:fillRect/>
-          </a:stretch>
-        </p:blipFill>
+          </p:cNvPr>
+          <p:cNvSpPr>
+            <a:spLocks noGrp="1"/>
+          </p:cNvSpPr>
+          <p:nvPr>
+            <p:ph idx="1"/>
+          </p:nvPr>
+        </p:nvSpPr>
         <p:spPr/>
-      </p:pic>
+        <p:txBody>
+          <a:bodyPr/>
+          <a:lstStyle/>
+          <a:p>
+            <a:r>
+              <a:rPr lang="en-US" dirty="0"/>
+              <a:t>This is my first time deploying my creation to a web service, so this might look amateur for you. XD</a:t>
+            </a:r>
+          </a:p>
+          <a:p>
+            <a:r>
+              <a:rPr lang="en-US" dirty="0"/>
+              <a:t>I chose </a:t>
+            </a:r>
+            <a:r>
+              <a:rPr lang="en-US" b="1" dirty="0" err="1"/>
+              <a:t>Streamlit</a:t>
+            </a:r>
+            <a:r>
+              <a:rPr lang="en-US" dirty="0"/>
+              <a:t> to deploy this food recommender, thanks to this </a:t>
+            </a:r>
+            <a:r>
+              <a:rPr lang="en-US" dirty="0">
+                <a:hlinkClick r:id="rId2"/>
+              </a:rPr>
+              <a:t>tutorial</a:t>
+            </a:r>
+            <a:r>
+              <a:rPr lang="en-US" dirty="0"/>
+              <a:t>.</a:t>
+            </a:r>
+          </a:p>
+          <a:p>
+            <a:r>
+              <a:rPr lang="en-ID" dirty="0"/>
+              <a:t>Using </a:t>
+            </a:r>
+            <a:r>
+              <a:rPr lang="en-ID" b="1" dirty="0" err="1"/>
+              <a:t>Streamlit</a:t>
+            </a:r>
+            <a:r>
+              <a:rPr lang="en-ID" dirty="0"/>
+              <a:t> is the easiest and faster way to deploy our data apps.</a:t>
+            </a:r>
+          </a:p>
+          <a:p>
+            <a:r>
+              <a:rPr lang="en-ID" dirty="0"/>
+              <a:t>Just upload the code to </a:t>
+            </a:r>
+            <a:r>
+              <a:rPr lang="en-ID" b="1" dirty="0" err="1"/>
+              <a:t>Github</a:t>
+            </a:r>
+            <a:r>
+              <a:rPr lang="en-ID" dirty="0"/>
+              <a:t>, create an account on </a:t>
+            </a:r>
+            <a:r>
+              <a:rPr lang="en-ID" b="1" dirty="0" err="1"/>
+              <a:t>Streamlit</a:t>
+            </a:r>
+            <a:r>
+              <a:rPr lang="en-ID" dirty="0"/>
+              <a:t>, then connect the </a:t>
+            </a:r>
+            <a:r>
+              <a:rPr lang="en-ID" b="1" dirty="0" err="1"/>
+              <a:t>Github</a:t>
+            </a:r>
+            <a:r>
+              <a:rPr lang="en-ID" dirty="0"/>
+              <a:t> repository to the </a:t>
+            </a:r>
+            <a:r>
+              <a:rPr lang="en-ID" b="1" dirty="0" err="1"/>
+              <a:t>Streamlit</a:t>
+            </a:r>
+            <a:r>
+              <a:rPr lang="en-ID" dirty="0"/>
+              <a:t>.</a:t>
+            </a:r>
+          </a:p>
+          <a:p>
+            <a:r>
+              <a:rPr lang="en-ID" dirty="0"/>
+              <a:t>The detail explanation on how to do it can be read on the tutorial and my code on </a:t>
+            </a:r>
+            <a:r>
+              <a:rPr lang="en-ID" b="1" dirty="0" err="1"/>
+              <a:t>Github</a:t>
+            </a:r>
+            <a:r>
+              <a:rPr lang="en-ID" dirty="0"/>
+              <a:t>.</a:t>
+            </a:r>
+          </a:p>
+        </p:txBody>
+      </p:sp>
     </p:spTree>
     <p:extLst>
       <p:ext uri="{BB962C8B-B14F-4D97-AF65-F5344CB8AC3E}">
-        <p14:creationId xmlns:p14="http://schemas.microsoft.com/office/powerpoint/2010/main" val="2556214580"/>
+        <p14:creationId xmlns:p14="http://schemas.microsoft.com/office/powerpoint/2010/main" val="750750746"/>
       </p:ext>
     </p:extLst>
   </p:cSld>
@@ -14488,6 +15167,123 @@
       </p:sp>
       <p:sp>
         <p:nvSpPr>
+          <p:cNvPr id="4" name="Text Placeholder 3"/>
+          <p:cNvSpPr>
+            <a:spLocks noGrp="1"/>
+          </p:cNvSpPr>
+          <p:nvPr>
+            <p:ph type="body" sz="half" idx="2"/>
+          </p:nvPr>
+        </p:nvSpPr>
+        <p:spPr/>
+        <p:txBody>
+          <a:bodyPr/>
+          <a:lstStyle/>
+          <a:p>
+            <a:endParaRPr lang="en-US" dirty="0"/>
+          </a:p>
+        </p:txBody>
+      </p:sp>
+      <p:pic>
+        <p:nvPicPr>
+          <p:cNvPr id="8" name="Picture Placeholder 7">
+            <a:extLst>
+              <a:ext uri="{FF2B5EF4-FFF2-40B4-BE49-F238E27FC236}">
+                <a16:creationId xmlns:a16="http://schemas.microsoft.com/office/drawing/2014/main" id="{67E3FF8B-5F4E-92B0-0CA0-AB626F3FBFB6}"/>
+              </a:ext>
+            </a:extLst>
+          </p:cNvPr>
+          <p:cNvPicPr>
+            <a:picLocks noGrp="1" noChangeAspect="1"/>
+          </p:cNvPicPr>
+          <p:nvPr>
+            <p:ph type="pic" idx="1"/>
+          </p:nvPr>
+        </p:nvPicPr>
+        <p:blipFill rotWithShape="1">
+          <a:blip r:embed="rId2">
+            <a:extLst>
+              <a:ext uri="{28A0092B-C50C-407E-A947-70E740481C1C}">
+                <a14:useLocalDpi xmlns:a14="http://schemas.microsoft.com/office/drawing/2010/main" val="0"/>
+              </a:ext>
+            </a:extLst>
+          </a:blip>
+          <a:srcRect l="8864" t="13992" r="9567" b="19177"/>
+          <a:stretch/>
+        </p:blipFill>
+        <p:spPr>
+          <a:xfrm>
+            <a:off x="837828" y="490143"/>
+            <a:ext cx="5688632" cy="5747169"/>
+          </a:xfrm>
+        </p:spPr>
+      </p:pic>
+    </p:spTree>
+    <p:extLst>
+      <p:ext uri="{BB962C8B-B14F-4D97-AF65-F5344CB8AC3E}">
+        <p14:creationId xmlns:p14="http://schemas.microsoft.com/office/powerpoint/2010/main" val="2261249309"/>
+      </p:ext>
+    </p:extLst>
+  </p:cSld>
+  <p:clrMapOvr>
+    <a:masterClrMapping/>
+  </p:clrMapOvr>
+  <mc:AlternateContent xmlns:mc="http://schemas.openxmlformats.org/markup-compatibility/2006" xmlns:p14="http://schemas.microsoft.com/office/powerpoint/2010/main">
+    <mc:Choice Requires="p14">
+      <p:transition spd="med" p14:dur="700">
+        <p:fade/>
+      </p:transition>
+    </mc:Choice>
+    <mc:Fallback xmlns="">
+      <p:transition spd="med">
+        <p:fade/>
+      </p:transition>
+    </mc:Fallback>
+  </mc:AlternateContent>
+</p:sld>
+</file>
+
+<file path=ppt/slides/slide41.xml><?xml version="1.0" encoding="utf-8"?>
+<p:sld xmlns:a="http://schemas.openxmlformats.org/drawingml/2006/main" xmlns:r="http://schemas.openxmlformats.org/officeDocument/2006/relationships" xmlns:p="http://schemas.openxmlformats.org/presentationml/2006/main">
+  <p:cSld>
+    <p:spTree>
+      <p:nvGrpSpPr>
+        <p:cNvPr id="1" name=""/>
+        <p:cNvGrpSpPr/>
+        <p:nvPr/>
+      </p:nvGrpSpPr>
+      <p:grpSpPr>
+        <a:xfrm>
+          <a:off x="0" y="0"/>
+          <a:ext cx="0" cy="0"/>
+          <a:chOff x="0" y="0"/>
+          <a:chExt cx="0" cy="0"/>
+        </a:xfrm>
+      </p:grpSpPr>
+      <p:sp>
+        <p:nvSpPr>
+          <p:cNvPr id="2" name="Title 1"/>
+          <p:cNvSpPr>
+            <a:spLocks noGrp="1"/>
+          </p:cNvSpPr>
+          <p:nvPr>
+            <p:ph type="title"/>
+          </p:nvPr>
+        </p:nvSpPr>
+        <p:spPr/>
+        <p:txBody>
+          <a:bodyPr/>
+          <a:lstStyle/>
+          <a:p>
+            <a:r>
+              <a:rPr lang="en-US" dirty="0"/>
+              <a:t>What are this recommender’s weaknesses?</a:t>
+            </a:r>
+          </a:p>
+        </p:txBody>
+      </p:sp>
+      <p:sp>
+        <p:nvSpPr>
           <p:cNvPr id="3" name="Content Placeholder 2"/>
           <p:cNvSpPr>
             <a:spLocks noGrp="1"/>
@@ -14505,7 +15301,292 @@
           <a:p>
             <a:r>
               <a:rPr lang="en-US" dirty="0"/>
-              <a:t>Next, it doesn’t know the difference between “</a:t>
+              <a:t>I’m pretty sure that there are still so many weaknesses since this is a very simple food recommender.</a:t>
+            </a:r>
+          </a:p>
+          <a:p>
+            <a:r>
+              <a:rPr lang="en-US" dirty="0"/>
+              <a:t>First, we don’t know how accurate our classification method since I didn’t check the accuracy of the model.</a:t>
+            </a:r>
+          </a:p>
+          <a:p>
+            <a:r>
+              <a:rPr lang="en-US" dirty="0"/>
+              <a:t>Why? Because we don’t even know whether our first labelling method is correct. We only depend on the food’s name. It will effect our model of course.</a:t>
+            </a:r>
+          </a:p>
+          <a:p>
+            <a:endParaRPr lang="en-US" dirty="0"/>
+          </a:p>
+        </p:txBody>
+      </p:sp>
+      <p:pic>
+        <p:nvPicPr>
+          <p:cNvPr id="8" name="Picture Placeholder 7">
+            <a:extLst>
+              <a:ext uri="{FF2B5EF4-FFF2-40B4-BE49-F238E27FC236}">
+                <a16:creationId xmlns:a16="http://schemas.microsoft.com/office/drawing/2014/main" id="{801D8386-2FBB-CD58-4BB2-E252DD8222C0}"/>
+              </a:ext>
+            </a:extLst>
+          </p:cNvPr>
+          <p:cNvPicPr>
+            <a:picLocks noGrp="1" noChangeAspect="1"/>
+          </p:cNvPicPr>
+          <p:nvPr>
+            <p:ph type="pic" sz="quarter" idx="13"/>
+          </p:nvPr>
+        </p:nvPicPr>
+        <p:blipFill>
+          <a:blip r:embed="rId2" cstate="print">
+            <a:extLst>
+              <a:ext uri="{28A0092B-C50C-407E-A947-70E740481C1C}">
+                <a14:useLocalDpi xmlns:a14="http://schemas.microsoft.com/office/drawing/2010/main" val="0"/>
+              </a:ext>
+            </a:extLst>
+          </a:blip>
+          <a:srcRect l="4622" r="4622"/>
+          <a:stretch>
+            <a:fillRect/>
+          </a:stretch>
+        </p:blipFill>
+        <p:spPr/>
+      </p:pic>
+    </p:spTree>
+    <p:extLst>
+      <p:ext uri="{BB962C8B-B14F-4D97-AF65-F5344CB8AC3E}">
+        <p14:creationId xmlns:p14="http://schemas.microsoft.com/office/powerpoint/2010/main" val="2556214580"/>
+      </p:ext>
+    </p:extLst>
+  </p:cSld>
+  <p:clrMapOvr>
+    <a:masterClrMapping/>
+  </p:clrMapOvr>
+  <mc:AlternateContent xmlns:mc="http://schemas.openxmlformats.org/markup-compatibility/2006" xmlns:p14="http://schemas.microsoft.com/office/powerpoint/2010/main">
+    <mc:Choice Requires="p14">
+      <p:transition spd="med" p14:dur="700">
+        <p:fade/>
+      </p:transition>
+    </mc:Choice>
+    <mc:Fallback xmlns="">
+      <p:transition spd="med">
+        <p:fade/>
+      </p:transition>
+    </mc:Fallback>
+  </mc:AlternateContent>
+</p:sld>
+</file>
+
+<file path=ppt/slides/slide42.xml><?xml version="1.0" encoding="utf-8"?>
+<p:sld xmlns:a="http://schemas.openxmlformats.org/drawingml/2006/main" xmlns:r="http://schemas.openxmlformats.org/officeDocument/2006/relationships" xmlns:p="http://schemas.openxmlformats.org/presentationml/2006/main">
+  <p:cSld>
+    <p:spTree>
+      <p:nvGrpSpPr>
+        <p:cNvPr id="1" name=""/>
+        <p:cNvGrpSpPr/>
+        <p:nvPr/>
+      </p:nvGrpSpPr>
+      <p:grpSpPr>
+        <a:xfrm>
+          <a:off x="0" y="0"/>
+          <a:ext cx="0" cy="0"/>
+          <a:chOff x="0" y="0"/>
+          <a:chExt cx="0" cy="0"/>
+        </a:xfrm>
+      </p:grpSpPr>
+      <p:sp>
+        <p:nvSpPr>
+          <p:cNvPr id="2" name="Title 1"/>
+          <p:cNvSpPr>
+            <a:spLocks noGrp="1"/>
+          </p:cNvSpPr>
+          <p:nvPr>
+            <p:ph type="title"/>
+          </p:nvPr>
+        </p:nvSpPr>
+        <p:spPr/>
+        <p:txBody>
+          <a:bodyPr/>
+          <a:lstStyle/>
+          <a:p>
+            <a:r>
+              <a:rPr lang="en-US" dirty="0"/>
+              <a:t>What are this recommender’s weaknesses?</a:t>
+            </a:r>
+          </a:p>
+        </p:txBody>
+      </p:sp>
+      <p:sp>
+        <p:nvSpPr>
+          <p:cNvPr id="3" name="Content Placeholder 2"/>
+          <p:cNvSpPr>
+            <a:spLocks noGrp="1"/>
+          </p:cNvSpPr>
+          <p:nvPr>
+            <p:ph idx="1"/>
+          </p:nvPr>
+        </p:nvSpPr>
+        <p:spPr/>
+        <p:txBody>
+          <a:bodyPr>
+            <a:normAutofit/>
+          </a:bodyPr>
+          <a:lstStyle/>
+          <a:p>
+            <a:r>
+              <a:rPr lang="en-US" dirty="0"/>
+              <a:t>Second, we don’t know the level of the taste. </a:t>
+            </a:r>
+          </a:p>
+          <a:p>
+            <a:r>
+              <a:rPr lang="en-US" dirty="0"/>
+              <a:t>We don’t know how sweet or bitter is “</a:t>
+            </a:r>
+            <a:r>
+              <a:rPr lang="en-US" i="1" dirty="0"/>
+              <a:t>bittersweet chocolate sorbet</a:t>
+            </a:r>
+            <a:r>
+              <a:rPr lang="en-US" dirty="0"/>
+              <a:t>”. </a:t>
+            </a:r>
+          </a:p>
+          <a:p>
+            <a:r>
+              <a:rPr lang="en-US" dirty="0"/>
+              <a:t>We only know that it is probably sweet and bitter.</a:t>
+            </a:r>
+          </a:p>
+          <a:p>
+            <a:r>
+              <a:rPr lang="en-US" dirty="0"/>
+              <a:t>If only we knew the amount of ingredients used to make that food, then maybe we could guess the taste better.</a:t>
+            </a:r>
+          </a:p>
+          <a:p>
+            <a:r>
+              <a:rPr lang="en-US" dirty="0"/>
+              <a:t>User could also say something like “I want to eat something sweet, but not too sour and spicy”.</a:t>
+            </a:r>
+          </a:p>
+        </p:txBody>
+      </p:sp>
+      <p:pic>
+        <p:nvPicPr>
+          <p:cNvPr id="8" name="Picture Placeholder 7">
+            <a:extLst>
+              <a:ext uri="{FF2B5EF4-FFF2-40B4-BE49-F238E27FC236}">
+                <a16:creationId xmlns:a16="http://schemas.microsoft.com/office/drawing/2014/main" id="{801D8386-2FBB-CD58-4BB2-E252DD8222C0}"/>
+              </a:ext>
+            </a:extLst>
+          </p:cNvPr>
+          <p:cNvPicPr>
+            <a:picLocks noGrp="1" noChangeAspect="1"/>
+          </p:cNvPicPr>
+          <p:nvPr>
+            <p:ph type="pic" sz="quarter" idx="13"/>
+          </p:nvPr>
+        </p:nvPicPr>
+        <p:blipFill>
+          <a:blip r:embed="rId2" cstate="print">
+            <a:extLst>
+              <a:ext uri="{28A0092B-C50C-407E-A947-70E740481C1C}">
+                <a14:useLocalDpi xmlns:a14="http://schemas.microsoft.com/office/drawing/2010/main" val="0"/>
+              </a:ext>
+            </a:extLst>
+          </a:blip>
+          <a:srcRect l="4622" r="4622"/>
+          <a:stretch>
+            <a:fillRect/>
+          </a:stretch>
+        </p:blipFill>
+        <p:spPr/>
+      </p:pic>
+    </p:spTree>
+    <p:extLst>
+      <p:ext uri="{BB962C8B-B14F-4D97-AF65-F5344CB8AC3E}">
+        <p14:creationId xmlns:p14="http://schemas.microsoft.com/office/powerpoint/2010/main" val="2876841532"/>
+      </p:ext>
+    </p:extLst>
+  </p:cSld>
+  <p:clrMapOvr>
+    <a:masterClrMapping/>
+  </p:clrMapOvr>
+  <mc:AlternateContent xmlns:mc="http://schemas.openxmlformats.org/markup-compatibility/2006">
+    <mc:Choice xmlns:p14="http://schemas.microsoft.com/office/powerpoint/2010/main" Requires="p14">
+      <p:transition spd="med" p14:dur="700">
+        <p:fade/>
+      </p:transition>
+    </mc:Choice>
+    <mc:Fallback>
+      <p:transition spd="med">
+        <p:fade/>
+      </p:transition>
+    </mc:Fallback>
+  </mc:AlternateContent>
+</p:sld>
+</file>
+
+<file path=ppt/slides/slide43.xml><?xml version="1.0" encoding="utf-8"?>
+<p:sld xmlns:a="http://schemas.openxmlformats.org/drawingml/2006/main" xmlns:r="http://schemas.openxmlformats.org/officeDocument/2006/relationships" xmlns:p="http://schemas.openxmlformats.org/presentationml/2006/main">
+  <p:cSld>
+    <p:spTree>
+      <p:nvGrpSpPr>
+        <p:cNvPr id="1" name=""/>
+        <p:cNvGrpSpPr/>
+        <p:nvPr/>
+      </p:nvGrpSpPr>
+      <p:grpSpPr>
+        <a:xfrm>
+          <a:off x="0" y="0"/>
+          <a:ext cx="0" cy="0"/>
+          <a:chOff x="0" y="0"/>
+          <a:chExt cx="0" cy="0"/>
+        </a:xfrm>
+      </p:grpSpPr>
+      <p:sp>
+        <p:nvSpPr>
+          <p:cNvPr id="2" name="Title 1"/>
+          <p:cNvSpPr>
+            <a:spLocks noGrp="1"/>
+          </p:cNvSpPr>
+          <p:nvPr>
+            <p:ph type="title"/>
+          </p:nvPr>
+        </p:nvSpPr>
+        <p:spPr/>
+        <p:txBody>
+          <a:bodyPr/>
+          <a:lstStyle/>
+          <a:p>
+            <a:r>
+              <a:rPr lang="en-US" dirty="0"/>
+              <a:t>What are this recommender’s weaknesses?</a:t>
+            </a:r>
+          </a:p>
+        </p:txBody>
+      </p:sp>
+      <p:sp>
+        <p:nvSpPr>
+          <p:cNvPr id="3" name="Content Placeholder 2"/>
+          <p:cNvSpPr>
+            <a:spLocks noGrp="1"/>
+          </p:cNvSpPr>
+          <p:nvPr>
+            <p:ph idx="1"/>
+          </p:nvPr>
+        </p:nvSpPr>
+        <p:spPr/>
+        <p:txBody>
+          <a:bodyPr>
+            <a:normAutofit/>
+          </a:bodyPr>
+          <a:lstStyle/>
+          <a:p>
+            <a:r>
+              <a:rPr lang="en-US" dirty="0"/>
+              <a:t>Third, it doesn’t know the difference between “</a:t>
             </a:r>
             <a:r>
               <a:rPr lang="en-US" i="1" dirty="0"/>
@@ -14521,7 +15602,7 @@
             </a:r>
             <a:r>
               <a:rPr lang="en-US" dirty="0"/>
-              <a:t>”. Like I said before, the recommender will recognize “</a:t>
+              <a:t>”. Like I said on the previous section, the recommender will recognize “</a:t>
             </a:r>
             <a:r>
               <a:rPr lang="en-US" i="1" dirty="0"/>
@@ -14543,7 +15624,7 @@
           <a:p>
             <a:r>
               <a:rPr lang="en-US" dirty="0"/>
-              <a:t>It’s also case sensitive. A little typo won’t make the recommender work properly.</a:t>
+              <a:t>It’s also case sensitive. A little typo on the taste won’t make the recommender work properly.</a:t>
             </a:r>
           </a:p>
           <a:p>
@@ -14565,9 +15646,6 @@
               </a:rPr>
               <a:t></a:t>
             </a:r>
-            <a:endParaRPr lang="en-US" dirty="0"/>
-          </a:p>
-          <a:p>
             <a:endParaRPr lang="en-US" dirty="0"/>
           </a:p>
         </p:txBody>
@@ -14628,7 +15706,7 @@
 </p:sld>
 </file>
 
-<file path=ppt/slides/slide41.xml><?xml version="1.0" encoding="utf-8"?>
+<file path=ppt/slides/slide44.xml><?xml version="1.0" encoding="utf-8"?>
 <p:sld xmlns:a="http://schemas.openxmlformats.org/drawingml/2006/main" xmlns:r="http://schemas.openxmlformats.org/officeDocument/2006/relationships" xmlns:p="http://schemas.openxmlformats.org/presentationml/2006/main">
   <p:cSld>
     <p:spTree>
@@ -14686,7 +15764,150 @@
           <a:p>
             <a:r>
               <a:rPr lang="en-US" dirty="0"/>
-              <a:t>I must say that the information given by the recommender is not that informative. Just giving the name of the food and ingredients won’t help. It will be better of we mention the link to the Food.com. </a:t>
+              <a:t>Fourth, since it only uses dot product between the user’s taste preference and food’s taste vector representation, we can’t sort the food.</a:t>
+            </a:r>
+          </a:p>
+          <a:p>
+            <a:r>
+              <a:rPr lang="en-US" dirty="0"/>
+              <a:t>We will show everything that matches with user’s preference based on our database’s order.</a:t>
+            </a:r>
+          </a:p>
+          <a:p>
+            <a:r>
+              <a:rPr lang="en-US" dirty="0"/>
+              <a:t>There is no best recommendation or something like that.</a:t>
+            </a:r>
+          </a:p>
+        </p:txBody>
+      </p:sp>
+      <p:pic>
+        <p:nvPicPr>
+          <p:cNvPr id="8" name="Picture Placeholder 7">
+            <a:extLst>
+              <a:ext uri="{FF2B5EF4-FFF2-40B4-BE49-F238E27FC236}">
+                <a16:creationId xmlns:a16="http://schemas.microsoft.com/office/drawing/2014/main" id="{801D8386-2FBB-CD58-4BB2-E252DD8222C0}"/>
+              </a:ext>
+            </a:extLst>
+          </p:cNvPr>
+          <p:cNvPicPr>
+            <a:picLocks noGrp="1" noChangeAspect="1"/>
+          </p:cNvPicPr>
+          <p:nvPr>
+            <p:ph type="pic" sz="quarter" idx="13"/>
+          </p:nvPr>
+        </p:nvPicPr>
+        <p:blipFill>
+          <a:blip r:embed="rId2" cstate="print">
+            <a:extLst>
+              <a:ext uri="{28A0092B-C50C-407E-A947-70E740481C1C}">
+                <a14:useLocalDpi xmlns:a14="http://schemas.microsoft.com/office/drawing/2010/main" val="0"/>
+              </a:ext>
+            </a:extLst>
+          </a:blip>
+          <a:srcRect l="4622" r="4622"/>
+          <a:stretch>
+            <a:fillRect/>
+          </a:stretch>
+        </p:blipFill>
+        <p:spPr/>
+      </p:pic>
+    </p:spTree>
+    <p:extLst>
+      <p:ext uri="{BB962C8B-B14F-4D97-AF65-F5344CB8AC3E}">
+        <p14:creationId xmlns:p14="http://schemas.microsoft.com/office/powerpoint/2010/main" val="3113465639"/>
+      </p:ext>
+    </p:extLst>
+  </p:cSld>
+  <p:clrMapOvr>
+    <a:masterClrMapping/>
+  </p:clrMapOvr>
+  <mc:AlternateContent xmlns:mc="http://schemas.openxmlformats.org/markup-compatibility/2006">
+    <mc:Choice xmlns:p14="http://schemas.microsoft.com/office/powerpoint/2010/main" Requires="p14">
+      <p:transition spd="med" p14:dur="700">
+        <p:fade/>
+      </p:transition>
+    </mc:Choice>
+    <mc:Fallback>
+      <p:transition spd="med">
+        <p:fade/>
+      </p:transition>
+    </mc:Fallback>
+  </mc:AlternateContent>
+</p:sld>
+</file>
+
+<file path=ppt/slides/slide45.xml><?xml version="1.0" encoding="utf-8"?>
+<p:sld xmlns:a="http://schemas.openxmlformats.org/drawingml/2006/main" xmlns:r="http://schemas.openxmlformats.org/officeDocument/2006/relationships" xmlns:p="http://schemas.openxmlformats.org/presentationml/2006/main">
+  <p:cSld>
+    <p:spTree>
+      <p:nvGrpSpPr>
+        <p:cNvPr id="1" name=""/>
+        <p:cNvGrpSpPr/>
+        <p:nvPr/>
+      </p:nvGrpSpPr>
+      <p:grpSpPr>
+        <a:xfrm>
+          <a:off x="0" y="0"/>
+          <a:ext cx="0" cy="0"/>
+          <a:chOff x="0" y="0"/>
+          <a:chExt cx="0" cy="0"/>
+        </a:xfrm>
+      </p:grpSpPr>
+      <p:sp>
+        <p:nvSpPr>
+          <p:cNvPr id="2" name="Title 1"/>
+          <p:cNvSpPr>
+            <a:spLocks noGrp="1"/>
+          </p:cNvSpPr>
+          <p:nvPr>
+            <p:ph type="title"/>
+          </p:nvPr>
+        </p:nvSpPr>
+        <p:spPr/>
+        <p:txBody>
+          <a:bodyPr/>
+          <a:lstStyle/>
+          <a:p>
+            <a:r>
+              <a:rPr lang="en-US" dirty="0"/>
+              <a:t>What are this recommender’s weaknesses?</a:t>
+            </a:r>
+          </a:p>
+        </p:txBody>
+      </p:sp>
+      <p:sp>
+        <p:nvSpPr>
+          <p:cNvPr id="3" name="Content Placeholder 2"/>
+          <p:cNvSpPr>
+            <a:spLocks noGrp="1"/>
+          </p:cNvSpPr>
+          <p:nvPr>
+            <p:ph idx="1"/>
+          </p:nvPr>
+        </p:nvSpPr>
+        <p:spPr/>
+        <p:txBody>
+          <a:bodyPr>
+            <a:normAutofit/>
+          </a:bodyPr>
+          <a:lstStyle/>
+          <a:p>
+            <a:r>
+              <a:rPr lang="en-US" dirty="0"/>
+              <a:t>Fifth, I must say that the information given by the recommender is not that informative. </a:t>
+            </a:r>
+          </a:p>
+          <a:p>
+            <a:r>
+              <a:rPr lang="en-US" dirty="0"/>
+              <a:t>Just giving the name of the food and ingredients is still confusing for the user. </a:t>
+            </a:r>
+          </a:p>
+          <a:p>
+            <a:r>
+              <a:rPr lang="en-US" dirty="0"/>
+              <a:t>It will be better of we mention the link to the Food.com. </a:t>
             </a:r>
           </a:p>
           <a:p>
@@ -14694,18 +15915,6 @@
               <a:rPr lang="en-US" dirty="0"/>
               <a:t>But the problem is, I don’t know how to do it. XD</a:t>
             </a:r>
-          </a:p>
-          <a:p>
-            <a:r>
-              <a:rPr lang="en-US" dirty="0"/>
-              <a:t>We can also use fuzzy logic to define the level of each taste, so user can say something like “I want to eat something sweet, but not too sour and spicy”.</a:t>
-            </a:r>
-          </a:p>
-          <a:p>
-            <a:endParaRPr lang="en-US" dirty="0"/>
-          </a:p>
-          <a:p>
-            <a:endParaRPr lang="en-US" dirty="0"/>
           </a:p>
         </p:txBody>
       </p:sp>
@@ -14765,7 +15974,142 @@
 </p:sld>
 </file>
 
-<file path=ppt/slides/slide42.xml><?xml version="1.0" encoding="utf-8"?>
+<file path=ppt/slides/slide46.xml><?xml version="1.0" encoding="utf-8"?>
+<p:sld xmlns:a="http://schemas.openxmlformats.org/drawingml/2006/main" xmlns:r="http://schemas.openxmlformats.org/officeDocument/2006/relationships" xmlns:p="http://schemas.openxmlformats.org/presentationml/2006/main">
+  <p:cSld>
+    <p:spTree>
+      <p:nvGrpSpPr>
+        <p:cNvPr id="1" name=""/>
+        <p:cNvGrpSpPr/>
+        <p:nvPr/>
+      </p:nvGrpSpPr>
+      <p:grpSpPr>
+        <a:xfrm>
+          <a:off x="0" y="0"/>
+          <a:ext cx="0" cy="0"/>
+          <a:chOff x="0" y="0"/>
+          <a:chExt cx="0" cy="0"/>
+        </a:xfrm>
+      </p:grpSpPr>
+      <p:sp>
+        <p:nvSpPr>
+          <p:cNvPr id="2" name="Title 1"/>
+          <p:cNvSpPr>
+            <a:spLocks noGrp="1"/>
+          </p:cNvSpPr>
+          <p:nvPr>
+            <p:ph type="title"/>
+          </p:nvPr>
+        </p:nvSpPr>
+        <p:spPr/>
+        <p:txBody>
+          <a:bodyPr/>
+          <a:lstStyle/>
+          <a:p>
+            <a:r>
+              <a:rPr lang="en-US" dirty="0"/>
+              <a:t>What are this recommender’s weaknesses?</a:t>
+            </a:r>
+          </a:p>
+        </p:txBody>
+      </p:sp>
+      <p:sp>
+        <p:nvSpPr>
+          <p:cNvPr id="3" name="Content Placeholder 2"/>
+          <p:cNvSpPr>
+            <a:spLocks noGrp="1"/>
+          </p:cNvSpPr>
+          <p:nvPr>
+            <p:ph idx="1"/>
+          </p:nvPr>
+        </p:nvSpPr>
+        <p:spPr/>
+        <p:txBody>
+          <a:bodyPr>
+            <a:normAutofit/>
+          </a:bodyPr>
+          <a:lstStyle/>
+          <a:p>
+            <a:r>
+              <a:rPr lang="en-US" dirty="0" err="1"/>
+              <a:t>See..there</a:t>
+            </a:r>
+            <a:r>
+              <a:rPr lang="en-US" dirty="0"/>
+              <a:t> are so many weaknesses this recommender has.</a:t>
+            </a:r>
+          </a:p>
+          <a:p>
+            <a:r>
+              <a:rPr lang="en-US" dirty="0"/>
+              <a:t>In the next future, I will try to improve it one step at the time based on your feedback.</a:t>
+            </a:r>
+          </a:p>
+          <a:p>
+            <a:r>
+              <a:rPr lang="en-US" dirty="0"/>
+              <a:t>I will also try to make this recommender more interactive by using chatbot!</a:t>
+            </a:r>
+          </a:p>
+        </p:txBody>
+      </p:sp>
+      <p:pic>
+        <p:nvPicPr>
+          <p:cNvPr id="8" name="Picture Placeholder 7">
+            <a:extLst>
+              <a:ext uri="{FF2B5EF4-FFF2-40B4-BE49-F238E27FC236}">
+                <a16:creationId xmlns:a16="http://schemas.microsoft.com/office/drawing/2014/main" id="{801D8386-2FBB-CD58-4BB2-E252DD8222C0}"/>
+              </a:ext>
+            </a:extLst>
+          </p:cNvPr>
+          <p:cNvPicPr>
+            <a:picLocks noGrp="1" noChangeAspect="1"/>
+          </p:cNvPicPr>
+          <p:nvPr>
+            <p:ph type="pic" sz="quarter" idx="13"/>
+          </p:nvPr>
+        </p:nvPicPr>
+        <p:blipFill>
+          <a:blip r:embed="rId2" cstate="print">
+            <a:extLst>
+              <a:ext uri="{28A0092B-C50C-407E-A947-70E740481C1C}">
+                <a14:useLocalDpi xmlns:a14="http://schemas.microsoft.com/office/drawing/2010/main" val="0"/>
+              </a:ext>
+            </a:extLst>
+          </a:blip>
+          <a:srcRect l="4622" r="4622"/>
+          <a:stretch>
+            <a:fillRect/>
+          </a:stretch>
+        </p:blipFill>
+        <p:spPr/>
+      </p:pic>
+    </p:spTree>
+    <p:extLst>
+      <p:ext uri="{BB962C8B-B14F-4D97-AF65-F5344CB8AC3E}">
+        <p14:creationId xmlns:p14="http://schemas.microsoft.com/office/powerpoint/2010/main" val="2295270105"/>
+      </p:ext>
+    </p:extLst>
+  </p:cSld>
+  <p:clrMapOvr>
+    <a:masterClrMapping/>
+  </p:clrMapOvr>
+  <mc:AlternateContent xmlns:mc="http://schemas.openxmlformats.org/markup-compatibility/2006">
+    <mc:Choice xmlns:p14="http://schemas.microsoft.com/office/powerpoint/2010/main" Requires="p14">
+      <p:transition spd="med" p14:dur="700">
+        <p:fade/>
+      </p:transition>
+    </mc:Choice>
+    <mc:Fallback>
+      <p:transition spd="med">
+        <p:fade/>
+      </p:transition>
+    </mc:Fallback>
+  </mc:AlternateContent>
+</p:sld>
+</file>
+
+<file path=ppt/slides/slide47.xml><?xml version="1.0" encoding="utf-8"?>
 <p:sld xmlns:a="http://schemas.openxmlformats.org/drawingml/2006/main" xmlns:r="http://schemas.openxmlformats.org/officeDocument/2006/relationships" xmlns:p="http://schemas.openxmlformats.org/presentationml/2006/main">
   <p:cSld>
     <p:spTree>
@@ -14994,7 +16338,7 @@
             </a:pPr>
             <a:r>
               <a:rPr lang="en-US" dirty="0"/>
-              <a:t>Well, I think that’s all from me. I hope it will inspire many people to create something great. Don’t hesitate to ask, comment, or give any suggestion to me.</a:t>
+              <a:t>Well, I think that’s all from me. I hope it will inspire many people to create something great. Don’t hesitate to ask, comment, or give any suggestion for me.</a:t>
             </a:r>
           </a:p>
           <a:p>
